--- a/Data Analysis Project Presentation.pptx
+++ b/Data Analysis Project Presentation.pptx
@@ -2,18 +2,21 @@
 <file path=ppt/presentation.xml><?xml version="1.0" encoding="utf-8"?>
 <p:presentation xmlns:a="http://schemas.openxmlformats.org/drawingml/2006/main" xmlns:r="http://schemas.openxmlformats.org/officeDocument/2006/relationships" xmlns:p="http://schemas.openxmlformats.org/presentationml/2006/main" saveSubsetFonts="1" autoCompressPictures="0">
   <p:sldMasterIdLst>
-    <p:sldMasterId id="2147483648" r:id="rId1"/>
+    <p:sldMasterId id="2147483687" r:id="rId1"/>
   </p:sldMasterIdLst>
   <p:sldIdLst>
-    <p:sldId id="256" r:id="rId2"/>
+    <p:sldId id="257" r:id="rId2"/>
+    <p:sldId id="258" r:id="rId3"/>
+    <p:sldId id="259" r:id="rId4"/>
+    <p:sldId id="260" r:id="rId5"/>
   </p:sldIdLst>
   <p:sldSz cx="12192000" cy="6858000"/>
   <p:notesSz cx="6858000" cy="9144000"/>
   <p:defaultTextStyle>
     <a:defPPr>
-      <a:defRPr lang="fr-FR"/>
+      <a:defRPr lang="en-US"/>
     </a:defPPr>
-    <a:lvl1pPr marL="0" algn="l" defTabSz="914400" rtl="0" eaLnBrk="1" latinLnBrk="0" hangingPunct="1">
+    <a:lvl1pPr marL="0" algn="l" defTabSz="457200" rtl="0" eaLnBrk="1" latinLnBrk="0" hangingPunct="1">
       <a:defRPr sz="1800" kern="1200">
         <a:solidFill>
           <a:schemeClr val="tx1"/>
@@ -23,7 +26,7 @@
         <a:cs typeface="+mn-cs"/>
       </a:defRPr>
     </a:lvl1pPr>
-    <a:lvl2pPr marL="457200" algn="l" defTabSz="914400" rtl="0" eaLnBrk="1" latinLnBrk="0" hangingPunct="1">
+    <a:lvl2pPr marL="457200" algn="l" defTabSz="457200" rtl="0" eaLnBrk="1" latinLnBrk="0" hangingPunct="1">
       <a:defRPr sz="1800" kern="1200">
         <a:solidFill>
           <a:schemeClr val="tx1"/>
@@ -33,7 +36,7 @@
         <a:cs typeface="+mn-cs"/>
       </a:defRPr>
     </a:lvl2pPr>
-    <a:lvl3pPr marL="914400" algn="l" defTabSz="914400" rtl="0" eaLnBrk="1" latinLnBrk="0" hangingPunct="1">
+    <a:lvl3pPr marL="914400" algn="l" defTabSz="457200" rtl="0" eaLnBrk="1" latinLnBrk="0" hangingPunct="1">
       <a:defRPr sz="1800" kern="1200">
         <a:solidFill>
           <a:schemeClr val="tx1"/>
@@ -43,7 +46,7 @@
         <a:cs typeface="+mn-cs"/>
       </a:defRPr>
     </a:lvl3pPr>
-    <a:lvl4pPr marL="1371600" algn="l" defTabSz="914400" rtl="0" eaLnBrk="1" latinLnBrk="0" hangingPunct="1">
+    <a:lvl4pPr marL="1371600" algn="l" defTabSz="457200" rtl="0" eaLnBrk="1" latinLnBrk="0" hangingPunct="1">
       <a:defRPr sz="1800" kern="1200">
         <a:solidFill>
           <a:schemeClr val="tx1"/>
@@ -53,7 +56,7 @@
         <a:cs typeface="+mn-cs"/>
       </a:defRPr>
     </a:lvl4pPr>
-    <a:lvl5pPr marL="1828800" algn="l" defTabSz="914400" rtl="0" eaLnBrk="1" latinLnBrk="0" hangingPunct="1">
+    <a:lvl5pPr marL="1828800" algn="l" defTabSz="457200" rtl="0" eaLnBrk="1" latinLnBrk="0" hangingPunct="1">
       <a:defRPr sz="1800" kern="1200">
         <a:solidFill>
           <a:schemeClr val="tx1"/>
@@ -63,7 +66,7 @@
         <a:cs typeface="+mn-cs"/>
       </a:defRPr>
     </a:lvl5pPr>
-    <a:lvl6pPr marL="2286000" algn="l" defTabSz="914400" rtl="0" eaLnBrk="1" latinLnBrk="0" hangingPunct="1">
+    <a:lvl6pPr marL="2286000" algn="l" defTabSz="457200" rtl="0" eaLnBrk="1" latinLnBrk="0" hangingPunct="1">
       <a:defRPr sz="1800" kern="1200">
         <a:solidFill>
           <a:schemeClr val="tx1"/>
@@ -73,7 +76,7 @@
         <a:cs typeface="+mn-cs"/>
       </a:defRPr>
     </a:lvl6pPr>
-    <a:lvl7pPr marL="2743200" algn="l" defTabSz="914400" rtl="0" eaLnBrk="1" latinLnBrk="0" hangingPunct="1">
+    <a:lvl7pPr marL="2743200" algn="l" defTabSz="457200" rtl="0" eaLnBrk="1" latinLnBrk="0" hangingPunct="1">
       <a:defRPr sz="1800" kern="1200">
         <a:solidFill>
           <a:schemeClr val="tx1"/>
@@ -83,7 +86,7 @@
         <a:cs typeface="+mn-cs"/>
       </a:defRPr>
     </a:lvl7pPr>
-    <a:lvl8pPr marL="3200400" algn="l" defTabSz="914400" rtl="0" eaLnBrk="1" latinLnBrk="0" hangingPunct="1">
+    <a:lvl8pPr marL="3200400" algn="l" defTabSz="457200" rtl="0" eaLnBrk="1" latinLnBrk="0" hangingPunct="1">
       <a:defRPr sz="1800" kern="1200">
         <a:solidFill>
           <a:schemeClr val="tx1"/>
@@ -93,7 +96,7 @@
         <a:cs typeface="+mn-cs"/>
       </a:defRPr>
     </a:lvl8pPr>
-    <a:lvl9pPr marL="3657600" algn="l" defTabSz="914400" rtl="0" eaLnBrk="1" latinLnBrk="0" hangingPunct="1">
+    <a:lvl9pPr marL="3657600" algn="l" defTabSz="457200" rtl="0" eaLnBrk="1" latinLnBrk="0" hangingPunct="1">
       <a:defRPr sz="1800" kern="1200">
         <a:solidFill>
           <a:schemeClr val="tx1"/>
@@ -104,11 +107,16 @@
       </a:defRPr>
     </a:lvl9pPr>
   </p:defaultTextStyle>
+  <p:extLst>
+    <p:ext uri="{EFAFB233-063F-42B5-8137-9DF3F51BA10A}">
+      <p15:sldGuideLst xmlns:p15="http://schemas.microsoft.com/office/powerpoint/2012/main"/>
+    </p:ext>
+  </p:extLst>
 </p:presentation>
 </file>
 
 <file path=ppt/slideLayouts/slideLayout1.xml><?xml version="1.0" encoding="utf-8"?>
-<p:sldLayout xmlns:a="http://schemas.openxmlformats.org/drawingml/2006/main" xmlns:r="http://schemas.openxmlformats.org/officeDocument/2006/relationships" xmlns:p="http://schemas.openxmlformats.org/presentationml/2006/main" type="title" preserve="1">
+<p:sldLayout xmlns:a="http://schemas.openxmlformats.org/drawingml/2006/main" xmlns:r="http://schemas.openxmlformats.org/officeDocument/2006/relationships" xmlns:p="http://schemas.openxmlformats.org/presentationml/2006/main" showMasterSp="0" type="title" preserve="1">
   <p:cSld name="Diapositive de titre">
     <p:spTree>
       <p:nvGrpSpPr>
@@ -126,13 +134,7 @@
       </p:grpSpPr>
       <p:sp>
         <p:nvSpPr>
-          <p:cNvPr id="2" name="Titre 1">
-            <a:extLst>
-              <a:ext uri="{FF2B5EF4-FFF2-40B4-BE49-F238E27FC236}">
-                <a16:creationId xmlns:a16="http://schemas.microsoft.com/office/drawing/2014/main" id="{B8A8F6CB-C8BA-6040-92C6-C9AD9568ECBE}"/>
-              </a:ext>
-            </a:extLst>
-          </p:cNvPr>
+          <p:cNvPr id="2" name="Title 1"/>
           <p:cNvSpPr>
             <a:spLocks noGrp="1"/>
           </p:cNvSpPr>
@@ -142,15 +144,19 @@
         </p:nvSpPr>
         <p:spPr>
           <a:xfrm>
-            <a:off x="1524000" y="1122363"/>
-            <a:ext cx="9144000" cy="2387600"/>
+            <a:off x="684212" y="685799"/>
+            <a:ext cx="8001000" cy="2971801"/>
           </a:xfrm>
         </p:spPr>
         <p:txBody>
-          <a:bodyPr anchor="b"/>
+          <a:bodyPr anchor="b">
+            <a:normAutofit/>
+          </a:bodyPr>
           <a:lstStyle>
-            <a:lvl1pPr algn="ctr">
-              <a:defRPr sz="6000"/>
+            <a:lvl1pPr algn="l">
+              <a:defRPr sz="4800">
+                <a:effectLst/>
+              </a:defRPr>
             </a:lvl1pPr>
           </a:lstStyle>
           <a:p>
@@ -158,18 +164,13 @@
               <a:rPr lang="fr-FR"/>
               <a:t>Modifiez le style du titre</a:t>
             </a:r>
-          </a:p>
-        </p:txBody>
-      </p:sp>
-      <p:sp>
-        <p:nvSpPr>
-          <p:cNvPr id="3" name="Sous-titre 2">
-            <a:extLst>
-              <a:ext uri="{FF2B5EF4-FFF2-40B4-BE49-F238E27FC236}">
-                <a16:creationId xmlns:a16="http://schemas.microsoft.com/office/drawing/2014/main" id="{EB15D4FA-218A-BA41-A4FF-191B83BE6CBC}"/>
-              </a:ext>
-            </a:extLst>
-          </p:cNvPr>
+            <a:endParaRPr lang="en-US" dirty="0"/>
+          </a:p>
+        </p:txBody>
+      </p:sp>
+      <p:sp>
+        <p:nvSpPr>
+          <p:cNvPr id="3" name="Subtitle 2"/>
           <p:cNvSpPr>
             <a:spLocks noGrp="1"/>
           </p:cNvSpPr>
@@ -179,48 +180,104 @@
         </p:nvSpPr>
         <p:spPr>
           <a:xfrm>
-            <a:off x="1524000" y="3602038"/>
-            <a:ext cx="9144000" cy="1655762"/>
+            <a:off x="684212" y="3843867"/>
+            <a:ext cx="6400800" cy="1947333"/>
           </a:xfrm>
         </p:spPr>
         <p:txBody>
-          <a:bodyPr/>
+          <a:bodyPr anchor="t">
+            <a:normAutofit/>
+          </a:bodyPr>
           <a:lstStyle>
-            <a:lvl1pPr marL="0" indent="0" algn="ctr">
-              <a:buNone/>
-              <a:defRPr sz="2400"/>
+            <a:lvl1pPr marL="0" indent="0" algn="l">
+              <a:buNone/>
+              <a:defRPr sz="2100">
+                <a:solidFill>
+                  <a:schemeClr val="bg2">
+                    <a:lumMod val="75000"/>
+                  </a:schemeClr>
+                </a:solidFill>
+              </a:defRPr>
             </a:lvl1pPr>
             <a:lvl2pPr marL="457200" indent="0" algn="ctr">
               <a:buNone/>
-              <a:defRPr sz="2000"/>
+              <a:defRPr>
+                <a:solidFill>
+                  <a:schemeClr val="tx1">
+                    <a:tint val="75000"/>
+                  </a:schemeClr>
+                </a:solidFill>
+              </a:defRPr>
             </a:lvl2pPr>
             <a:lvl3pPr marL="914400" indent="0" algn="ctr">
               <a:buNone/>
-              <a:defRPr sz="1800"/>
+              <a:defRPr>
+                <a:solidFill>
+                  <a:schemeClr val="tx1">
+                    <a:tint val="75000"/>
+                  </a:schemeClr>
+                </a:solidFill>
+              </a:defRPr>
             </a:lvl3pPr>
             <a:lvl4pPr marL="1371600" indent="0" algn="ctr">
               <a:buNone/>
-              <a:defRPr sz="1600"/>
+              <a:defRPr>
+                <a:solidFill>
+                  <a:schemeClr val="tx1">
+                    <a:tint val="75000"/>
+                  </a:schemeClr>
+                </a:solidFill>
+              </a:defRPr>
             </a:lvl4pPr>
             <a:lvl5pPr marL="1828800" indent="0" algn="ctr">
               <a:buNone/>
-              <a:defRPr sz="1600"/>
+              <a:defRPr>
+                <a:solidFill>
+                  <a:schemeClr val="tx1">
+                    <a:tint val="75000"/>
+                  </a:schemeClr>
+                </a:solidFill>
+              </a:defRPr>
             </a:lvl5pPr>
             <a:lvl6pPr marL="2286000" indent="0" algn="ctr">
               <a:buNone/>
-              <a:defRPr sz="1600"/>
+              <a:defRPr>
+                <a:solidFill>
+                  <a:schemeClr val="tx1">
+                    <a:tint val="75000"/>
+                  </a:schemeClr>
+                </a:solidFill>
+              </a:defRPr>
             </a:lvl6pPr>
             <a:lvl7pPr marL="2743200" indent="0" algn="ctr">
               <a:buNone/>
-              <a:defRPr sz="1600"/>
+              <a:defRPr>
+                <a:solidFill>
+                  <a:schemeClr val="tx1">
+                    <a:tint val="75000"/>
+                  </a:schemeClr>
+                </a:solidFill>
+              </a:defRPr>
             </a:lvl7pPr>
             <a:lvl8pPr marL="3200400" indent="0" algn="ctr">
               <a:buNone/>
-              <a:defRPr sz="1600"/>
+              <a:defRPr>
+                <a:solidFill>
+                  <a:schemeClr val="tx1">
+                    <a:tint val="75000"/>
+                  </a:schemeClr>
+                </a:solidFill>
+              </a:defRPr>
             </a:lvl8pPr>
             <a:lvl9pPr marL="3657600" indent="0" algn="ctr">
               <a:buNone/>
-              <a:defRPr sz="1600"/>
+              <a:defRPr>
+                <a:solidFill>
+                  <a:schemeClr val="tx1">
+                    <a:tint val="75000"/>
+                  </a:schemeClr>
+                </a:solidFill>
+              </a:defRPr>
             </a:lvl9pPr>
           </a:lstStyle>
           <a:p>
@@ -228,18 +285,13 @@
               <a:rPr lang="fr-FR"/>
               <a:t>Modifiez le style des sous-titres du masque</a:t>
             </a:r>
-          </a:p>
-        </p:txBody>
-      </p:sp>
-      <p:sp>
-        <p:nvSpPr>
-          <p:cNvPr id="4" name="Espace réservé de la date 3">
-            <a:extLst>
-              <a:ext uri="{FF2B5EF4-FFF2-40B4-BE49-F238E27FC236}">
-                <a16:creationId xmlns:a16="http://schemas.microsoft.com/office/drawing/2014/main" id="{658E218F-F95F-BA4B-A970-CA21A8CA2BD0}"/>
-              </a:ext>
-            </a:extLst>
-          </p:cNvPr>
+            <a:endParaRPr lang="en-US" dirty="0"/>
+          </a:p>
+        </p:txBody>
+      </p:sp>
+      <p:sp>
+        <p:nvSpPr>
+          <p:cNvPr id="4" name="Date Placeholder 3"/>
           <p:cNvSpPr>
             <a:spLocks noGrp="1"/>
           </p:cNvSpPr>
@@ -254,7 +306,7 @@
           <a:p>
             <a:fld id="{E84B97C0-532F-B146-AEF0-E71876CC8371}" type="datetimeFigureOut">
               <a:rPr lang="fr-FR" smtClean="0"/>
-              <a:t>11/01/2019</a:t>
+              <a:t>12/02/2019</a:t>
             </a:fld>
             <a:endParaRPr lang="fr-FR"/>
           </a:p>
@@ -262,13 +314,7 @@
       </p:sp>
       <p:sp>
         <p:nvSpPr>
-          <p:cNvPr id="5" name="Espace réservé du pied de page 4">
-            <a:extLst>
-              <a:ext uri="{FF2B5EF4-FFF2-40B4-BE49-F238E27FC236}">
-                <a16:creationId xmlns:a16="http://schemas.microsoft.com/office/drawing/2014/main" id="{530E726E-7D52-A845-AFDD-895162F70670}"/>
-              </a:ext>
-            </a:extLst>
-          </p:cNvPr>
+          <p:cNvPr id="5" name="Footer Placeholder 4"/>
           <p:cNvSpPr>
             <a:spLocks noGrp="1"/>
           </p:cNvSpPr>
@@ -287,13 +333,7 @@
       </p:sp>
       <p:sp>
         <p:nvSpPr>
-          <p:cNvPr id="6" name="Espace réservé du numéro de diapositive 5">
-            <a:extLst>
-              <a:ext uri="{FF2B5EF4-FFF2-40B4-BE49-F238E27FC236}">
-                <a16:creationId xmlns:a16="http://schemas.microsoft.com/office/drawing/2014/main" id="{B8384A73-C0EF-8E42-A5A3-A7989F3CDE0D}"/>
-              </a:ext>
-            </a:extLst>
-          </p:cNvPr>
+          <p:cNvPr id="6" name="Slide Number Placeholder 5"/>
           <p:cNvSpPr>
             <a:spLocks noGrp="1"/>
           </p:cNvSpPr>
@@ -314,10 +354,185 @@
           </a:p>
         </p:txBody>
       </p:sp>
+      <p:cxnSp>
+        <p:nvCxnSpPr>
+          <p:cNvPr id="16" name="Straight Connector 15"/>
+          <p:cNvCxnSpPr/>
+          <p:nvPr/>
+        </p:nvCxnSpPr>
+        <p:spPr>
+          <a:xfrm flipH="1">
+            <a:off x="8228012" y="8467"/>
+            <a:ext cx="3810000" cy="3810000"/>
+          </a:xfrm>
+          <a:prstGeom prst="line">
+            <a:avLst/>
+          </a:prstGeom>
+          <a:ln w="12700">
+            <a:solidFill>
+              <a:schemeClr val="tx1"/>
+            </a:solidFill>
+          </a:ln>
+        </p:spPr>
+        <p:style>
+          <a:lnRef idx="2">
+            <a:schemeClr val="accent1"/>
+          </a:lnRef>
+          <a:fillRef idx="0">
+            <a:schemeClr val="accent1"/>
+          </a:fillRef>
+          <a:effectRef idx="1">
+            <a:schemeClr val="accent1"/>
+          </a:effectRef>
+          <a:fontRef idx="minor">
+            <a:schemeClr val="tx1"/>
+          </a:fontRef>
+        </p:style>
+      </p:cxnSp>
+      <p:cxnSp>
+        <p:nvCxnSpPr>
+          <p:cNvPr id="17" name="Straight Connector 16"/>
+          <p:cNvCxnSpPr/>
+          <p:nvPr/>
+        </p:nvCxnSpPr>
+        <p:spPr>
+          <a:xfrm flipH="1">
+            <a:off x="6108170" y="91545"/>
+            <a:ext cx="6080655" cy="6080655"/>
+          </a:xfrm>
+          <a:prstGeom prst="line">
+            <a:avLst/>
+          </a:prstGeom>
+          <a:ln w="12700">
+            <a:solidFill>
+              <a:schemeClr val="tx1"/>
+            </a:solidFill>
+          </a:ln>
+        </p:spPr>
+        <p:style>
+          <a:lnRef idx="2">
+            <a:schemeClr val="accent1"/>
+          </a:lnRef>
+          <a:fillRef idx="0">
+            <a:schemeClr val="accent1"/>
+          </a:fillRef>
+          <a:effectRef idx="1">
+            <a:schemeClr val="accent1"/>
+          </a:effectRef>
+          <a:fontRef idx="minor">
+            <a:schemeClr val="tx1"/>
+          </a:fontRef>
+        </p:style>
+      </p:cxnSp>
+      <p:cxnSp>
+        <p:nvCxnSpPr>
+          <p:cNvPr id="19" name="Straight Connector 18"/>
+          <p:cNvCxnSpPr/>
+          <p:nvPr/>
+        </p:nvCxnSpPr>
+        <p:spPr>
+          <a:xfrm flipH="1">
+            <a:off x="7235825" y="228600"/>
+            <a:ext cx="4953000" cy="4953000"/>
+          </a:xfrm>
+          <a:prstGeom prst="line">
+            <a:avLst/>
+          </a:prstGeom>
+          <a:ln w="12700">
+            <a:solidFill>
+              <a:schemeClr val="tx1"/>
+            </a:solidFill>
+          </a:ln>
+        </p:spPr>
+        <p:style>
+          <a:lnRef idx="2">
+            <a:schemeClr val="accent1"/>
+          </a:lnRef>
+          <a:fillRef idx="0">
+            <a:schemeClr val="accent1"/>
+          </a:fillRef>
+          <a:effectRef idx="1">
+            <a:schemeClr val="accent1"/>
+          </a:effectRef>
+          <a:fontRef idx="minor">
+            <a:schemeClr val="tx1"/>
+          </a:fontRef>
+        </p:style>
+      </p:cxnSp>
+      <p:cxnSp>
+        <p:nvCxnSpPr>
+          <p:cNvPr id="21" name="Straight Connector 20"/>
+          <p:cNvCxnSpPr/>
+          <p:nvPr/>
+        </p:nvCxnSpPr>
+        <p:spPr>
+          <a:xfrm flipH="1">
+            <a:off x="7335837" y="32278"/>
+            <a:ext cx="4852989" cy="4852989"/>
+          </a:xfrm>
+          <a:prstGeom prst="line">
+            <a:avLst/>
+          </a:prstGeom>
+          <a:ln w="31750">
+            <a:solidFill>
+              <a:schemeClr val="tx1"/>
+            </a:solidFill>
+          </a:ln>
+        </p:spPr>
+        <p:style>
+          <a:lnRef idx="2">
+            <a:schemeClr val="accent1"/>
+          </a:lnRef>
+          <a:fillRef idx="0">
+            <a:schemeClr val="accent1"/>
+          </a:fillRef>
+          <a:effectRef idx="1">
+            <a:schemeClr val="accent1"/>
+          </a:effectRef>
+          <a:fontRef idx="minor">
+            <a:schemeClr val="tx1"/>
+          </a:fontRef>
+        </p:style>
+      </p:cxnSp>
+      <p:cxnSp>
+        <p:nvCxnSpPr>
+          <p:cNvPr id="23" name="Straight Connector 22"/>
+          <p:cNvCxnSpPr/>
+          <p:nvPr/>
+        </p:nvCxnSpPr>
+        <p:spPr>
+          <a:xfrm flipH="1">
+            <a:off x="7845426" y="609601"/>
+            <a:ext cx="4343399" cy="4343399"/>
+          </a:xfrm>
+          <a:prstGeom prst="line">
+            <a:avLst/>
+          </a:prstGeom>
+          <a:ln w="31750">
+            <a:solidFill>
+              <a:schemeClr val="tx1"/>
+            </a:solidFill>
+          </a:ln>
+        </p:spPr>
+        <p:style>
+          <a:lnRef idx="2">
+            <a:schemeClr val="accent1"/>
+          </a:lnRef>
+          <a:fillRef idx="0">
+            <a:schemeClr val="accent1"/>
+          </a:fillRef>
+          <a:effectRef idx="1">
+            <a:schemeClr val="accent1"/>
+          </a:effectRef>
+          <a:fontRef idx="minor">
+            <a:schemeClr val="tx1"/>
+          </a:fontRef>
+        </p:style>
+      </p:cxnSp>
     </p:spTree>
     <p:extLst>
       <p:ext uri="{BB962C8B-B14F-4D97-AF65-F5344CB8AC3E}">
-        <p14:creationId xmlns:p14="http://schemas.microsoft.com/office/powerpoint/2010/main" val="1854765561"/>
+        <p14:creationId xmlns:p14="http://schemas.microsoft.com/office/powerpoint/2010/main" val="3194782403"/>
       </p:ext>
     </p:extLst>
   </p:cSld>
@@ -328,6 +543,1812 @@
 </file>
 
 <file path=ppt/slideLayouts/slideLayout10.xml><?xml version="1.0" encoding="utf-8"?>
+<p:sldLayout xmlns:a="http://schemas.openxmlformats.org/drawingml/2006/main" xmlns:r="http://schemas.openxmlformats.org/officeDocument/2006/relationships" xmlns:p="http://schemas.openxmlformats.org/presentationml/2006/main" preserve="1">
+  <p:cSld name="Image panoramique avec légende">
+    <p:spTree>
+      <p:nvGrpSpPr>
+        <p:cNvPr id="1" name=""/>
+        <p:cNvGrpSpPr/>
+        <p:nvPr/>
+      </p:nvGrpSpPr>
+      <p:grpSpPr>
+        <a:xfrm>
+          <a:off x="0" y="0"/>
+          <a:ext cx="0" cy="0"/>
+          <a:chOff x="0" y="0"/>
+          <a:chExt cx="0" cy="0"/>
+        </a:xfrm>
+      </p:grpSpPr>
+      <p:sp>
+        <p:nvSpPr>
+          <p:cNvPr id="2" name="Title 1"/>
+          <p:cNvSpPr>
+            <a:spLocks noGrp="1"/>
+          </p:cNvSpPr>
+          <p:nvPr>
+            <p:ph type="title"/>
+          </p:nvPr>
+        </p:nvSpPr>
+        <p:spPr/>
+        <p:txBody>
+          <a:bodyPr/>
+          <a:lstStyle/>
+          <a:p>
+            <a:r>
+              <a:rPr lang="fr-FR"/>
+              <a:t>Modifiez le style du titre</a:t>
+            </a:r>
+            <a:endParaRPr lang="en-US" dirty="0"/>
+          </a:p>
+        </p:txBody>
+      </p:sp>
+      <p:sp>
+        <p:nvSpPr>
+          <p:cNvPr id="17" name="Picture Placeholder 2"/>
+          <p:cNvSpPr>
+            <a:spLocks noGrp="1" noChangeAspect="1"/>
+          </p:cNvSpPr>
+          <p:nvPr>
+            <p:ph type="pic" idx="13"/>
+          </p:nvPr>
+        </p:nvSpPr>
+        <p:spPr>
+          <a:xfrm>
+            <a:off x="685800" y="533400"/>
+            <a:ext cx="10818812" cy="3124200"/>
+          </a:xfrm>
+          <a:prstGeom prst="snip2DiagRect">
+            <a:avLst>
+              <a:gd name="adj1" fmla="val 10815"/>
+              <a:gd name="adj2" fmla="val 0"/>
+            </a:avLst>
+          </a:prstGeom>
+          <a:ln w="15875">
+            <a:solidFill>
+              <a:schemeClr val="tx1">
+                <a:alpha val="40000"/>
+              </a:schemeClr>
+            </a:solidFill>
+          </a:ln>
+          <a:effectLst>
+            <a:innerShdw blurRad="57150" dist="38100" dir="14460000">
+              <a:srgbClr val="000000">
+                <a:alpha val="70000"/>
+              </a:srgbClr>
+            </a:innerShdw>
+          </a:effectLst>
+        </p:spPr>
+        <p:txBody>
+          <a:bodyPr anchor="t">
+            <a:normAutofit/>
+          </a:bodyPr>
+          <a:lstStyle>
+            <a:lvl1pPr marL="0" indent="0" algn="ctr">
+              <a:buNone/>
+              <a:defRPr sz="1600"/>
+            </a:lvl1pPr>
+            <a:lvl2pPr marL="457200" indent="0">
+              <a:buNone/>
+              <a:defRPr sz="1600"/>
+            </a:lvl2pPr>
+            <a:lvl3pPr marL="914400" indent="0">
+              <a:buNone/>
+              <a:defRPr sz="1600"/>
+            </a:lvl3pPr>
+            <a:lvl4pPr marL="1371600" indent="0">
+              <a:buNone/>
+              <a:defRPr sz="1600"/>
+            </a:lvl4pPr>
+            <a:lvl5pPr marL="1828800" indent="0">
+              <a:buNone/>
+              <a:defRPr sz="1600"/>
+            </a:lvl5pPr>
+            <a:lvl6pPr marL="2286000" indent="0">
+              <a:buNone/>
+              <a:defRPr sz="1600"/>
+            </a:lvl6pPr>
+            <a:lvl7pPr marL="2743200" indent="0">
+              <a:buNone/>
+              <a:defRPr sz="1600"/>
+            </a:lvl7pPr>
+            <a:lvl8pPr marL="3200400" indent="0">
+              <a:buNone/>
+              <a:defRPr sz="1600"/>
+            </a:lvl8pPr>
+            <a:lvl9pPr marL="3657600" indent="0">
+              <a:buNone/>
+              <a:defRPr sz="1600"/>
+            </a:lvl9pPr>
+          </a:lstStyle>
+          <a:p>
+            <a:r>
+              <a:rPr lang="fr-FR"/>
+              <a:t>Cliquez sur l'icône pour ajouter une image</a:t>
+            </a:r>
+            <a:endParaRPr lang="en-US" dirty="0"/>
+          </a:p>
+        </p:txBody>
+      </p:sp>
+      <p:sp>
+        <p:nvSpPr>
+          <p:cNvPr id="16" name="Text Placeholder 9"/>
+          <p:cNvSpPr>
+            <a:spLocks noGrp="1"/>
+          </p:cNvSpPr>
+          <p:nvPr>
+            <p:ph type="body" sz="quarter" idx="14"/>
+          </p:nvPr>
+        </p:nvSpPr>
+        <p:spPr>
+          <a:xfrm>
+            <a:off x="914402" y="3843867"/>
+            <a:ext cx="8304210" cy="457200"/>
+          </a:xfrm>
+        </p:spPr>
+        <p:txBody>
+          <a:bodyPr anchor="t">
+            <a:normAutofit/>
+          </a:bodyPr>
+          <a:lstStyle>
+            <a:lvl1pPr marL="0" indent="0">
+              <a:buFontTx/>
+              <a:buNone/>
+              <a:defRPr sz="1600"/>
+            </a:lvl1pPr>
+            <a:lvl2pPr marL="457200" indent="0">
+              <a:buFontTx/>
+              <a:buNone/>
+              <a:defRPr/>
+            </a:lvl2pPr>
+            <a:lvl3pPr marL="914400" indent="0">
+              <a:buFontTx/>
+              <a:buNone/>
+              <a:defRPr/>
+            </a:lvl3pPr>
+            <a:lvl4pPr marL="1371600" indent="0">
+              <a:buFontTx/>
+              <a:buNone/>
+              <a:defRPr/>
+            </a:lvl4pPr>
+            <a:lvl5pPr marL="1828800" indent="0">
+              <a:buFontTx/>
+              <a:buNone/>
+              <a:defRPr/>
+            </a:lvl5pPr>
+          </a:lstStyle>
+          <a:p>
+            <a:pPr lvl="0"/>
+            <a:r>
+              <a:rPr lang="fr-FR"/>
+              <a:t>Modifier les styles du texte du masque</a:t>
+            </a:r>
+          </a:p>
+        </p:txBody>
+      </p:sp>
+      <p:sp>
+        <p:nvSpPr>
+          <p:cNvPr id="3" name="Date Placeholder 2"/>
+          <p:cNvSpPr>
+            <a:spLocks noGrp="1"/>
+          </p:cNvSpPr>
+          <p:nvPr>
+            <p:ph type="dt" sz="half" idx="10"/>
+          </p:nvPr>
+        </p:nvSpPr>
+        <p:spPr/>
+        <p:txBody>
+          <a:bodyPr/>
+          <a:lstStyle/>
+          <a:p>
+            <a:fld id="{E84B97C0-532F-B146-AEF0-E71876CC8371}" type="datetimeFigureOut">
+              <a:rPr lang="fr-FR" smtClean="0"/>
+              <a:t>12/02/2019</a:t>
+            </a:fld>
+            <a:endParaRPr lang="fr-FR"/>
+          </a:p>
+        </p:txBody>
+      </p:sp>
+      <p:sp>
+        <p:nvSpPr>
+          <p:cNvPr id="4" name="Footer Placeholder 3"/>
+          <p:cNvSpPr>
+            <a:spLocks noGrp="1"/>
+          </p:cNvSpPr>
+          <p:nvPr>
+            <p:ph type="ftr" sz="quarter" idx="11"/>
+          </p:nvPr>
+        </p:nvSpPr>
+        <p:spPr/>
+        <p:txBody>
+          <a:bodyPr/>
+          <a:lstStyle/>
+          <a:p>
+            <a:endParaRPr lang="fr-FR"/>
+          </a:p>
+        </p:txBody>
+      </p:sp>
+      <p:sp>
+        <p:nvSpPr>
+          <p:cNvPr id="5" name="Slide Number Placeholder 4"/>
+          <p:cNvSpPr>
+            <a:spLocks noGrp="1"/>
+          </p:cNvSpPr>
+          <p:nvPr>
+            <p:ph type="sldNum" sz="quarter" idx="12"/>
+          </p:nvPr>
+        </p:nvSpPr>
+        <p:spPr/>
+        <p:txBody>
+          <a:bodyPr/>
+          <a:lstStyle/>
+          <a:p>
+            <a:fld id="{20380F4D-F41F-F74A-9C51-133C7303F851}" type="slidenum">
+              <a:rPr lang="fr-FR" smtClean="0"/>
+              <a:t>‹N°›</a:t>
+            </a:fld>
+            <a:endParaRPr lang="fr-FR"/>
+          </a:p>
+        </p:txBody>
+      </p:sp>
+    </p:spTree>
+    <p:extLst>
+      <p:ext uri="{BB962C8B-B14F-4D97-AF65-F5344CB8AC3E}">
+        <p14:creationId xmlns:p14="http://schemas.microsoft.com/office/powerpoint/2010/main" val="2733461471"/>
+      </p:ext>
+    </p:extLst>
+  </p:cSld>
+  <p:clrMapOvr>
+    <a:masterClrMapping/>
+  </p:clrMapOvr>
+</p:sldLayout>
+</file>
+
+<file path=ppt/slideLayouts/slideLayout11.xml><?xml version="1.0" encoding="utf-8"?>
+<p:sldLayout xmlns:a="http://schemas.openxmlformats.org/drawingml/2006/main" xmlns:r="http://schemas.openxmlformats.org/officeDocument/2006/relationships" xmlns:p="http://schemas.openxmlformats.org/presentationml/2006/main" preserve="1">
+  <p:cSld name="Titre et légende">
+    <p:spTree>
+      <p:nvGrpSpPr>
+        <p:cNvPr id="1" name=""/>
+        <p:cNvGrpSpPr/>
+        <p:nvPr/>
+      </p:nvGrpSpPr>
+      <p:grpSpPr>
+        <a:xfrm>
+          <a:off x="0" y="0"/>
+          <a:ext cx="0" cy="0"/>
+          <a:chOff x="0" y="0"/>
+          <a:chExt cx="0" cy="0"/>
+        </a:xfrm>
+      </p:grpSpPr>
+      <p:sp>
+        <p:nvSpPr>
+          <p:cNvPr id="2" name="Title 1"/>
+          <p:cNvSpPr>
+            <a:spLocks noGrp="1"/>
+          </p:cNvSpPr>
+          <p:nvPr>
+            <p:ph type="title"/>
+          </p:nvPr>
+        </p:nvSpPr>
+        <p:spPr>
+          <a:xfrm>
+            <a:off x="684213" y="685800"/>
+            <a:ext cx="10058400" cy="2743200"/>
+          </a:xfrm>
+        </p:spPr>
+        <p:txBody>
+          <a:bodyPr anchor="ctr">
+            <a:normAutofit/>
+          </a:bodyPr>
+          <a:lstStyle>
+            <a:lvl1pPr algn="l">
+              <a:defRPr sz="3200" b="0" cap="all"/>
+            </a:lvl1pPr>
+          </a:lstStyle>
+          <a:p>
+            <a:r>
+              <a:rPr lang="fr-FR"/>
+              <a:t>Modifiez le style du titre</a:t>
+            </a:r>
+            <a:endParaRPr lang="en-US" dirty="0"/>
+          </a:p>
+        </p:txBody>
+      </p:sp>
+      <p:sp>
+        <p:nvSpPr>
+          <p:cNvPr id="3" name="Text Placeholder 2"/>
+          <p:cNvSpPr>
+            <a:spLocks noGrp="1"/>
+          </p:cNvSpPr>
+          <p:nvPr>
+            <p:ph type="body" idx="1"/>
+          </p:nvPr>
+        </p:nvSpPr>
+        <p:spPr>
+          <a:xfrm>
+            <a:off x="684212" y="4114800"/>
+            <a:ext cx="8535988" cy="1879600"/>
+          </a:xfrm>
+        </p:spPr>
+        <p:txBody>
+          <a:bodyPr anchor="ctr">
+            <a:normAutofit/>
+          </a:bodyPr>
+          <a:lstStyle>
+            <a:lvl1pPr marL="0" indent="0" algn="l">
+              <a:buNone/>
+              <a:defRPr sz="2000">
+                <a:solidFill>
+                  <a:schemeClr val="bg2">
+                    <a:lumMod val="75000"/>
+                  </a:schemeClr>
+                </a:solidFill>
+              </a:defRPr>
+            </a:lvl1pPr>
+            <a:lvl2pPr marL="457200" indent="0">
+              <a:buNone/>
+              <a:defRPr sz="1800">
+                <a:solidFill>
+                  <a:schemeClr val="tx1">
+                    <a:tint val="75000"/>
+                  </a:schemeClr>
+                </a:solidFill>
+              </a:defRPr>
+            </a:lvl2pPr>
+            <a:lvl3pPr marL="914400" indent="0">
+              <a:buNone/>
+              <a:defRPr sz="1600">
+                <a:solidFill>
+                  <a:schemeClr val="tx1">
+                    <a:tint val="75000"/>
+                  </a:schemeClr>
+                </a:solidFill>
+              </a:defRPr>
+            </a:lvl3pPr>
+            <a:lvl4pPr marL="1371600" indent="0">
+              <a:buNone/>
+              <a:defRPr sz="1400">
+                <a:solidFill>
+                  <a:schemeClr val="tx1">
+                    <a:tint val="75000"/>
+                  </a:schemeClr>
+                </a:solidFill>
+              </a:defRPr>
+            </a:lvl4pPr>
+            <a:lvl5pPr marL="1828800" indent="0">
+              <a:buNone/>
+              <a:defRPr sz="1400">
+                <a:solidFill>
+                  <a:schemeClr val="tx1">
+                    <a:tint val="75000"/>
+                  </a:schemeClr>
+                </a:solidFill>
+              </a:defRPr>
+            </a:lvl5pPr>
+            <a:lvl6pPr marL="2286000" indent="0">
+              <a:buNone/>
+              <a:defRPr sz="1400">
+                <a:solidFill>
+                  <a:schemeClr val="tx1">
+                    <a:tint val="75000"/>
+                  </a:schemeClr>
+                </a:solidFill>
+              </a:defRPr>
+            </a:lvl6pPr>
+            <a:lvl7pPr marL="2743200" indent="0">
+              <a:buNone/>
+              <a:defRPr sz="1400">
+                <a:solidFill>
+                  <a:schemeClr val="tx1">
+                    <a:tint val="75000"/>
+                  </a:schemeClr>
+                </a:solidFill>
+              </a:defRPr>
+            </a:lvl7pPr>
+            <a:lvl8pPr marL="3200400" indent="0">
+              <a:buNone/>
+              <a:defRPr sz="1400">
+                <a:solidFill>
+                  <a:schemeClr val="tx1">
+                    <a:tint val="75000"/>
+                  </a:schemeClr>
+                </a:solidFill>
+              </a:defRPr>
+            </a:lvl8pPr>
+            <a:lvl9pPr marL="3657600" indent="0">
+              <a:buNone/>
+              <a:defRPr sz="1400">
+                <a:solidFill>
+                  <a:schemeClr val="tx1">
+                    <a:tint val="75000"/>
+                  </a:schemeClr>
+                </a:solidFill>
+              </a:defRPr>
+            </a:lvl9pPr>
+          </a:lstStyle>
+          <a:p>
+            <a:pPr lvl="0"/>
+            <a:r>
+              <a:rPr lang="fr-FR"/>
+              <a:t>Modifier les styles du texte du masque</a:t>
+            </a:r>
+          </a:p>
+        </p:txBody>
+      </p:sp>
+      <p:sp>
+        <p:nvSpPr>
+          <p:cNvPr id="4" name="Date Placeholder 3"/>
+          <p:cNvSpPr>
+            <a:spLocks noGrp="1"/>
+          </p:cNvSpPr>
+          <p:nvPr>
+            <p:ph type="dt" sz="half" idx="10"/>
+          </p:nvPr>
+        </p:nvSpPr>
+        <p:spPr/>
+        <p:txBody>
+          <a:bodyPr/>
+          <a:lstStyle/>
+          <a:p>
+            <a:fld id="{E84B97C0-532F-B146-AEF0-E71876CC8371}" type="datetimeFigureOut">
+              <a:rPr lang="fr-FR" smtClean="0"/>
+              <a:t>12/02/2019</a:t>
+            </a:fld>
+            <a:endParaRPr lang="fr-FR"/>
+          </a:p>
+        </p:txBody>
+      </p:sp>
+      <p:sp>
+        <p:nvSpPr>
+          <p:cNvPr id="5" name="Footer Placeholder 4"/>
+          <p:cNvSpPr>
+            <a:spLocks noGrp="1"/>
+          </p:cNvSpPr>
+          <p:nvPr>
+            <p:ph type="ftr" sz="quarter" idx="11"/>
+          </p:nvPr>
+        </p:nvSpPr>
+        <p:spPr/>
+        <p:txBody>
+          <a:bodyPr/>
+          <a:lstStyle/>
+          <a:p>
+            <a:endParaRPr lang="fr-FR"/>
+          </a:p>
+        </p:txBody>
+      </p:sp>
+      <p:sp>
+        <p:nvSpPr>
+          <p:cNvPr id="6" name="Slide Number Placeholder 5"/>
+          <p:cNvSpPr>
+            <a:spLocks noGrp="1"/>
+          </p:cNvSpPr>
+          <p:nvPr>
+            <p:ph type="sldNum" sz="quarter" idx="12"/>
+          </p:nvPr>
+        </p:nvSpPr>
+        <p:spPr/>
+        <p:txBody>
+          <a:bodyPr/>
+          <a:lstStyle/>
+          <a:p>
+            <a:fld id="{20380F4D-F41F-F74A-9C51-133C7303F851}" type="slidenum">
+              <a:rPr lang="fr-FR" smtClean="0"/>
+              <a:t>‹N°›</a:t>
+            </a:fld>
+            <a:endParaRPr lang="fr-FR"/>
+          </a:p>
+        </p:txBody>
+      </p:sp>
+    </p:spTree>
+    <p:extLst>
+      <p:ext uri="{BB962C8B-B14F-4D97-AF65-F5344CB8AC3E}">
+        <p14:creationId xmlns:p14="http://schemas.microsoft.com/office/powerpoint/2010/main" val="2614537403"/>
+      </p:ext>
+    </p:extLst>
+  </p:cSld>
+  <p:clrMapOvr>
+    <a:masterClrMapping/>
+  </p:clrMapOvr>
+</p:sldLayout>
+</file>
+
+<file path=ppt/slideLayouts/slideLayout12.xml><?xml version="1.0" encoding="utf-8"?>
+<p:sldLayout xmlns:a="http://schemas.openxmlformats.org/drawingml/2006/main" xmlns:r="http://schemas.openxmlformats.org/officeDocument/2006/relationships" xmlns:p="http://schemas.openxmlformats.org/presentationml/2006/main" preserve="1">
+  <p:cSld name="Citation avec légende">
+    <p:spTree>
+      <p:nvGrpSpPr>
+        <p:cNvPr id="1" name=""/>
+        <p:cNvGrpSpPr/>
+        <p:nvPr/>
+      </p:nvGrpSpPr>
+      <p:grpSpPr>
+        <a:xfrm>
+          <a:off x="0" y="0"/>
+          <a:ext cx="0" cy="0"/>
+          <a:chOff x="0" y="0"/>
+          <a:chExt cx="0" cy="0"/>
+        </a:xfrm>
+      </p:grpSpPr>
+      <p:sp>
+        <p:nvSpPr>
+          <p:cNvPr id="2" name="Title 1"/>
+          <p:cNvSpPr>
+            <a:spLocks noGrp="1"/>
+          </p:cNvSpPr>
+          <p:nvPr>
+            <p:ph type="title"/>
+          </p:nvPr>
+        </p:nvSpPr>
+        <p:spPr>
+          <a:xfrm>
+            <a:off x="1141411" y="685800"/>
+            <a:ext cx="9144001" cy="2743200"/>
+          </a:xfrm>
+        </p:spPr>
+        <p:txBody>
+          <a:bodyPr anchor="ctr">
+            <a:normAutofit/>
+          </a:bodyPr>
+          <a:lstStyle>
+            <a:lvl1pPr algn="l">
+              <a:defRPr sz="3200" b="0" cap="all">
+                <a:solidFill>
+                  <a:schemeClr val="tx1"/>
+                </a:solidFill>
+              </a:defRPr>
+            </a:lvl1pPr>
+          </a:lstStyle>
+          <a:p>
+            <a:r>
+              <a:rPr lang="fr-FR"/>
+              <a:t>Modifiez le style du titre</a:t>
+            </a:r>
+            <a:endParaRPr lang="en-US" dirty="0"/>
+          </a:p>
+        </p:txBody>
+      </p:sp>
+      <p:sp>
+        <p:nvSpPr>
+          <p:cNvPr id="10" name="Text Placeholder 9"/>
+          <p:cNvSpPr>
+            <a:spLocks noGrp="1"/>
+          </p:cNvSpPr>
+          <p:nvPr>
+            <p:ph type="body" sz="quarter" idx="13"/>
+          </p:nvPr>
+        </p:nvSpPr>
+        <p:spPr>
+          <a:xfrm>
+            <a:off x="1446212" y="3429000"/>
+            <a:ext cx="8534400" cy="381000"/>
+          </a:xfrm>
+        </p:spPr>
+        <p:txBody>
+          <a:bodyPr anchor="ctr"/>
+          <a:lstStyle>
+            <a:lvl1pPr marL="0" indent="0">
+              <a:buFontTx/>
+              <a:buNone/>
+              <a:defRPr/>
+            </a:lvl1pPr>
+            <a:lvl2pPr marL="457200" indent="0">
+              <a:buFontTx/>
+              <a:buNone/>
+              <a:defRPr/>
+            </a:lvl2pPr>
+            <a:lvl3pPr marL="914400" indent="0">
+              <a:buFontTx/>
+              <a:buNone/>
+              <a:defRPr/>
+            </a:lvl3pPr>
+            <a:lvl4pPr marL="1371600" indent="0">
+              <a:buFontTx/>
+              <a:buNone/>
+              <a:defRPr/>
+            </a:lvl4pPr>
+            <a:lvl5pPr marL="1828800" indent="0">
+              <a:buFontTx/>
+              <a:buNone/>
+              <a:defRPr/>
+            </a:lvl5pPr>
+          </a:lstStyle>
+          <a:p>
+            <a:pPr lvl="0"/>
+            <a:r>
+              <a:rPr lang="fr-FR"/>
+              <a:t>Modifier les styles du texte du masque</a:t>
+            </a:r>
+          </a:p>
+        </p:txBody>
+      </p:sp>
+      <p:sp>
+        <p:nvSpPr>
+          <p:cNvPr id="3" name="Text Placeholder 2"/>
+          <p:cNvSpPr>
+            <a:spLocks noGrp="1"/>
+          </p:cNvSpPr>
+          <p:nvPr>
+            <p:ph type="body" idx="1"/>
+          </p:nvPr>
+        </p:nvSpPr>
+        <p:spPr>
+          <a:xfrm>
+            <a:off x="684213" y="4301067"/>
+            <a:ext cx="8534400" cy="1684865"/>
+          </a:xfrm>
+        </p:spPr>
+        <p:txBody>
+          <a:bodyPr anchor="ctr">
+            <a:normAutofit/>
+          </a:bodyPr>
+          <a:lstStyle>
+            <a:lvl1pPr marL="0" indent="0" algn="l">
+              <a:buNone/>
+              <a:defRPr sz="2000">
+                <a:solidFill>
+                  <a:schemeClr val="bg2">
+                    <a:lumMod val="75000"/>
+                  </a:schemeClr>
+                </a:solidFill>
+              </a:defRPr>
+            </a:lvl1pPr>
+            <a:lvl2pPr marL="457200" indent="0">
+              <a:buNone/>
+              <a:defRPr sz="1800">
+                <a:solidFill>
+                  <a:schemeClr val="tx1">
+                    <a:tint val="75000"/>
+                  </a:schemeClr>
+                </a:solidFill>
+              </a:defRPr>
+            </a:lvl2pPr>
+            <a:lvl3pPr marL="914400" indent="0">
+              <a:buNone/>
+              <a:defRPr sz="1600">
+                <a:solidFill>
+                  <a:schemeClr val="tx1">
+                    <a:tint val="75000"/>
+                  </a:schemeClr>
+                </a:solidFill>
+              </a:defRPr>
+            </a:lvl3pPr>
+            <a:lvl4pPr marL="1371600" indent="0">
+              <a:buNone/>
+              <a:defRPr sz="1400">
+                <a:solidFill>
+                  <a:schemeClr val="tx1">
+                    <a:tint val="75000"/>
+                  </a:schemeClr>
+                </a:solidFill>
+              </a:defRPr>
+            </a:lvl4pPr>
+            <a:lvl5pPr marL="1828800" indent="0">
+              <a:buNone/>
+              <a:defRPr sz="1400">
+                <a:solidFill>
+                  <a:schemeClr val="tx1">
+                    <a:tint val="75000"/>
+                  </a:schemeClr>
+                </a:solidFill>
+              </a:defRPr>
+            </a:lvl5pPr>
+            <a:lvl6pPr marL="2286000" indent="0">
+              <a:buNone/>
+              <a:defRPr sz="1400">
+                <a:solidFill>
+                  <a:schemeClr val="tx1">
+                    <a:tint val="75000"/>
+                  </a:schemeClr>
+                </a:solidFill>
+              </a:defRPr>
+            </a:lvl6pPr>
+            <a:lvl7pPr marL="2743200" indent="0">
+              <a:buNone/>
+              <a:defRPr sz="1400">
+                <a:solidFill>
+                  <a:schemeClr val="tx1">
+                    <a:tint val="75000"/>
+                  </a:schemeClr>
+                </a:solidFill>
+              </a:defRPr>
+            </a:lvl7pPr>
+            <a:lvl8pPr marL="3200400" indent="0">
+              <a:buNone/>
+              <a:defRPr sz="1400">
+                <a:solidFill>
+                  <a:schemeClr val="tx1">
+                    <a:tint val="75000"/>
+                  </a:schemeClr>
+                </a:solidFill>
+              </a:defRPr>
+            </a:lvl8pPr>
+            <a:lvl9pPr marL="3657600" indent="0">
+              <a:buNone/>
+              <a:defRPr sz="1400">
+                <a:solidFill>
+                  <a:schemeClr val="tx1">
+                    <a:tint val="75000"/>
+                  </a:schemeClr>
+                </a:solidFill>
+              </a:defRPr>
+            </a:lvl9pPr>
+          </a:lstStyle>
+          <a:p>
+            <a:pPr lvl="0"/>
+            <a:r>
+              <a:rPr lang="fr-FR"/>
+              <a:t>Modifier les styles du texte du masque</a:t>
+            </a:r>
+          </a:p>
+        </p:txBody>
+      </p:sp>
+      <p:sp>
+        <p:nvSpPr>
+          <p:cNvPr id="4" name="Date Placeholder 3"/>
+          <p:cNvSpPr>
+            <a:spLocks noGrp="1"/>
+          </p:cNvSpPr>
+          <p:nvPr>
+            <p:ph type="dt" sz="half" idx="10"/>
+          </p:nvPr>
+        </p:nvSpPr>
+        <p:spPr/>
+        <p:txBody>
+          <a:bodyPr/>
+          <a:lstStyle/>
+          <a:p>
+            <a:fld id="{E84B97C0-532F-B146-AEF0-E71876CC8371}" type="datetimeFigureOut">
+              <a:rPr lang="fr-FR" smtClean="0"/>
+              <a:t>12/02/2019</a:t>
+            </a:fld>
+            <a:endParaRPr lang="fr-FR"/>
+          </a:p>
+        </p:txBody>
+      </p:sp>
+      <p:sp>
+        <p:nvSpPr>
+          <p:cNvPr id="5" name="Footer Placeholder 4"/>
+          <p:cNvSpPr>
+            <a:spLocks noGrp="1"/>
+          </p:cNvSpPr>
+          <p:nvPr>
+            <p:ph type="ftr" sz="quarter" idx="11"/>
+          </p:nvPr>
+        </p:nvSpPr>
+        <p:spPr/>
+        <p:txBody>
+          <a:bodyPr/>
+          <a:lstStyle/>
+          <a:p>
+            <a:endParaRPr lang="fr-FR"/>
+          </a:p>
+        </p:txBody>
+      </p:sp>
+      <p:sp>
+        <p:nvSpPr>
+          <p:cNvPr id="6" name="Slide Number Placeholder 5"/>
+          <p:cNvSpPr>
+            <a:spLocks noGrp="1"/>
+          </p:cNvSpPr>
+          <p:nvPr>
+            <p:ph type="sldNum" sz="quarter" idx="12"/>
+          </p:nvPr>
+        </p:nvSpPr>
+        <p:spPr/>
+        <p:txBody>
+          <a:bodyPr/>
+          <a:lstStyle/>
+          <a:p>
+            <a:fld id="{20380F4D-F41F-F74A-9C51-133C7303F851}" type="slidenum">
+              <a:rPr lang="fr-FR" smtClean="0"/>
+              <a:t>‹N°›</a:t>
+            </a:fld>
+            <a:endParaRPr lang="fr-FR"/>
+          </a:p>
+        </p:txBody>
+      </p:sp>
+      <p:sp>
+        <p:nvSpPr>
+          <p:cNvPr id="14" name="TextBox 13"/>
+          <p:cNvSpPr txBox="1"/>
+          <p:nvPr/>
+        </p:nvSpPr>
+        <p:spPr>
+          <a:xfrm>
+            <a:off x="531812" y="812222"/>
+            <a:ext cx="609600" cy="584776"/>
+          </a:xfrm>
+          <a:prstGeom prst="rect">
+            <a:avLst/>
+          </a:prstGeom>
+        </p:spPr>
+        <p:txBody>
+          <a:bodyPr vert="horz" lIns="91440" tIns="45720" rIns="91440" bIns="45720" rtlCol="0" anchor="ctr">
+            <a:noAutofit/>
+          </a:bodyPr>
+          <a:lstStyle/>
+          <a:p>
+            <a:pPr lvl="0"/>
+            <a:r>
+              <a:rPr lang="en-US" sz="8000" dirty="0">
+                <a:solidFill>
+                  <a:schemeClr val="tx1"/>
+                </a:solidFill>
+                <a:effectLst/>
+              </a:rPr>
+              <a:t>“</a:t>
+            </a:r>
+          </a:p>
+        </p:txBody>
+      </p:sp>
+      <p:sp>
+        <p:nvSpPr>
+          <p:cNvPr id="15" name="TextBox 14"/>
+          <p:cNvSpPr txBox="1"/>
+          <p:nvPr/>
+        </p:nvSpPr>
+        <p:spPr>
+          <a:xfrm>
+            <a:off x="10285412" y="2768601"/>
+            <a:ext cx="609600" cy="584776"/>
+          </a:xfrm>
+          <a:prstGeom prst="rect">
+            <a:avLst/>
+          </a:prstGeom>
+        </p:spPr>
+        <p:txBody>
+          <a:bodyPr vert="horz" lIns="91440" tIns="45720" rIns="91440" bIns="45720" rtlCol="0" anchor="ctr">
+            <a:noAutofit/>
+          </a:bodyPr>
+          <a:lstStyle/>
+          <a:p>
+            <a:pPr lvl="0" algn="r"/>
+            <a:r>
+              <a:rPr lang="en-US" sz="8000" dirty="0">
+                <a:solidFill>
+                  <a:schemeClr val="tx1"/>
+                </a:solidFill>
+                <a:effectLst/>
+              </a:rPr>
+              <a:t>”</a:t>
+            </a:r>
+          </a:p>
+        </p:txBody>
+      </p:sp>
+    </p:spTree>
+    <p:extLst>
+      <p:ext uri="{BB962C8B-B14F-4D97-AF65-F5344CB8AC3E}">
+        <p14:creationId xmlns:p14="http://schemas.microsoft.com/office/powerpoint/2010/main" val="3385225065"/>
+      </p:ext>
+    </p:extLst>
+  </p:cSld>
+  <p:clrMapOvr>
+    <a:masterClrMapping/>
+  </p:clrMapOvr>
+</p:sldLayout>
+</file>
+
+<file path=ppt/slideLayouts/slideLayout13.xml><?xml version="1.0" encoding="utf-8"?>
+<p:sldLayout xmlns:a="http://schemas.openxmlformats.org/drawingml/2006/main" xmlns:r="http://schemas.openxmlformats.org/officeDocument/2006/relationships" xmlns:p="http://schemas.openxmlformats.org/presentationml/2006/main" preserve="1">
+  <p:cSld name="Carte nom">
+    <p:spTree>
+      <p:nvGrpSpPr>
+        <p:cNvPr id="1" name=""/>
+        <p:cNvGrpSpPr/>
+        <p:nvPr/>
+      </p:nvGrpSpPr>
+      <p:grpSpPr>
+        <a:xfrm>
+          <a:off x="0" y="0"/>
+          <a:ext cx="0" cy="0"/>
+          <a:chOff x="0" y="0"/>
+          <a:chExt cx="0" cy="0"/>
+        </a:xfrm>
+      </p:grpSpPr>
+      <p:sp>
+        <p:nvSpPr>
+          <p:cNvPr id="2" name="Title 1"/>
+          <p:cNvSpPr>
+            <a:spLocks noGrp="1"/>
+          </p:cNvSpPr>
+          <p:nvPr>
+            <p:ph type="title"/>
+          </p:nvPr>
+        </p:nvSpPr>
+        <p:spPr>
+          <a:xfrm>
+            <a:off x="684212" y="3429000"/>
+            <a:ext cx="8534400" cy="1697400"/>
+          </a:xfrm>
+        </p:spPr>
+        <p:txBody>
+          <a:bodyPr anchor="b">
+            <a:normAutofit/>
+          </a:bodyPr>
+          <a:lstStyle>
+            <a:lvl1pPr algn="l">
+              <a:defRPr sz="3200" b="0" cap="all"/>
+            </a:lvl1pPr>
+          </a:lstStyle>
+          <a:p>
+            <a:r>
+              <a:rPr lang="fr-FR"/>
+              <a:t>Modifiez le style du titre</a:t>
+            </a:r>
+            <a:endParaRPr lang="en-US" dirty="0"/>
+          </a:p>
+        </p:txBody>
+      </p:sp>
+      <p:sp>
+        <p:nvSpPr>
+          <p:cNvPr id="3" name="Text Placeholder 2"/>
+          <p:cNvSpPr>
+            <a:spLocks noGrp="1"/>
+          </p:cNvSpPr>
+          <p:nvPr>
+            <p:ph type="body" idx="1"/>
+          </p:nvPr>
+        </p:nvSpPr>
+        <p:spPr>
+          <a:xfrm>
+            <a:off x="684211" y="5132981"/>
+            <a:ext cx="8535990" cy="860400"/>
+          </a:xfrm>
+        </p:spPr>
+        <p:txBody>
+          <a:bodyPr anchor="t">
+            <a:normAutofit/>
+          </a:bodyPr>
+          <a:lstStyle>
+            <a:lvl1pPr marL="0" indent="0" algn="l">
+              <a:buNone/>
+              <a:defRPr sz="2000">
+                <a:solidFill>
+                  <a:schemeClr val="bg2">
+                    <a:lumMod val="75000"/>
+                  </a:schemeClr>
+                </a:solidFill>
+              </a:defRPr>
+            </a:lvl1pPr>
+            <a:lvl2pPr marL="457200" indent="0">
+              <a:buNone/>
+              <a:defRPr sz="1800">
+                <a:solidFill>
+                  <a:schemeClr val="tx1">
+                    <a:tint val="75000"/>
+                  </a:schemeClr>
+                </a:solidFill>
+              </a:defRPr>
+            </a:lvl2pPr>
+            <a:lvl3pPr marL="914400" indent="0">
+              <a:buNone/>
+              <a:defRPr sz="1600">
+                <a:solidFill>
+                  <a:schemeClr val="tx1">
+                    <a:tint val="75000"/>
+                  </a:schemeClr>
+                </a:solidFill>
+              </a:defRPr>
+            </a:lvl3pPr>
+            <a:lvl4pPr marL="1371600" indent="0">
+              <a:buNone/>
+              <a:defRPr sz="1400">
+                <a:solidFill>
+                  <a:schemeClr val="tx1">
+                    <a:tint val="75000"/>
+                  </a:schemeClr>
+                </a:solidFill>
+              </a:defRPr>
+            </a:lvl4pPr>
+            <a:lvl5pPr marL="1828800" indent="0">
+              <a:buNone/>
+              <a:defRPr sz="1400">
+                <a:solidFill>
+                  <a:schemeClr val="tx1">
+                    <a:tint val="75000"/>
+                  </a:schemeClr>
+                </a:solidFill>
+              </a:defRPr>
+            </a:lvl5pPr>
+            <a:lvl6pPr marL="2286000" indent="0">
+              <a:buNone/>
+              <a:defRPr sz="1400">
+                <a:solidFill>
+                  <a:schemeClr val="tx1">
+                    <a:tint val="75000"/>
+                  </a:schemeClr>
+                </a:solidFill>
+              </a:defRPr>
+            </a:lvl6pPr>
+            <a:lvl7pPr marL="2743200" indent="0">
+              <a:buNone/>
+              <a:defRPr sz="1400">
+                <a:solidFill>
+                  <a:schemeClr val="tx1">
+                    <a:tint val="75000"/>
+                  </a:schemeClr>
+                </a:solidFill>
+              </a:defRPr>
+            </a:lvl7pPr>
+            <a:lvl8pPr marL="3200400" indent="0">
+              <a:buNone/>
+              <a:defRPr sz="1400">
+                <a:solidFill>
+                  <a:schemeClr val="tx1">
+                    <a:tint val="75000"/>
+                  </a:schemeClr>
+                </a:solidFill>
+              </a:defRPr>
+            </a:lvl8pPr>
+            <a:lvl9pPr marL="3657600" indent="0">
+              <a:buNone/>
+              <a:defRPr sz="1400">
+                <a:solidFill>
+                  <a:schemeClr val="tx1">
+                    <a:tint val="75000"/>
+                  </a:schemeClr>
+                </a:solidFill>
+              </a:defRPr>
+            </a:lvl9pPr>
+          </a:lstStyle>
+          <a:p>
+            <a:pPr lvl="0"/>
+            <a:r>
+              <a:rPr lang="fr-FR"/>
+              <a:t>Modifier les styles du texte du masque</a:t>
+            </a:r>
+          </a:p>
+        </p:txBody>
+      </p:sp>
+      <p:sp>
+        <p:nvSpPr>
+          <p:cNvPr id="4" name="Date Placeholder 3"/>
+          <p:cNvSpPr>
+            <a:spLocks noGrp="1"/>
+          </p:cNvSpPr>
+          <p:nvPr>
+            <p:ph type="dt" sz="half" idx="10"/>
+          </p:nvPr>
+        </p:nvSpPr>
+        <p:spPr/>
+        <p:txBody>
+          <a:bodyPr/>
+          <a:lstStyle/>
+          <a:p>
+            <a:fld id="{E84B97C0-532F-B146-AEF0-E71876CC8371}" type="datetimeFigureOut">
+              <a:rPr lang="fr-FR" smtClean="0"/>
+              <a:t>12/02/2019</a:t>
+            </a:fld>
+            <a:endParaRPr lang="fr-FR"/>
+          </a:p>
+        </p:txBody>
+      </p:sp>
+      <p:sp>
+        <p:nvSpPr>
+          <p:cNvPr id="5" name="Footer Placeholder 4"/>
+          <p:cNvSpPr>
+            <a:spLocks noGrp="1"/>
+          </p:cNvSpPr>
+          <p:nvPr>
+            <p:ph type="ftr" sz="quarter" idx="11"/>
+          </p:nvPr>
+        </p:nvSpPr>
+        <p:spPr/>
+        <p:txBody>
+          <a:bodyPr/>
+          <a:lstStyle/>
+          <a:p>
+            <a:endParaRPr lang="fr-FR"/>
+          </a:p>
+        </p:txBody>
+      </p:sp>
+      <p:sp>
+        <p:nvSpPr>
+          <p:cNvPr id="6" name="Slide Number Placeholder 5"/>
+          <p:cNvSpPr>
+            <a:spLocks noGrp="1"/>
+          </p:cNvSpPr>
+          <p:nvPr>
+            <p:ph type="sldNum" sz="quarter" idx="12"/>
+          </p:nvPr>
+        </p:nvSpPr>
+        <p:spPr/>
+        <p:txBody>
+          <a:bodyPr/>
+          <a:lstStyle/>
+          <a:p>
+            <a:fld id="{20380F4D-F41F-F74A-9C51-133C7303F851}" type="slidenum">
+              <a:rPr lang="fr-FR" smtClean="0"/>
+              <a:t>‹N°›</a:t>
+            </a:fld>
+            <a:endParaRPr lang="fr-FR"/>
+          </a:p>
+        </p:txBody>
+      </p:sp>
+    </p:spTree>
+    <p:extLst>
+      <p:ext uri="{BB962C8B-B14F-4D97-AF65-F5344CB8AC3E}">
+        <p14:creationId xmlns:p14="http://schemas.microsoft.com/office/powerpoint/2010/main" val="1634717579"/>
+      </p:ext>
+    </p:extLst>
+  </p:cSld>
+  <p:clrMapOvr>
+    <a:masterClrMapping/>
+  </p:clrMapOvr>
+</p:sldLayout>
+</file>
+
+<file path=ppt/slideLayouts/slideLayout14.xml><?xml version="1.0" encoding="utf-8"?>
+<p:sldLayout xmlns:a="http://schemas.openxmlformats.org/drawingml/2006/main" xmlns:r="http://schemas.openxmlformats.org/officeDocument/2006/relationships" xmlns:p="http://schemas.openxmlformats.org/presentationml/2006/main" preserve="1">
+  <p:cSld name="Carte nom citation">
+    <p:spTree>
+      <p:nvGrpSpPr>
+        <p:cNvPr id="1" name=""/>
+        <p:cNvGrpSpPr/>
+        <p:nvPr/>
+      </p:nvGrpSpPr>
+      <p:grpSpPr>
+        <a:xfrm>
+          <a:off x="0" y="0"/>
+          <a:ext cx="0" cy="0"/>
+          <a:chOff x="0" y="0"/>
+          <a:chExt cx="0" cy="0"/>
+        </a:xfrm>
+      </p:grpSpPr>
+      <p:sp>
+        <p:nvSpPr>
+          <p:cNvPr id="2" name="Title 1"/>
+          <p:cNvSpPr>
+            <a:spLocks noGrp="1"/>
+          </p:cNvSpPr>
+          <p:nvPr>
+            <p:ph type="title"/>
+          </p:nvPr>
+        </p:nvSpPr>
+        <p:spPr>
+          <a:xfrm>
+            <a:off x="1141413" y="685800"/>
+            <a:ext cx="9144000" cy="2743200"/>
+          </a:xfrm>
+        </p:spPr>
+        <p:txBody>
+          <a:bodyPr anchor="ctr">
+            <a:normAutofit/>
+          </a:bodyPr>
+          <a:lstStyle>
+            <a:lvl1pPr algn="l">
+              <a:defRPr sz="3200" b="0" cap="all">
+                <a:solidFill>
+                  <a:schemeClr val="tx1"/>
+                </a:solidFill>
+              </a:defRPr>
+            </a:lvl1pPr>
+          </a:lstStyle>
+          <a:p>
+            <a:r>
+              <a:rPr lang="fr-FR"/>
+              <a:t>Modifiez le style du titre</a:t>
+            </a:r>
+            <a:endParaRPr lang="en-US" dirty="0"/>
+          </a:p>
+        </p:txBody>
+      </p:sp>
+      <p:sp>
+        <p:nvSpPr>
+          <p:cNvPr id="10" name="Text Placeholder 9"/>
+          <p:cNvSpPr>
+            <a:spLocks noGrp="1"/>
+          </p:cNvSpPr>
+          <p:nvPr>
+            <p:ph type="body" sz="quarter" idx="13"/>
+          </p:nvPr>
+        </p:nvSpPr>
+        <p:spPr>
+          <a:xfrm>
+            <a:off x="684212" y="3928534"/>
+            <a:ext cx="8534401" cy="1049866"/>
+          </a:xfrm>
+        </p:spPr>
+        <p:txBody>
+          <a:bodyPr vert="horz" lIns="91440" tIns="45720" rIns="91440" bIns="45720" rtlCol="0" anchor="b">
+            <a:normAutofit/>
+          </a:bodyPr>
+          <a:lstStyle>
+            <a:lvl1pPr>
+              <a:buNone/>
+              <a:defRPr lang="en-US" sz="2400" b="0" cap="all" dirty="0">
+                <a:ln w="3175" cmpd="sng">
+                  <a:noFill/>
+                </a:ln>
+                <a:solidFill>
+                  <a:schemeClr val="tx1"/>
+                </a:solidFill>
+                <a:effectLst/>
+              </a:defRPr>
+            </a:lvl1pPr>
+          </a:lstStyle>
+          <a:p>
+            <a:pPr marL="0" lvl="0">
+              <a:spcBef>
+                <a:spcPct val="0"/>
+              </a:spcBef>
+              <a:buNone/>
+            </a:pPr>
+            <a:r>
+              <a:rPr lang="fr-FR"/>
+              <a:t>Modifier les styles du texte du masque</a:t>
+            </a:r>
+          </a:p>
+        </p:txBody>
+      </p:sp>
+      <p:sp>
+        <p:nvSpPr>
+          <p:cNvPr id="3" name="Text Placeholder 2"/>
+          <p:cNvSpPr>
+            <a:spLocks noGrp="1"/>
+          </p:cNvSpPr>
+          <p:nvPr>
+            <p:ph type="body" idx="1"/>
+          </p:nvPr>
+        </p:nvSpPr>
+        <p:spPr>
+          <a:xfrm>
+            <a:off x="684211" y="4978400"/>
+            <a:ext cx="8534401" cy="1016000"/>
+          </a:xfrm>
+        </p:spPr>
+        <p:txBody>
+          <a:bodyPr anchor="t">
+            <a:normAutofit/>
+          </a:bodyPr>
+          <a:lstStyle>
+            <a:lvl1pPr marL="0" indent="0" algn="l">
+              <a:buNone/>
+              <a:defRPr sz="1800">
+                <a:solidFill>
+                  <a:schemeClr val="bg2">
+                    <a:lumMod val="75000"/>
+                  </a:schemeClr>
+                </a:solidFill>
+              </a:defRPr>
+            </a:lvl1pPr>
+            <a:lvl2pPr marL="457200" indent="0">
+              <a:buNone/>
+              <a:defRPr sz="1800">
+                <a:solidFill>
+                  <a:schemeClr val="tx1">
+                    <a:tint val="75000"/>
+                  </a:schemeClr>
+                </a:solidFill>
+              </a:defRPr>
+            </a:lvl2pPr>
+            <a:lvl3pPr marL="914400" indent="0">
+              <a:buNone/>
+              <a:defRPr sz="1600">
+                <a:solidFill>
+                  <a:schemeClr val="tx1">
+                    <a:tint val="75000"/>
+                  </a:schemeClr>
+                </a:solidFill>
+              </a:defRPr>
+            </a:lvl3pPr>
+            <a:lvl4pPr marL="1371600" indent="0">
+              <a:buNone/>
+              <a:defRPr sz="1400">
+                <a:solidFill>
+                  <a:schemeClr val="tx1">
+                    <a:tint val="75000"/>
+                  </a:schemeClr>
+                </a:solidFill>
+              </a:defRPr>
+            </a:lvl4pPr>
+            <a:lvl5pPr marL="1828800" indent="0">
+              <a:buNone/>
+              <a:defRPr sz="1400">
+                <a:solidFill>
+                  <a:schemeClr val="tx1">
+                    <a:tint val="75000"/>
+                  </a:schemeClr>
+                </a:solidFill>
+              </a:defRPr>
+            </a:lvl5pPr>
+            <a:lvl6pPr marL="2286000" indent="0">
+              <a:buNone/>
+              <a:defRPr sz="1400">
+                <a:solidFill>
+                  <a:schemeClr val="tx1">
+                    <a:tint val="75000"/>
+                  </a:schemeClr>
+                </a:solidFill>
+              </a:defRPr>
+            </a:lvl6pPr>
+            <a:lvl7pPr marL="2743200" indent="0">
+              <a:buNone/>
+              <a:defRPr sz="1400">
+                <a:solidFill>
+                  <a:schemeClr val="tx1">
+                    <a:tint val="75000"/>
+                  </a:schemeClr>
+                </a:solidFill>
+              </a:defRPr>
+            </a:lvl7pPr>
+            <a:lvl8pPr marL="3200400" indent="0">
+              <a:buNone/>
+              <a:defRPr sz="1400">
+                <a:solidFill>
+                  <a:schemeClr val="tx1">
+                    <a:tint val="75000"/>
+                  </a:schemeClr>
+                </a:solidFill>
+              </a:defRPr>
+            </a:lvl8pPr>
+            <a:lvl9pPr marL="3657600" indent="0">
+              <a:buNone/>
+              <a:defRPr sz="1400">
+                <a:solidFill>
+                  <a:schemeClr val="tx1">
+                    <a:tint val="75000"/>
+                  </a:schemeClr>
+                </a:solidFill>
+              </a:defRPr>
+            </a:lvl9pPr>
+          </a:lstStyle>
+          <a:p>
+            <a:pPr lvl="0"/>
+            <a:r>
+              <a:rPr lang="fr-FR"/>
+              <a:t>Modifier les styles du texte du masque</a:t>
+            </a:r>
+          </a:p>
+        </p:txBody>
+      </p:sp>
+      <p:sp>
+        <p:nvSpPr>
+          <p:cNvPr id="4" name="Date Placeholder 3"/>
+          <p:cNvSpPr>
+            <a:spLocks noGrp="1"/>
+          </p:cNvSpPr>
+          <p:nvPr>
+            <p:ph type="dt" sz="half" idx="10"/>
+          </p:nvPr>
+        </p:nvSpPr>
+        <p:spPr/>
+        <p:txBody>
+          <a:bodyPr/>
+          <a:lstStyle/>
+          <a:p>
+            <a:fld id="{E84B97C0-532F-B146-AEF0-E71876CC8371}" type="datetimeFigureOut">
+              <a:rPr lang="fr-FR" smtClean="0"/>
+              <a:t>12/02/2019</a:t>
+            </a:fld>
+            <a:endParaRPr lang="fr-FR"/>
+          </a:p>
+        </p:txBody>
+      </p:sp>
+      <p:sp>
+        <p:nvSpPr>
+          <p:cNvPr id="5" name="Footer Placeholder 4"/>
+          <p:cNvSpPr>
+            <a:spLocks noGrp="1"/>
+          </p:cNvSpPr>
+          <p:nvPr>
+            <p:ph type="ftr" sz="quarter" idx="11"/>
+          </p:nvPr>
+        </p:nvSpPr>
+        <p:spPr/>
+        <p:txBody>
+          <a:bodyPr/>
+          <a:lstStyle/>
+          <a:p>
+            <a:endParaRPr lang="fr-FR"/>
+          </a:p>
+        </p:txBody>
+      </p:sp>
+      <p:sp>
+        <p:nvSpPr>
+          <p:cNvPr id="6" name="Slide Number Placeholder 5"/>
+          <p:cNvSpPr>
+            <a:spLocks noGrp="1"/>
+          </p:cNvSpPr>
+          <p:nvPr>
+            <p:ph type="sldNum" sz="quarter" idx="12"/>
+          </p:nvPr>
+        </p:nvSpPr>
+        <p:spPr/>
+        <p:txBody>
+          <a:bodyPr/>
+          <a:lstStyle/>
+          <a:p>
+            <a:fld id="{20380F4D-F41F-F74A-9C51-133C7303F851}" type="slidenum">
+              <a:rPr lang="fr-FR" smtClean="0"/>
+              <a:t>‹N°›</a:t>
+            </a:fld>
+            <a:endParaRPr lang="fr-FR"/>
+          </a:p>
+        </p:txBody>
+      </p:sp>
+      <p:sp>
+        <p:nvSpPr>
+          <p:cNvPr id="11" name="TextBox 10"/>
+          <p:cNvSpPr txBox="1"/>
+          <p:nvPr/>
+        </p:nvSpPr>
+        <p:spPr>
+          <a:xfrm>
+            <a:off x="531812" y="812222"/>
+            <a:ext cx="609600" cy="584776"/>
+          </a:xfrm>
+          <a:prstGeom prst="rect">
+            <a:avLst/>
+          </a:prstGeom>
+        </p:spPr>
+        <p:txBody>
+          <a:bodyPr vert="horz" lIns="91440" tIns="45720" rIns="91440" bIns="45720" rtlCol="0" anchor="ctr">
+            <a:noAutofit/>
+          </a:bodyPr>
+          <a:lstStyle/>
+          <a:p>
+            <a:pPr lvl="0"/>
+            <a:r>
+              <a:rPr lang="en-US" sz="8000" dirty="0">
+                <a:solidFill>
+                  <a:schemeClr val="tx1"/>
+                </a:solidFill>
+                <a:effectLst/>
+              </a:rPr>
+              <a:t>“</a:t>
+            </a:r>
+          </a:p>
+        </p:txBody>
+      </p:sp>
+      <p:sp>
+        <p:nvSpPr>
+          <p:cNvPr id="12" name="TextBox 11"/>
+          <p:cNvSpPr txBox="1"/>
+          <p:nvPr/>
+        </p:nvSpPr>
+        <p:spPr>
+          <a:xfrm>
+            <a:off x="10285412" y="2768601"/>
+            <a:ext cx="609600" cy="584776"/>
+          </a:xfrm>
+          <a:prstGeom prst="rect">
+            <a:avLst/>
+          </a:prstGeom>
+        </p:spPr>
+        <p:txBody>
+          <a:bodyPr vert="horz" lIns="91440" tIns="45720" rIns="91440" bIns="45720" rtlCol="0" anchor="ctr">
+            <a:noAutofit/>
+          </a:bodyPr>
+          <a:lstStyle/>
+          <a:p>
+            <a:pPr lvl="0" algn="r"/>
+            <a:r>
+              <a:rPr lang="en-US" sz="8000" dirty="0">
+                <a:solidFill>
+                  <a:schemeClr val="tx1"/>
+                </a:solidFill>
+                <a:effectLst/>
+              </a:rPr>
+              <a:t>”</a:t>
+            </a:r>
+          </a:p>
+        </p:txBody>
+      </p:sp>
+    </p:spTree>
+    <p:extLst>
+      <p:ext uri="{BB962C8B-B14F-4D97-AF65-F5344CB8AC3E}">
+        <p14:creationId xmlns:p14="http://schemas.microsoft.com/office/powerpoint/2010/main" val="211517928"/>
+      </p:ext>
+    </p:extLst>
+  </p:cSld>
+  <p:clrMapOvr>
+    <a:masterClrMapping/>
+  </p:clrMapOvr>
+</p:sldLayout>
+</file>
+
+<file path=ppt/slideLayouts/slideLayout15.xml><?xml version="1.0" encoding="utf-8"?>
+<p:sldLayout xmlns:a="http://schemas.openxmlformats.org/drawingml/2006/main" xmlns:r="http://schemas.openxmlformats.org/officeDocument/2006/relationships" xmlns:p="http://schemas.openxmlformats.org/presentationml/2006/main" preserve="1">
+  <p:cSld name="Vrai ou faux">
+    <p:spTree>
+      <p:nvGrpSpPr>
+        <p:cNvPr id="1" name=""/>
+        <p:cNvGrpSpPr/>
+        <p:nvPr/>
+      </p:nvGrpSpPr>
+      <p:grpSpPr>
+        <a:xfrm>
+          <a:off x="0" y="0"/>
+          <a:ext cx="0" cy="0"/>
+          <a:chOff x="0" y="0"/>
+          <a:chExt cx="0" cy="0"/>
+        </a:xfrm>
+      </p:grpSpPr>
+      <p:sp>
+        <p:nvSpPr>
+          <p:cNvPr id="2" name="Title 1"/>
+          <p:cNvSpPr>
+            <a:spLocks noGrp="1"/>
+          </p:cNvSpPr>
+          <p:nvPr>
+            <p:ph type="title"/>
+          </p:nvPr>
+        </p:nvSpPr>
+        <p:spPr>
+          <a:xfrm>
+            <a:off x="684213" y="685800"/>
+            <a:ext cx="10058400" cy="2743200"/>
+          </a:xfrm>
+        </p:spPr>
+        <p:txBody>
+          <a:bodyPr vert="horz" lIns="91440" tIns="45720" rIns="91440" bIns="45720" rtlCol="0" anchor="ctr">
+            <a:normAutofit/>
+          </a:bodyPr>
+          <a:lstStyle>
+            <a:lvl1pPr>
+              <a:defRPr lang="en-US" b="0" dirty="0"/>
+            </a:lvl1pPr>
+          </a:lstStyle>
+          <a:p>
+            <a:pPr marL="0" lvl="0"/>
+            <a:r>
+              <a:rPr lang="fr-FR"/>
+              <a:t>Modifiez le style du titre</a:t>
+            </a:r>
+            <a:endParaRPr lang="en-US" dirty="0"/>
+          </a:p>
+        </p:txBody>
+      </p:sp>
+      <p:sp>
+        <p:nvSpPr>
+          <p:cNvPr id="10" name="Text Placeholder 9"/>
+          <p:cNvSpPr>
+            <a:spLocks noGrp="1"/>
+          </p:cNvSpPr>
+          <p:nvPr>
+            <p:ph type="body" sz="quarter" idx="13"/>
+          </p:nvPr>
+        </p:nvSpPr>
+        <p:spPr>
+          <a:xfrm>
+            <a:off x="684212" y="3928534"/>
+            <a:ext cx="8534400" cy="838200"/>
+          </a:xfrm>
+        </p:spPr>
+        <p:txBody>
+          <a:bodyPr vert="horz" lIns="91440" tIns="45720" rIns="91440" bIns="45720" rtlCol="0" anchor="b">
+            <a:normAutofit/>
+          </a:bodyPr>
+          <a:lstStyle>
+            <a:lvl1pPr>
+              <a:buNone/>
+              <a:defRPr lang="en-US" sz="2400" b="0" cap="all" dirty="0">
+                <a:ln w="3175" cmpd="sng">
+                  <a:noFill/>
+                </a:ln>
+                <a:solidFill>
+                  <a:schemeClr val="tx1"/>
+                </a:solidFill>
+                <a:effectLst/>
+              </a:defRPr>
+            </a:lvl1pPr>
+          </a:lstStyle>
+          <a:p>
+            <a:pPr marL="0" lvl="0">
+              <a:spcBef>
+                <a:spcPct val="0"/>
+              </a:spcBef>
+              <a:buNone/>
+            </a:pPr>
+            <a:r>
+              <a:rPr lang="fr-FR"/>
+              <a:t>Modifier les styles du texte du masque</a:t>
+            </a:r>
+          </a:p>
+        </p:txBody>
+      </p:sp>
+      <p:sp>
+        <p:nvSpPr>
+          <p:cNvPr id="3" name="Text Placeholder 2"/>
+          <p:cNvSpPr>
+            <a:spLocks noGrp="1"/>
+          </p:cNvSpPr>
+          <p:nvPr>
+            <p:ph type="body" idx="1"/>
+          </p:nvPr>
+        </p:nvSpPr>
+        <p:spPr>
+          <a:xfrm>
+            <a:off x="684211" y="4766732"/>
+            <a:ext cx="8534401" cy="1227667"/>
+          </a:xfrm>
+        </p:spPr>
+        <p:txBody>
+          <a:bodyPr anchor="t">
+            <a:normAutofit/>
+          </a:bodyPr>
+          <a:lstStyle>
+            <a:lvl1pPr marL="0" indent="0" algn="l">
+              <a:buNone/>
+              <a:defRPr sz="1800">
+                <a:solidFill>
+                  <a:schemeClr val="bg2">
+                    <a:lumMod val="75000"/>
+                  </a:schemeClr>
+                </a:solidFill>
+              </a:defRPr>
+            </a:lvl1pPr>
+            <a:lvl2pPr marL="457200" indent="0">
+              <a:buNone/>
+              <a:defRPr sz="1800">
+                <a:solidFill>
+                  <a:schemeClr val="tx1">
+                    <a:tint val="75000"/>
+                  </a:schemeClr>
+                </a:solidFill>
+              </a:defRPr>
+            </a:lvl2pPr>
+            <a:lvl3pPr marL="914400" indent="0">
+              <a:buNone/>
+              <a:defRPr sz="1600">
+                <a:solidFill>
+                  <a:schemeClr val="tx1">
+                    <a:tint val="75000"/>
+                  </a:schemeClr>
+                </a:solidFill>
+              </a:defRPr>
+            </a:lvl3pPr>
+            <a:lvl4pPr marL="1371600" indent="0">
+              <a:buNone/>
+              <a:defRPr sz="1400">
+                <a:solidFill>
+                  <a:schemeClr val="tx1">
+                    <a:tint val="75000"/>
+                  </a:schemeClr>
+                </a:solidFill>
+              </a:defRPr>
+            </a:lvl4pPr>
+            <a:lvl5pPr marL="1828800" indent="0">
+              <a:buNone/>
+              <a:defRPr sz="1400">
+                <a:solidFill>
+                  <a:schemeClr val="tx1">
+                    <a:tint val="75000"/>
+                  </a:schemeClr>
+                </a:solidFill>
+              </a:defRPr>
+            </a:lvl5pPr>
+            <a:lvl6pPr marL="2286000" indent="0">
+              <a:buNone/>
+              <a:defRPr sz="1400">
+                <a:solidFill>
+                  <a:schemeClr val="tx1">
+                    <a:tint val="75000"/>
+                  </a:schemeClr>
+                </a:solidFill>
+              </a:defRPr>
+            </a:lvl6pPr>
+            <a:lvl7pPr marL="2743200" indent="0">
+              <a:buNone/>
+              <a:defRPr sz="1400">
+                <a:solidFill>
+                  <a:schemeClr val="tx1">
+                    <a:tint val="75000"/>
+                  </a:schemeClr>
+                </a:solidFill>
+              </a:defRPr>
+            </a:lvl7pPr>
+            <a:lvl8pPr marL="3200400" indent="0">
+              <a:buNone/>
+              <a:defRPr sz="1400">
+                <a:solidFill>
+                  <a:schemeClr val="tx1">
+                    <a:tint val="75000"/>
+                  </a:schemeClr>
+                </a:solidFill>
+              </a:defRPr>
+            </a:lvl8pPr>
+            <a:lvl9pPr marL="3657600" indent="0">
+              <a:buNone/>
+              <a:defRPr sz="1400">
+                <a:solidFill>
+                  <a:schemeClr val="tx1">
+                    <a:tint val="75000"/>
+                  </a:schemeClr>
+                </a:solidFill>
+              </a:defRPr>
+            </a:lvl9pPr>
+          </a:lstStyle>
+          <a:p>
+            <a:pPr lvl="0"/>
+            <a:r>
+              <a:rPr lang="fr-FR"/>
+              <a:t>Modifier les styles du texte du masque</a:t>
+            </a:r>
+          </a:p>
+        </p:txBody>
+      </p:sp>
+      <p:sp>
+        <p:nvSpPr>
+          <p:cNvPr id="4" name="Date Placeholder 3"/>
+          <p:cNvSpPr>
+            <a:spLocks noGrp="1"/>
+          </p:cNvSpPr>
+          <p:nvPr>
+            <p:ph type="dt" sz="half" idx="10"/>
+          </p:nvPr>
+        </p:nvSpPr>
+        <p:spPr/>
+        <p:txBody>
+          <a:bodyPr/>
+          <a:lstStyle/>
+          <a:p>
+            <a:fld id="{E84B97C0-532F-B146-AEF0-E71876CC8371}" type="datetimeFigureOut">
+              <a:rPr lang="fr-FR" smtClean="0"/>
+              <a:t>12/02/2019</a:t>
+            </a:fld>
+            <a:endParaRPr lang="fr-FR"/>
+          </a:p>
+        </p:txBody>
+      </p:sp>
+      <p:sp>
+        <p:nvSpPr>
+          <p:cNvPr id="5" name="Footer Placeholder 4"/>
+          <p:cNvSpPr>
+            <a:spLocks noGrp="1"/>
+          </p:cNvSpPr>
+          <p:nvPr>
+            <p:ph type="ftr" sz="quarter" idx="11"/>
+          </p:nvPr>
+        </p:nvSpPr>
+        <p:spPr/>
+        <p:txBody>
+          <a:bodyPr/>
+          <a:lstStyle/>
+          <a:p>
+            <a:endParaRPr lang="fr-FR"/>
+          </a:p>
+        </p:txBody>
+      </p:sp>
+      <p:sp>
+        <p:nvSpPr>
+          <p:cNvPr id="6" name="Slide Number Placeholder 5"/>
+          <p:cNvSpPr>
+            <a:spLocks noGrp="1"/>
+          </p:cNvSpPr>
+          <p:nvPr>
+            <p:ph type="sldNum" sz="quarter" idx="12"/>
+          </p:nvPr>
+        </p:nvSpPr>
+        <p:spPr/>
+        <p:txBody>
+          <a:bodyPr/>
+          <a:lstStyle/>
+          <a:p>
+            <a:fld id="{20380F4D-F41F-F74A-9C51-133C7303F851}" type="slidenum">
+              <a:rPr lang="fr-FR" smtClean="0"/>
+              <a:t>‹N°›</a:t>
+            </a:fld>
+            <a:endParaRPr lang="fr-FR"/>
+          </a:p>
+        </p:txBody>
+      </p:sp>
+    </p:spTree>
+    <p:extLst>
+      <p:ext uri="{BB962C8B-B14F-4D97-AF65-F5344CB8AC3E}">
+        <p14:creationId xmlns:p14="http://schemas.microsoft.com/office/powerpoint/2010/main" val="632004866"/>
+      </p:ext>
+    </p:extLst>
+  </p:cSld>
+  <p:clrMapOvr>
+    <a:masterClrMapping/>
+  </p:clrMapOvr>
+</p:sldLayout>
+</file>
+
+<file path=ppt/slideLayouts/slideLayout16.xml><?xml version="1.0" encoding="utf-8"?>
 <p:sldLayout xmlns:a="http://schemas.openxmlformats.org/drawingml/2006/main" xmlns:r="http://schemas.openxmlformats.org/officeDocument/2006/relationships" xmlns:p="http://schemas.openxmlformats.org/presentationml/2006/main" type="vertTx" preserve="1">
   <p:cSld name="Titre et texte vertical">
     <p:spTree>
@@ -346,13 +2367,7 @@
       </p:grpSpPr>
       <p:sp>
         <p:nvSpPr>
-          <p:cNvPr id="2" name="Titre 1">
-            <a:extLst>
-              <a:ext uri="{FF2B5EF4-FFF2-40B4-BE49-F238E27FC236}">
-                <a16:creationId xmlns:a16="http://schemas.microsoft.com/office/drawing/2014/main" id="{352E7A5C-A63F-0F48-BF6B-47C1B8D82160}"/>
-              </a:ext>
-            </a:extLst>
-          </p:cNvPr>
+          <p:cNvPr id="2" name="Title 1"/>
           <p:cNvSpPr>
             <a:spLocks noGrp="1"/>
           </p:cNvSpPr>
@@ -363,24 +2378,23 @@
         <p:spPr/>
         <p:txBody>
           <a:bodyPr/>
-          <a:lstStyle/>
+          <a:lstStyle>
+            <a:lvl1pPr algn="l">
+              <a:defRPr/>
+            </a:lvl1pPr>
+          </a:lstStyle>
           <a:p>
             <a:r>
               <a:rPr lang="fr-FR"/>
               <a:t>Modifiez le style du titre</a:t>
             </a:r>
-          </a:p>
-        </p:txBody>
-      </p:sp>
-      <p:sp>
-        <p:nvSpPr>
-          <p:cNvPr id="3" name="Espace réservé du texte vertical 2">
-            <a:extLst>
-              <a:ext uri="{FF2B5EF4-FFF2-40B4-BE49-F238E27FC236}">
-                <a16:creationId xmlns:a16="http://schemas.microsoft.com/office/drawing/2014/main" id="{FDDE2081-A23B-484E-A80F-4583755726A9}"/>
-              </a:ext>
-            </a:extLst>
-          </p:cNvPr>
+            <a:endParaRPr lang="en-US" dirty="0"/>
+          </a:p>
+        </p:txBody>
+      </p:sp>
+      <p:sp>
+        <p:nvSpPr>
+          <p:cNvPr id="3" name="Vertical Text Placeholder 2"/>
           <p:cNvSpPr>
             <a:spLocks noGrp="1"/>
           </p:cNvSpPr>
@@ -390,29 +2404,49 @@
         </p:nvSpPr>
         <p:spPr/>
         <p:txBody>
-          <a:bodyPr vert="eaVert"/>
-          <a:lstStyle/>
-          <a:p>
-            <a:r>
-              <a:rPr lang="fr-FR"/>
-              <a:t>Modifier les styles du texte du masque
-Deuxième niveau
-Troisième niveau
-Quatrième niveau
-Cinquième niveau</a:t>
-            </a:r>
-          </a:p>
-        </p:txBody>
-      </p:sp>
-      <p:sp>
-        <p:nvSpPr>
-          <p:cNvPr id="4" name="Espace réservé de la date 3">
-            <a:extLst>
-              <a:ext uri="{FF2B5EF4-FFF2-40B4-BE49-F238E27FC236}">
-                <a16:creationId xmlns:a16="http://schemas.microsoft.com/office/drawing/2014/main" id="{EA399B7E-E548-F249-BF14-4CE047503964}"/>
-              </a:ext>
-            </a:extLst>
-          </p:cNvPr>
+          <a:bodyPr vert="eaVert" anchor="t"/>
+          <a:lstStyle/>
+          <a:p>
+            <a:pPr lvl="0"/>
+            <a:r>
+              <a:rPr lang="fr-FR"/>
+              <a:t>Modifier les styles du texte du masque</a:t>
+            </a:r>
+          </a:p>
+          <a:p>
+            <a:pPr lvl="1"/>
+            <a:r>
+              <a:rPr lang="fr-FR"/>
+              <a:t>Deuxième niveau</a:t>
+            </a:r>
+          </a:p>
+          <a:p>
+            <a:pPr lvl="2"/>
+            <a:r>
+              <a:rPr lang="fr-FR"/>
+              <a:t>Troisième niveau</a:t>
+            </a:r>
+          </a:p>
+          <a:p>
+            <a:pPr lvl="3"/>
+            <a:r>
+              <a:rPr lang="fr-FR"/>
+              <a:t>Quatrième niveau</a:t>
+            </a:r>
+          </a:p>
+          <a:p>
+            <a:pPr lvl="4"/>
+            <a:r>
+              <a:rPr lang="fr-FR"/>
+              <a:t>Cinquième niveau</a:t>
+            </a:r>
+            <a:endParaRPr lang="en-US" dirty="0"/>
+          </a:p>
+        </p:txBody>
+      </p:sp>
+      <p:sp>
+        <p:nvSpPr>
+          <p:cNvPr id="4" name="Date Placeholder 3"/>
           <p:cNvSpPr>
             <a:spLocks noGrp="1"/>
           </p:cNvSpPr>
@@ -427,7 +2461,7 @@
           <a:p>
             <a:fld id="{E84B97C0-532F-B146-AEF0-E71876CC8371}" type="datetimeFigureOut">
               <a:rPr lang="fr-FR" smtClean="0"/>
-              <a:t>11/01/2019</a:t>
+              <a:t>12/02/2019</a:t>
             </a:fld>
             <a:endParaRPr lang="fr-FR"/>
           </a:p>
@@ -435,13 +2469,7 @@
       </p:sp>
       <p:sp>
         <p:nvSpPr>
-          <p:cNvPr id="5" name="Espace réservé du pied de page 4">
-            <a:extLst>
-              <a:ext uri="{FF2B5EF4-FFF2-40B4-BE49-F238E27FC236}">
-                <a16:creationId xmlns:a16="http://schemas.microsoft.com/office/drawing/2014/main" id="{5A02C4DF-C74D-9F42-9162-9DF9B373AE49}"/>
-              </a:ext>
-            </a:extLst>
-          </p:cNvPr>
+          <p:cNvPr id="5" name="Footer Placeholder 4"/>
           <p:cNvSpPr>
             <a:spLocks noGrp="1"/>
           </p:cNvSpPr>
@@ -460,13 +2488,7 @@
       </p:sp>
       <p:sp>
         <p:nvSpPr>
-          <p:cNvPr id="6" name="Espace réservé du numéro de diapositive 5">
-            <a:extLst>
-              <a:ext uri="{FF2B5EF4-FFF2-40B4-BE49-F238E27FC236}">
-                <a16:creationId xmlns:a16="http://schemas.microsoft.com/office/drawing/2014/main" id="{9A4757D2-834B-0148-84CC-702EF7A757C8}"/>
-              </a:ext>
-            </a:extLst>
-          </p:cNvPr>
+          <p:cNvPr id="6" name="Slide Number Placeholder 5"/>
           <p:cNvSpPr>
             <a:spLocks noGrp="1"/>
           </p:cNvSpPr>
@@ -490,7 +2512,7 @@
     </p:spTree>
     <p:extLst>
       <p:ext uri="{BB962C8B-B14F-4D97-AF65-F5344CB8AC3E}">
-        <p14:creationId xmlns:p14="http://schemas.microsoft.com/office/powerpoint/2010/main" val="2706813597"/>
+        <p14:creationId xmlns:p14="http://schemas.microsoft.com/office/powerpoint/2010/main" val="1682259346"/>
       </p:ext>
     </p:extLst>
   </p:cSld>
@@ -500,7 +2522,7 @@
 </p:sldLayout>
 </file>
 
-<file path=ppt/slideLayouts/slideLayout11.xml><?xml version="1.0" encoding="utf-8"?>
+<file path=ppt/slideLayouts/slideLayout17.xml><?xml version="1.0" encoding="utf-8"?>
 <p:sldLayout xmlns:a="http://schemas.openxmlformats.org/drawingml/2006/main" xmlns:r="http://schemas.openxmlformats.org/officeDocument/2006/relationships" xmlns:p="http://schemas.openxmlformats.org/presentationml/2006/main" type="vertTitleAndTx" preserve="1">
   <p:cSld name="Titre vertical et texte">
     <p:spTree>
@@ -519,13 +2541,7 @@
       </p:grpSpPr>
       <p:sp>
         <p:nvSpPr>
-          <p:cNvPr id="2" name="Titre vertical 1">
-            <a:extLst>
-              <a:ext uri="{FF2B5EF4-FFF2-40B4-BE49-F238E27FC236}">
-                <a16:creationId xmlns:a16="http://schemas.microsoft.com/office/drawing/2014/main" id="{836773B2-DCE2-DC43-B394-A21EBF0FBBE2}"/>
-              </a:ext>
-            </a:extLst>
-          </p:cNvPr>
+          <p:cNvPr id="2" name="Vertical Title 1"/>
           <p:cNvSpPr>
             <a:spLocks noGrp="1"/>
           </p:cNvSpPr>
@@ -535,8 +2551,8 @@
         </p:nvSpPr>
         <p:spPr>
           <a:xfrm>
-            <a:off x="8724900" y="365125"/>
-            <a:ext cx="2628900" cy="5811838"/>
+            <a:off x="8685212" y="685800"/>
+            <a:ext cx="2057400" cy="4572000"/>
           </a:xfrm>
         </p:spPr>
         <p:txBody>
@@ -547,18 +2563,13 @@
               <a:rPr lang="fr-FR"/>
               <a:t>Modifiez le style du titre</a:t>
             </a:r>
-          </a:p>
-        </p:txBody>
-      </p:sp>
-      <p:sp>
-        <p:nvSpPr>
-          <p:cNvPr id="3" name="Espace réservé du texte vertical 2">
-            <a:extLst>
-              <a:ext uri="{FF2B5EF4-FFF2-40B4-BE49-F238E27FC236}">
-                <a16:creationId xmlns:a16="http://schemas.microsoft.com/office/drawing/2014/main" id="{DF4FAAA0-6B29-7A4B-A436-5E4AF9D64695}"/>
-              </a:ext>
-            </a:extLst>
-          </p:cNvPr>
+            <a:endParaRPr lang="en-US" dirty="0"/>
+          </a:p>
+        </p:txBody>
+      </p:sp>
+      <p:sp>
+        <p:nvSpPr>
+          <p:cNvPr id="3" name="Vertical Text Placeholder 2"/>
           <p:cNvSpPr>
             <a:spLocks noGrp="1"/>
           </p:cNvSpPr>
@@ -568,34 +2579,54 @@
         </p:nvSpPr>
         <p:spPr>
           <a:xfrm>
-            <a:off x="838200" y="365125"/>
-            <a:ext cx="7734300" cy="5811838"/>
+            <a:off x="685800" y="685800"/>
+            <a:ext cx="7823200" cy="5308600"/>
           </a:xfrm>
         </p:spPr>
         <p:txBody>
-          <a:bodyPr vert="eaVert"/>
-          <a:lstStyle/>
-          <a:p>
-            <a:r>
-              <a:rPr lang="fr-FR"/>
-              <a:t>Modifier les styles du texte du masque
-Deuxième niveau
-Troisième niveau
-Quatrième niveau
-Cinquième niveau</a:t>
-            </a:r>
-          </a:p>
-        </p:txBody>
-      </p:sp>
-      <p:sp>
-        <p:nvSpPr>
-          <p:cNvPr id="4" name="Espace réservé de la date 3">
-            <a:extLst>
-              <a:ext uri="{FF2B5EF4-FFF2-40B4-BE49-F238E27FC236}">
-                <a16:creationId xmlns:a16="http://schemas.microsoft.com/office/drawing/2014/main" id="{42B697AF-1BC0-534C-B739-318D1B862201}"/>
-              </a:ext>
-            </a:extLst>
-          </p:cNvPr>
+          <a:bodyPr vert="eaVert" anchor="t"/>
+          <a:lstStyle/>
+          <a:p>
+            <a:pPr lvl="0"/>
+            <a:r>
+              <a:rPr lang="fr-FR"/>
+              <a:t>Modifier les styles du texte du masque</a:t>
+            </a:r>
+          </a:p>
+          <a:p>
+            <a:pPr lvl="1"/>
+            <a:r>
+              <a:rPr lang="fr-FR"/>
+              <a:t>Deuxième niveau</a:t>
+            </a:r>
+          </a:p>
+          <a:p>
+            <a:pPr lvl="2"/>
+            <a:r>
+              <a:rPr lang="fr-FR"/>
+              <a:t>Troisième niveau</a:t>
+            </a:r>
+          </a:p>
+          <a:p>
+            <a:pPr lvl="3"/>
+            <a:r>
+              <a:rPr lang="fr-FR"/>
+              <a:t>Quatrième niveau</a:t>
+            </a:r>
+          </a:p>
+          <a:p>
+            <a:pPr lvl="4"/>
+            <a:r>
+              <a:rPr lang="fr-FR"/>
+              <a:t>Cinquième niveau</a:t>
+            </a:r>
+            <a:endParaRPr lang="en-US" dirty="0"/>
+          </a:p>
+        </p:txBody>
+      </p:sp>
+      <p:sp>
+        <p:nvSpPr>
+          <p:cNvPr id="4" name="Date Placeholder 3"/>
           <p:cNvSpPr>
             <a:spLocks noGrp="1"/>
           </p:cNvSpPr>
@@ -610,7 +2641,7 @@
           <a:p>
             <a:fld id="{E84B97C0-532F-B146-AEF0-E71876CC8371}" type="datetimeFigureOut">
               <a:rPr lang="fr-FR" smtClean="0"/>
-              <a:t>11/01/2019</a:t>
+              <a:t>12/02/2019</a:t>
             </a:fld>
             <a:endParaRPr lang="fr-FR"/>
           </a:p>
@@ -618,13 +2649,7 @@
       </p:sp>
       <p:sp>
         <p:nvSpPr>
-          <p:cNvPr id="5" name="Espace réservé du pied de page 4">
-            <a:extLst>
-              <a:ext uri="{FF2B5EF4-FFF2-40B4-BE49-F238E27FC236}">
-                <a16:creationId xmlns:a16="http://schemas.microsoft.com/office/drawing/2014/main" id="{AE69C121-303E-2A41-B9CD-9F2D39650BE0}"/>
-              </a:ext>
-            </a:extLst>
-          </p:cNvPr>
+          <p:cNvPr id="5" name="Footer Placeholder 4"/>
           <p:cNvSpPr>
             <a:spLocks noGrp="1"/>
           </p:cNvSpPr>
@@ -643,13 +2668,7 @@
       </p:sp>
       <p:sp>
         <p:nvSpPr>
-          <p:cNvPr id="6" name="Espace réservé du numéro de diapositive 5">
-            <a:extLst>
-              <a:ext uri="{FF2B5EF4-FFF2-40B4-BE49-F238E27FC236}">
-                <a16:creationId xmlns:a16="http://schemas.microsoft.com/office/drawing/2014/main" id="{CE6E6691-F06D-5248-B508-47281F34BCC0}"/>
-              </a:ext>
-            </a:extLst>
-          </p:cNvPr>
+          <p:cNvPr id="6" name="Slide Number Placeholder 5"/>
           <p:cNvSpPr>
             <a:spLocks noGrp="1"/>
           </p:cNvSpPr>
@@ -673,7 +2692,7 @@
     </p:spTree>
     <p:extLst>
       <p:ext uri="{BB962C8B-B14F-4D97-AF65-F5344CB8AC3E}">
-        <p14:creationId xmlns:p14="http://schemas.microsoft.com/office/powerpoint/2010/main" val="3607515497"/>
+        <p14:creationId xmlns:p14="http://schemas.microsoft.com/office/powerpoint/2010/main" val="1957459813"/>
       </p:ext>
     </p:extLst>
   </p:cSld>
@@ -702,13 +2721,7 @@
       </p:grpSpPr>
       <p:sp>
         <p:nvSpPr>
-          <p:cNvPr id="2" name="Titre 1">
-            <a:extLst>
-              <a:ext uri="{FF2B5EF4-FFF2-40B4-BE49-F238E27FC236}">
-                <a16:creationId xmlns:a16="http://schemas.microsoft.com/office/drawing/2014/main" id="{6707787D-EE2E-5149-BE99-780A980172A2}"/>
-              </a:ext>
-            </a:extLst>
-          </p:cNvPr>
+          <p:cNvPr id="2" name="Title 1"/>
           <p:cNvSpPr>
             <a:spLocks noGrp="1"/>
           </p:cNvSpPr>
@@ -725,18 +2738,13 @@
               <a:rPr lang="fr-FR"/>
               <a:t>Modifiez le style du titre</a:t>
             </a:r>
-          </a:p>
-        </p:txBody>
-      </p:sp>
-      <p:sp>
-        <p:nvSpPr>
-          <p:cNvPr id="3" name="Espace réservé du contenu 2">
-            <a:extLst>
-              <a:ext uri="{FF2B5EF4-FFF2-40B4-BE49-F238E27FC236}">
-                <a16:creationId xmlns:a16="http://schemas.microsoft.com/office/drawing/2014/main" id="{2DE18D6B-FC1E-4F4A-B28D-467FE6015A86}"/>
-              </a:ext>
-            </a:extLst>
-          </p:cNvPr>
+            <a:endParaRPr lang="en-US" dirty="0"/>
+          </a:p>
+        </p:txBody>
+      </p:sp>
+      <p:sp>
+        <p:nvSpPr>
+          <p:cNvPr id="3" name="Content Placeholder 2"/>
           <p:cNvSpPr>
             <a:spLocks noGrp="1"/>
           </p:cNvSpPr>
@@ -746,29 +2754,49 @@
         </p:nvSpPr>
         <p:spPr/>
         <p:txBody>
-          <a:bodyPr/>
-          <a:lstStyle/>
-          <a:p>
-            <a:r>
-              <a:rPr lang="fr-FR"/>
-              <a:t>Modifier les styles du texte du masque
-Deuxième niveau
-Troisième niveau
-Quatrième niveau
-Cinquième niveau</a:t>
-            </a:r>
-          </a:p>
-        </p:txBody>
-      </p:sp>
-      <p:sp>
-        <p:nvSpPr>
-          <p:cNvPr id="4" name="Espace réservé de la date 3">
-            <a:extLst>
-              <a:ext uri="{FF2B5EF4-FFF2-40B4-BE49-F238E27FC236}">
-                <a16:creationId xmlns:a16="http://schemas.microsoft.com/office/drawing/2014/main" id="{1554BC87-B80E-7F4A-BA8F-53C731A01EED}"/>
-              </a:ext>
-            </a:extLst>
-          </p:cNvPr>
+          <a:bodyPr anchor="ctr"/>
+          <a:lstStyle/>
+          <a:p>
+            <a:pPr lvl="0"/>
+            <a:r>
+              <a:rPr lang="fr-FR"/>
+              <a:t>Modifier les styles du texte du masque</a:t>
+            </a:r>
+          </a:p>
+          <a:p>
+            <a:pPr lvl="1"/>
+            <a:r>
+              <a:rPr lang="fr-FR"/>
+              <a:t>Deuxième niveau</a:t>
+            </a:r>
+          </a:p>
+          <a:p>
+            <a:pPr lvl="2"/>
+            <a:r>
+              <a:rPr lang="fr-FR"/>
+              <a:t>Troisième niveau</a:t>
+            </a:r>
+          </a:p>
+          <a:p>
+            <a:pPr lvl="3"/>
+            <a:r>
+              <a:rPr lang="fr-FR"/>
+              <a:t>Quatrième niveau</a:t>
+            </a:r>
+          </a:p>
+          <a:p>
+            <a:pPr lvl="4"/>
+            <a:r>
+              <a:rPr lang="fr-FR"/>
+              <a:t>Cinquième niveau</a:t>
+            </a:r>
+            <a:endParaRPr lang="en-US" dirty="0"/>
+          </a:p>
+        </p:txBody>
+      </p:sp>
+      <p:sp>
+        <p:nvSpPr>
+          <p:cNvPr id="4" name="Date Placeholder 3"/>
           <p:cNvSpPr>
             <a:spLocks noGrp="1"/>
           </p:cNvSpPr>
@@ -783,7 +2811,7 @@
           <a:p>
             <a:fld id="{E84B97C0-532F-B146-AEF0-E71876CC8371}" type="datetimeFigureOut">
               <a:rPr lang="fr-FR" smtClean="0"/>
-              <a:t>11/01/2019</a:t>
+              <a:t>12/02/2019</a:t>
             </a:fld>
             <a:endParaRPr lang="fr-FR"/>
           </a:p>
@@ -791,13 +2819,7 @@
       </p:sp>
       <p:sp>
         <p:nvSpPr>
-          <p:cNvPr id="5" name="Espace réservé du pied de page 4">
-            <a:extLst>
-              <a:ext uri="{FF2B5EF4-FFF2-40B4-BE49-F238E27FC236}">
-                <a16:creationId xmlns:a16="http://schemas.microsoft.com/office/drawing/2014/main" id="{ECF14791-D4BD-5F47-99C1-23AFB0031F87}"/>
-              </a:ext>
-            </a:extLst>
-          </p:cNvPr>
+          <p:cNvPr id="5" name="Footer Placeholder 4"/>
           <p:cNvSpPr>
             <a:spLocks noGrp="1"/>
           </p:cNvSpPr>
@@ -816,13 +2838,7 @@
       </p:sp>
       <p:sp>
         <p:nvSpPr>
-          <p:cNvPr id="6" name="Espace réservé du numéro de diapositive 5">
-            <a:extLst>
-              <a:ext uri="{FF2B5EF4-FFF2-40B4-BE49-F238E27FC236}">
-                <a16:creationId xmlns:a16="http://schemas.microsoft.com/office/drawing/2014/main" id="{71BBABCA-990A-7C40-8C51-E5181185DAF2}"/>
-              </a:ext>
-            </a:extLst>
-          </p:cNvPr>
+          <p:cNvPr id="6" name="Slide Number Placeholder 5"/>
           <p:cNvSpPr>
             <a:spLocks noGrp="1"/>
           </p:cNvSpPr>
@@ -846,7 +2862,7 @@
     </p:spTree>
     <p:extLst>
       <p:ext uri="{BB962C8B-B14F-4D97-AF65-F5344CB8AC3E}">
-        <p14:creationId xmlns:p14="http://schemas.microsoft.com/office/powerpoint/2010/main" val="3018980841"/>
+        <p14:creationId xmlns:p14="http://schemas.microsoft.com/office/powerpoint/2010/main" val="2168736520"/>
       </p:ext>
     </p:extLst>
   </p:cSld>
@@ -875,13 +2891,7 @@
       </p:grpSpPr>
       <p:sp>
         <p:nvSpPr>
-          <p:cNvPr id="2" name="Titre 1">
-            <a:extLst>
-              <a:ext uri="{FF2B5EF4-FFF2-40B4-BE49-F238E27FC236}">
-                <a16:creationId xmlns:a16="http://schemas.microsoft.com/office/drawing/2014/main" id="{2FFB07AD-376C-D244-A1C3-7CD3B835919F}"/>
-              </a:ext>
-            </a:extLst>
-          </p:cNvPr>
+          <p:cNvPr id="2" name="Title 1"/>
           <p:cNvSpPr>
             <a:spLocks noGrp="1"/>
           </p:cNvSpPr>
@@ -891,15 +2901,17 @@
         </p:nvSpPr>
         <p:spPr>
           <a:xfrm>
-            <a:off x="831850" y="1709738"/>
-            <a:ext cx="10515600" cy="2852737"/>
+            <a:off x="684211" y="2006600"/>
+            <a:ext cx="8534401" cy="2281600"/>
           </a:xfrm>
         </p:spPr>
         <p:txBody>
-          <a:bodyPr anchor="b"/>
+          <a:bodyPr anchor="b">
+            <a:normAutofit/>
+          </a:bodyPr>
           <a:lstStyle>
-            <a:lvl1pPr>
-              <a:defRPr sz="6000"/>
+            <a:lvl1pPr algn="l">
+              <a:defRPr sz="3600" b="0" cap="all"/>
             </a:lvl1pPr>
           </a:lstStyle>
           <a:p>
@@ -907,18 +2919,13 @@
               <a:rPr lang="fr-FR"/>
               <a:t>Modifiez le style du titre</a:t>
             </a:r>
-          </a:p>
-        </p:txBody>
-      </p:sp>
-      <p:sp>
-        <p:nvSpPr>
-          <p:cNvPr id="3" name="Espace réservé du texte 2">
-            <a:extLst>
-              <a:ext uri="{FF2B5EF4-FFF2-40B4-BE49-F238E27FC236}">
-                <a16:creationId xmlns:a16="http://schemas.microsoft.com/office/drawing/2014/main" id="{E24E32D5-DD55-7943-8945-8CC8CA714CFD}"/>
-              </a:ext>
-            </a:extLst>
-          </p:cNvPr>
+            <a:endParaRPr lang="en-US" dirty="0"/>
+          </a:p>
+        </p:txBody>
+      </p:sp>
+      <p:sp>
+        <p:nvSpPr>
+          <p:cNvPr id="3" name="Text Placeholder 2"/>
           <p:cNvSpPr>
             <a:spLocks noGrp="1"/>
           </p:cNvSpPr>
@@ -928,125 +2935,118 @@
         </p:nvSpPr>
         <p:spPr>
           <a:xfrm>
-            <a:off x="831850" y="4589463"/>
-            <a:ext cx="10515600" cy="1500187"/>
+            <a:off x="684213" y="4495800"/>
+            <a:ext cx="8534400" cy="1498600"/>
           </a:xfrm>
         </p:spPr>
         <p:txBody>
-          <a:bodyPr/>
+          <a:bodyPr anchor="t">
+            <a:normAutofit/>
+          </a:bodyPr>
           <a:lstStyle>
-            <a:lvl1pPr marL="0" indent="0">
-              <a:buNone/>
-              <a:defRPr sz="2400">
+            <a:lvl1pPr marL="0" indent="0" algn="l">
+              <a:buNone/>
+              <a:defRPr sz="1800">
+                <a:solidFill>
+                  <a:schemeClr val="bg2">
+                    <a:lumMod val="75000"/>
+                  </a:schemeClr>
+                </a:solidFill>
+              </a:defRPr>
+            </a:lvl1pPr>
+            <a:lvl2pPr marL="457200" indent="0">
+              <a:buNone/>
+              <a:defRPr sz="1800">
                 <a:solidFill>
                   <a:schemeClr val="tx1">
                     <a:tint val="75000"/>
                   </a:schemeClr>
                 </a:solidFill>
               </a:defRPr>
-            </a:lvl1pPr>
-            <a:lvl2pPr marL="457200" indent="0">
-              <a:buNone/>
-              <a:defRPr sz="2000">
+            </a:lvl2pPr>
+            <a:lvl3pPr marL="914400" indent="0">
+              <a:buNone/>
+              <a:defRPr sz="1600">
                 <a:solidFill>
                   <a:schemeClr val="tx1">
                     <a:tint val="75000"/>
                   </a:schemeClr>
                 </a:solidFill>
               </a:defRPr>
-            </a:lvl2pPr>
-            <a:lvl3pPr marL="914400" indent="0">
-              <a:buNone/>
-              <a:defRPr sz="1800">
+            </a:lvl3pPr>
+            <a:lvl4pPr marL="1371600" indent="0">
+              <a:buNone/>
+              <a:defRPr sz="1400">
                 <a:solidFill>
                   <a:schemeClr val="tx1">
                     <a:tint val="75000"/>
                   </a:schemeClr>
                 </a:solidFill>
               </a:defRPr>
-            </a:lvl3pPr>
-            <a:lvl4pPr marL="1371600" indent="0">
-              <a:buNone/>
-              <a:defRPr sz="1600">
+            </a:lvl4pPr>
+            <a:lvl5pPr marL="1828800" indent="0">
+              <a:buNone/>
+              <a:defRPr sz="1400">
                 <a:solidFill>
                   <a:schemeClr val="tx1">
                     <a:tint val="75000"/>
                   </a:schemeClr>
                 </a:solidFill>
               </a:defRPr>
-            </a:lvl4pPr>
-            <a:lvl5pPr marL="1828800" indent="0">
-              <a:buNone/>
-              <a:defRPr sz="1600">
+            </a:lvl5pPr>
+            <a:lvl6pPr marL="2286000" indent="0">
+              <a:buNone/>
+              <a:defRPr sz="1400">
                 <a:solidFill>
                   <a:schemeClr val="tx1">
                     <a:tint val="75000"/>
                   </a:schemeClr>
                 </a:solidFill>
               </a:defRPr>
-            </a:lvl5pPr>
-            <a:lvl6pPr marL="2286000" indent="0">
-              <a:buNone/>
-              <a:defRPr sz="1600">
+            </a:lvl6pPr>
+            <a:lvl7pPr marL="2743200" indent="0">
+              <a:buNone/>
+              <a:defRPr sz="1400">
                 <a:solidFill>
                   <a:schemeClr val="tx1">
                     <a:tint val="75000"/>
                   </a:schemeClr>
                 </a:solidFill>
               </a:defRPr>
-            </a:lvl6pPr>
-            <a:lvl7pPr marL="2743200" indent="0">
-              <a:buNone/>
-              <a:defRPr sz="1600">
+            </a:lvl7pPr>
+            <a:lvl8pPr marL="3200400" indent="0">
+              <a:buNone/>
+              <a:defRPr sz="1400">
                 <a:solidFill>
                   <a:schemeClr val="tx1">
                     <a:tint val="75000"/>
                   </a:schemeClr>
                 </a:solidFill>
               </a:defRPr>
-            </a:lvl7pPr>
-            <a:lvl8pPr marL="3200400" indent="0">
-              <a:buNone/>
-              <a:defRPr sz="1600">
+            </a:lvl8pPr>
+            <a:lvl9pPr marL="3657600" indent="0">
+              <a:buNone/>
+              <a:defRPr sz="1400">
                 <a:solidFill>
                   <a:schemeClr val="tx1">
                     <a:tint val="75000"/>
                   </a:schemeClr>
                 </a:solidFill>
               </a:defRPr>
-            </a:lvl8pPr>
-            <a:lvl9pPr marL="3657600" indent="0">
-              <a:buNone/>
-              <a:defRPr sz="1600">
-                <a:solidFill>
-                  <a:schemeClr val="tx1">
-                    <a:tint val="75000"/>
-                  </a:schemeClr>
-                </a:solidFill>
-              </a:defRPr>
             </a:lvl9pPr>
           </a:lstStyle>
           <a:p>
-            <a:r>
-              <a:rPr lang="fr-FR"/>
-              <a:t>Modifier les styles du texte du masque
-Deuxième niveau
-Troisième niveau
-Quatrième niveau
-Cinquième niveau</a:t>
-            </a:r>
-          </a:p>
-        </p:txBody>
-      </p:sp>
-      <p:sp>
-        <p:nvSpPr>
-          <p:cNvPr id="4" name="Espace réservé de la date 3">
-            <a:extLst>
-              <a:ext uri="{FF2B5EF4-FFF2-40B4-BE49-F238E27FC236}">
-                <a16:creationId xmlns:a16="http://schemas.microsoft.com/office/drawing/2014/main" id="{A10AE462-74C2-4A4F-88FA-AC8786D6C233}"/>
-              </a:ext>
-            </a:extLst>
-          </p:cNvPr>
+            <a:pPr lvl="0"/>
+            <a:r>
+              <a:rPr lang="fr-FR"/>
+              <a:t>Modifier les styles du texte du masque</a:t>
+            </a:r>
+          </a:p>
+        </p:txBody>
+      </p:sp>
+      <p:sp>
+        <p:nvSpPr>
+          <p:cNvPr id="4" name="Date Placeholder 3"/>
           <p:cNvSpPr>
             <a:spLocks noGrp="1"/>
           </p:cNvSpPr>
@@ -1061,7 +3061,7 @@
           <a:p>
             <a:fld id="{E84B97C0-532F-B146-AEF0-E71876CC8371}" type="datetimeFigureOut">
               <a:rPr lang="fr-FR" smtClean="0"/>
-              <a:t>11/01/2019</a:t>
+              <a:t>12/02/2019</a:t>
             </a:fld>
             <a:endParaRPr lang="fr-FR"/>
           </a:p>
@@ -1069,13 +3069,7 @@
       </p:sp>
       <p:sp>
         <p:nvSpPr>
-          <p:cNvPr id="5" name="Espace réservé du pied de page 4">
-            <a:extLst>
-              <a:ext uri="{FF2B5EF4-FFF2-40B4-BE49-F238E27FC236}">
-                <a16:creationId xmlns:a16="http://schemas.microsoft.com/office/drawing/2014/main" id="{34CBB52B-A876-084F-BFD1-3900740FA215}"/>
-              </a:ext>
-            </a:extLst>
-          </p:cNvPr>
+          <p:cNvPr id="5" name="Footer Placeholder 4"/>
           <p:cNvSpPr>
             <a:spLocks noGrp="1"/>
           </p:cNvSpPr>
@@ -1094,13 +3088,7 @@
       </p:sp>
       <p:sp>
         <p:nvSpPr>
-          <p:cNvPr id="6" name="Espace réservé du numéro de diapositive 5">
-            <a:extLst>
-              <a:ext uri="{FF2B5EF4-FFF2-40B4-BE49-F238E27FC236}">
-                <a16:creationId xmlns:a16="http://schemas.microsoft.com/office/drawing/2014/main" id="{9A673689-562B-B944-87A2-0E46431342D8}"/>
-              </a:ext>
-            </a:extLst>
-          </p:cNvPr>
+          <p:cNvPr id="6" name="Slide Number Placeholder 5"/>
           <p:cNvSpPr>
             <a:spLocks noGrp="1"/>
           </p:cNvSpPr>
@@ -1124,7 +3112,7 @@
     </p:spTree>
     <p:extLst>
       <p:ext uri="{BB962C8B-B14F-4D97-AF65-F5344CB8AC3E}">
-        <p14:creationId xmlns:p14="http://schemas.microsoft.com/office/powerpoint/2010/main" val="1609465270"/>
+        <p14:creationId xmlns:p14="http://schemas.microsoft.com/office/powerpoint/2010/main" val="1053220696"/>
       </p:ext>
     </p:extLst>
   </p:cSld>
@@ -1153,13 +3141,7 @@
       </p:grpSpPr>
       <p:sp>
         <p:nvSpPr>
-          <p:cNvPr id="2" name="Titre 1">
-            <a:extLst>
-              <a:ext uri="{FF2B5EF4-FFF2-40B4-BE49-F238E27FC236}">
-                <a16:creationId xmlns:a16="http://schemas.microsoft.com/office/drawing/2014/main" id="{B07F00B1-9712-064C-BB19-DE18FA8764E3}"/>
-              </a:ext>
-            </a:extLst>
-          </p:cNvPr>
+          <p:cNvPr id="2" name="Title 1"/>
           <p:cNvSpPr>
             <a:spLocks noGrp="1"/>
           </p:cNvSpPr>
@@ -1176,18 +3158,13 @@
               <a:rPr lang="fr-FR"/>
               <a:t>Modifiez le style du titre</a:t>
             </a:r>
-          </a:p>
-        </p:txBody>
-      </p:sp>
-      <p:sp>
-        <p:nvSpPr>
-          <p:cNvPr id="3" name="Espace réservé du contenu 2">
-            <a:extLst>
-              <a:ext uri="{FF2B5EF4-FFF2-40B4-BE49-F238E27FC236}">
-                <a16:creationId xmlns:a16="http://schemas.microsoft.com/office/drawing/2014/main" id="{D86586E0-C94F-0846-A335-E5B5ED0DB1A4}"/>
-              </a:ext>
-            </a:extLst>
-          </p:cNvPr>
+            <a:endParaRPr lang="en-US" dirty="0"/>
+          </a:p>
+        </p:txBody>
+      </p:sp>
+      <p:sp>
+        <p:nvSpPr>
+          <p:cNvPr id="3" name="Content Placeholder 2"/>
           <p:cNvSpPr>
             <a:spLocks noGrp="1"/>
           </p:cNvSpPr>
@@ -1197,34 +3174,56 @@
         </p:nvSpPr>
         <p:spPr>
           <a:xfrm>
-            <a:off x="838200" y="1825625"/>
-            <a:ext cx="5181600" cy="4351338"/>
+            <a:off x="684211" y="685800"/>
+            <a:ext cx="4937655" cy="3615267"/>
           </a:xfrm>
         </p:spPr>
         <p:txBody>
-          <a:bodyPr/>
-          <a:lstStyle/>
-          <a:p>
-            <a:r>
-              <a:rPr lang="fr-FR"/>
-              <a:t>Modifier les styles du texte du masque
-Deuxième niveau
-Troisième niveau
-Quatrième niveau
-Cinquième niveau</a:t>
-            </a:r>
-          </a:p>
-        </p:txBody>
-      </p:sp>
-      <p:sp>
-        <p:nvSpPr>
-          <p:cNvPr id="4" name="Espace réservé du contenu 3">
-            <a:extLst>
-              <a:ext uri="{FF2B5EF4-FFF2-40B4-BE49-F238E27FC236}">
-                <a16:creationId xmlns:a16="http://schemas.microsoft.com/office/drawing/2014/main" id="{A4E191B9-7A89-E446-8D70-0211C9A4D1D0}"/>
-              </a:ext>
-            </a:extLst>
-          </p:cNvPr>
+          <a:bodyPr>
+            <a:normAutofit/>
+          </a:bodyPr>
+          <a:lstStyle/>
+          <a:p>
+            <a:pPr lvl="0"/>
+            <a:r>
+              <a:rPr lang="fr-FR"/>
+              <a:t>Modifier les styles du texte du masque</a:t>
+            </a:r>
+          </a:p>
+          <a:p>
+            <a:pPr lvl="1"/>
+            <a:r>
+              <a:rPr lang="fr-FR"/>
+              <a:t>Deuxième niveau</a:t>
+            </a:r>
+          </a:p>
+          <a:p>
+            <a:pPr lvl="2"/>
+            <a:r>
+              <a:rPr lang="fr-FR"/>
+              <a:t>Troisième niveau</a:t>
+            </a:r>
+          </a:p>
+          <a:p>
+            <a:pPr lvl="3"/>
+            <a:r>
+              <a:rPr lang="fr-FR"/>
+              <a:t>Quatrième niveau</a:t>
+            </a:r>
+          </a:p>
+          <a:p>
+            <a:pPr lvl="4"/>
+            <a:r>
+              <a:rPr lang="fr-FR"/>
+              <a:t>Cinquième niveau</a:t>
+            </a:r>
+            <a:endParaRPr lang="en-US" dirty="0"/>
+          </a:p>
+        </p:txBody>
+      </p:sp>
+      <p:sp>
+        <p:nvSpPr>
+          <p:cNvPr id="4" name="Content Placeholder 3"/>
           <p:cNvSpPr>
             <a:spLocks noGrp="1"/>
           </p:cNvSpPr>
@@ -1234,34 +3233,56 @@
         </p:nvSpPr>
         <p:spPr>
           <a:xfrm>
-            <a:off x="6172200" y="1825625"/>
-            <a:ext cx="5181600" cy="4351338"/>
+            <a:off x="5808133" y="685801"/>
+            <a:ext cx="4934479" cy="3615266"/>
           </a:xfrm>
         </p:spPr>
         <p:txBody>
-          <a:bodyPr/>
-          <a:lstStyle/>
-          <a:p>
-            <a:r>
-              <a:rPr lang="fr-FR"/>
-              <a:t>Modifier les styles du texte du masque
-Deuxième niveau
-Troisième niveau
-Quatrième niveau
-Cinquième niveau</a:t>
-            </a:r>
-          </a:p>
-        </p:txBody>
-      </p:sp>
-      <p:sp>
-        <p:nvSpPr>
-          <p:cNvPr id="5" name="Espace réservé de la date 4">
-            <a:extLst>
-              <a:ext uri="{FF2B5EF4-FFF2-40B4-BE49-F238E27FC236}">
-                <a16:creationId xmlns:a16="http://schemas.microsoft.com/office/drawing/2014/main" id="{222E82F5-CFD0-7E48-BFA8-FC352B4DC38D}"/>
-              </a:ext>
-            </a:extLst>
-          </p:cNvPr>
+          <a:bodyPr>
+            <a:normAutofit/>
+          </a:bodyPr>
+          <a:lstStyle/>
+          <a:p>
+            <a:pPr lvl="0"/>
+            <a:r>
+              <a:rPr lang="fr-FR"/>
+              <a:t>Modifier les styles du texte du masque</a:t>
+            </a:r>
+          </a:p>
+          <a:p>
+            <a:pPr lvl="1"/>
+            <a:r>
+              <a:rPr lang="fr-FR"/>
+              <a:t>Deuxième niveau</a:t>
+            </a:r>
+          </a:p>
+          <a:p>
+            <a:pPr lvl="2"/>
+            <a:r>
+              <a:rPr lang="fr-FR"/>
+              <a:t>Troisième niveau</a:t>
+            </a:r>
+          </a:p>
+          <a:p>
+            <a:pPr lvl="3"/>
+            <a:r>
+              <a:rPr lang="fr-FR"/>
+              <a:t>Quatrième niveau</a:t>
+            </a:r>
+          </a:p>
+          <a:p>
+            <a:pPr lvl="4"/>
+            <a:r>
+              <a:rPr lang="fr-FR"/>
+              <a:t>Cinquième niveau</a:t>
+            </a:r>
+            <a:endParaRPr lang="en-US" dirty="0"/>
+          </a:p>
+        </p:txBody>
+      </p:sp>
+      <p:sp>
+        <p:nvSpPr>
+          <p:cNvPr id="5" name="Date Placeholder 4"/>
           <p:cNvSpPr>
             <a:spLocks noGrp="1"/>
           </p:cNvSpPr>
@@ -1276,7 +3297,7 @@
           <a:p>
             <a:fld id="{E84B97C0-532F-B146-AEF0-E71876CC8371}" type="datetimeFigureOut">
               <a:rPr lang="fr-FR" smtClean="0"/>
-              <a:t>11/01/2019</a:t>
+              <a:t>12/02/2019</a:t>
             </a:fld>
             <a:endParaRPr lang="fr-FR"/>
           </a:p>
@@ -1284,13 +3305,7 @@
       </p:sp>
       <p:sp>
         <p:nvSpPr>
-          <p:cNvPr id="6" name="Espace réservé du pied de page 5">
-            <a:extLst>
-              <a:ext uri="{FF2B5EF4-FFF2-40B4-BE49-F238E27FC236}">
-                <a16:creationId xmlns:a16="http://schemas.microsoft.com/office/drawing/2014/main" id="{BB3E09F2-AE6F-DE40-897E-C2CC1EFDEB97}"/>
-              </a:ext>
-            </a:extLst>
-          </p:cNvPr>
+          <p:cNvPr id="6" name="Footer Placeholder 5"/>
           <p:cNvSpPr>
             <a:spLocks noGrp="1"/>
           </p:cNvSpPr>
@@ -1309,13 +3324,7 @@
       </p:sp>
       <p:sp>
         <p:nvSpPr>
-          <p:cNvPr id="7" name="Espace réservé du numéro de diapositive 6">
-            <a:extLst>
-              <a:ext uri="{FF2B5EF4-FFF2-40B4-BE49-F238E27FC236}">
-                <a16:creationId xmlns:a16="http://schemas.microsoft.com/office/drawing/2014/main" id="{862C8458-7D18-9F47-8AAD-353361771029}"/>
-              </a:ext>
-            </a:extLst>
-          </p:cNvPr>
+          <p:cNvPr id="7" name="Slide Number Placeholder 6"/>
           <p:cNvSpPr>
             <a:spLocks noGrp="1"/>
           </p:cNvSpPr>
@@ -1339,7 +3348,7 @@
     </p:spTree>
     <p:extLst>
       <p:ext uri="{BB962C8B-B14F-4D97-AF65-F5344CB8AC3E}">
-        <p14:creationId xmlns:p14="http://schemas.microsoft.com/office/powerpoint/2010/main" val="932563503"/>
+        <p14:creationId xmlns:p14="http://schemas.microsoft.com/office/powerpoint/2010/main" val="268084550"/>
       </p:ext>
     </p:extLst>
   </p:cSld>
@@ -1368,65 +3377,59 @@
       </p:grpSpPr>
       <p:sp>
         <p:nvSpPr>
-          <p:cNvPr id="2" name="Titre 1">
-            <a:extLst>
-              <a:ext uri="{FF2B5EF4-FFF2-40B4-BE49-F238E27FC236}">
-                <a16:creationId xmlns:a16="http://schemas.microsoft.com/office/drawing/2014/main" id="{C0FD7033-1CA5-6549-B954-474C30125CAE}"/>
-              </a:ext>
-            </a:extLst>
-          </p:cNvPr>
+          <p:cNvPr id="2" name="Title 1"/>
           <p:cNvSpPr>
             <a:spLocks noGrp="1"/>
           </p:cNvSpPr>
           <p:nvPr>
             <p:ph type="title"/>
+          </p:nvPr>
+        </p:nvSpPr>
+        <p:spPr/>
+        <p:txBody>
+          <a:bodyPr/>
+          <a:lstStyle>
+            <a:lvl1pPr>
+              <a:defRPr/>
+            </a:lvl1pPr>
+          </a:lstStyle>
+          <a:p>
+            <a:r>
+              <a:rPr lang="fr-FR"/>
+              <a:t>Modifiez le style du titre</a:t>
+            </a:r>
+            <a:endParaRPr lang="en-US" dirty="0"/>
+          </a:p>
+        </p:txBody>
+      </p:sp>
+      <p:sp>
+        <p:nvSpPr>
+          <p:cNvPr id="3" name="Text Placeholder 2"/>
+          <p:cNvSpPr>
+            <a:spLocks noGrp="1"/>
+          </p:cNvSpPr>
+          <p:nvPr>
+            <p:ph type="body" idx="1"/>
           </p:nvPr>
         </p:nvSpPr>
         <p:spPr>
           <a:xfrm>
-            <a:off x="839788" y="365125"/>
-            <a:ext cx="10515600" cy="1325563"/>
+            <a:off x="972080" y="685800"/>
+            <a:ext cx="4649787" cy="576262"/>
           </a:xfrm>
         </p:spPr>
         <p:txBody>
-          <a:bodyPr/>
-          <a:lstStyle/>
-          <a:p>
-            <a:r>
-              <a:rPr lang="fr-FR"/>
-              <a:t>Modifiez le style du titre</a:t>
-            </a:r>
-          </a:p>
-        </p:txBody>
-      </p:sp>
-      <p:sp>
-        <p:nvSpPr>
-          <p:cNvPr id="3" name="Espace réservé du texte 2">
-            <a:extLst>
-              <a:ext uri="{FF2B5EF4-FFF2-40B4-BE49-F238E27FC236}">
-                <a16:creationId xmlns:a16="http://schemas.microsoft.com/office/drawing/2014/main" id="{C3FDE89F-D672-184B-8A19-7F4ED53E1112}"/>
-              </a:ext>
-            </a:extLst>
-          </p:cNvPr>
-          <p:cNvSpPr>
-            <a:spLocks noGrp="1"/>
-          </p:cNvSpPr>
-          <p:nvPr>
-            <p:ph type="body" idx="1"/>
-          </p:nvPr>
-        </p:nvSpPr>
-        <p:spPr>
-          <a:xfrm>
-            <a:off x="839788" y="1681163"/>
-            <a:ext cx="5157787" cy="823912"/>
-          </a:xfrm>
-        </p:spPr>
-        <p:txBody>
-          <a:bodyPr anchor="b"/>
+          <a:bodyPr anchor="b">
+            <a:noAutofit/>
+          </a:bodyPr>
           <a:lstStyle>
             <a:lvl1pPr marL="0" indent="0">
               <a:buNone/>
-              <a:defRPr sz="2400" b="1"/>
+              <a:defRPr sz="2800" b="0">
+                <a:solidFill>
+                  <a:schemeClr val="tx1"/>
+                </a:solidFill>
+              </a:defRPr>
             </a:lvl1pPr>
             <a:lvl2pPr marL="457200" indent="0">
               <a:buNone/>
@@ -1462,26 +3465,17 @@
             </a:lvl9pPr>
           </a:lstStyle>
           <a:p>
-            <a:r>
-              <a:rPr lang="fr-FR"/>
-              <a:t>Modifier les styles du texte du masque
-Deuxième niveau
-Troisième niveau
-Quatrième niveau
-Cinquième niveau</a:t>
-            </a:r>
-          </a:p>
-        </p:txBody>
-      </p:sp>
-      <p:sp>
-        <p:nvSpPr>
-          <p:cNvPr id="4" name="Espace réservé du contenu 3">
-            <a:extLst>
-              <a:ext uri="{FF2B5EF4-FFF2-40B4-BE49-F238E27FC236}">
-                <a16:creationId xmlns:a16="http://schemas.microsoft.com/office/drawing/2014/main" id="{9DBBE079-1BCA-FF48-9FC5-E4AAE997C617}"/>
-              </a:ext>
-            </a:extLst>
-          </p:cNvPr>
+            <a:pPr lvl="0"/>
+            <a:r>
+              <a:rPr lang="fr-FR"/>
+              <a:t>Modifier les styles du texte du masque</a:t>
+            </a:r>
+          </a:p>
+        </p:txBody>
+      </p:sp>
+      <p:sp>
+        <p:nvSpPr>
+          <p:cNvPr id="4" name="Content Placeholder 3"/>
           <p:cNvSpPr>
             <a:spLocks noGrp="1"/>
           </p:cNvSpPr>
@@ -1491,34 +3485,56 @@
         </p:nvSpPr>
         <p:spPr>
           <a:xfrm>
-            <a:off x="839788" y="2505075"/>
-            <a:ext cx="5157787" cy="3684588"/>
+            <a:off x="684211" y="1270529"/>
+            <a:ext cx="4937655" cy="3030538"/>
           </a:xfrm>
         </p:spPr>
         <p:txBody>
-          <a:bodyPr/>
-          <a:lstStyle/>
-          <a:p>
-            <a:r>
-              <a:rPr lang="fr-FR"/>
-              <a:t>Modifier les styles du texte du masque
-Deuxième niveau
-Troisième niveau
-Quatrième niveau
-Cinquième niveau</a:t>
-            </a:r>
-          </a:p>
-        </p:txBody>
-      </p:sp>
-      <p:sp>
-        <p:nvSpPr>
-          <p:cNvPr id="5" name="Espace réservé du texte 4">
-            <a:extLst>
-              <a:ext uri="{FF2B5EF4-FFF2-40B4-BE49-F238E27FC236}">
-                <a16:creationId xmlns:a16="http://schemas.microsoft.com/office/drawing/2014/main" id="{C26CCAFC-0221-1341-9BF5-1AF6740EA6B0}"/>
-              </a:ext>
-            </a:extLst>
-          </p:cNvPr>
+          <a:bodyPr anchor="t">
+            <a:normAutofit/>
+          </a:bodyPr>
+          <a:lstStyle/>
+          <a:p>
+            <a:pPr lvl="0"/>
+            <a:r>
+              <a:rPr lang="fr-FR"/>
+              <a:t>Modifier les styles du texte du masque</a:t>
+            </a:r>
+          </a:p>
+          <a:p>
+            <a:pPr lvl="1"/>
+            <a:r>
+              <a:rPr lang="fr-FR"/>
+              <a:t>Deuxième niveau</a:t>
+            </a:r>
+          </a:p>
+          <a:p>
+            <a:pPr lvl="2"/>
+            <a:r>
+              <a:rPr lang="fr-FR"/>
+              <a:t>Troisième niveau</a:t>
+            </a:r>
+          </a:p>
+          <a:p>
+            <a:pPr lvl="3"/>
+            <a:r>
+              <a:rPr lang="fr-FR"/>
+              <a:t>Quatrième niveau</a:t>
+            </a:r>
+          </a:p>
+          <a:p>
+            <a:pPr lvl="4"/>
+            <a:r>
+              <a:rPr lang="fr-FR"/>
+              <a:t>Cinquième niveau</a:t>
+            </a:r>
+            <a:endParaRPr lang="en-US" dirty="0"/>
+          </a:p>
+        </p:txBody>
+      </p:sp>
+      <p:sp>
+        <p:nvSpPr>
+          <p:cNvPr id="5" name="Text Placeholder 4"/>
           <p:cNvSpPr>
             <a:spLocks noGrp="1"/>
           </p:cNvSpPr>
@@ -1528,16 +3544,22 @@
         </p:nvSpPr>
         <p:spPr>
           <a:xfrm>
-            <a:off x="6172200" y="1681163"/>
-            <a:ext cx="5183188" cy="823912"/>
+            <a:off x="6079066" y="685800"/>
+            <a:ext cx="4665134" cy="576262"/>
           </a:xfrm>
         </p:spPr>
         <p:txBody>
-          <a:bodyPr anchor="b"/>
+          <a:bodyPr anchor="b">
+            <a:noAutofit/>
+          </a:bodyPr>
           <a:lstStyle>
             <a:lvl1pPr marL="0" indent="0">
               <a:buNone/>
-              <a:defRPr sz="2400" b="1"/>
+              <a:defRPr sz="2800" b="0">
+                <a:solidFill>
+                  <a:schemeClr val="tx1"/>
+                </a:solidFill>
+              </a:defRPr>
             </a:lvl1pPr>
             <a:lvl2pPr marL="457200" indent="0">
               <a:buNone/>
@@ -1573,26 +3595,17 @@
             </a:lvl9pPr>
           </a:lstStyle>
           <a:p>
-            <a:r>
-              <a:rPr lang="fr-FR"/>
-              <a:t>Modifier les styles du texte du masque
-Deuxième niveau
-Troisième niveau
-Quatrième niveau
-Cinquième niveau</a:t>
-            </a:r>
-          </a:p>
-        </p:txBody>
-      </p:sp>
-      <p:sp>
-        <p:nvSpPr>
-          <p:cNvPr id="6" name="Espace réservé du contenu 5">
-            <a:extLst>
-              <a:ext uri="{FF2B5EF4-FFF2-40B4-BE49-F238E27FC236}">
-                <a16:creationId xmlns:a16="http://schemas.microsoft.com/office/drawing/2014/main" id="{DDDA746A-D62A-7C4E-A330-5932BEABA150}"/>
-              </a:ext>
-            </a:extLst>
-          </p:cNvPr>
+            <a:pPr lvl="0"/>
+            <a:r>
+              <a:rPr lang="fr-FR"/>
+              <a:t>Modifier les styles du texte du masque</a:t>
+            </a:r>
+          </a:p>
+        </p:txBody>
+      </p:sp>
+      <p:sp>
+        <p:nvSpPr>
+          <p:cNvPr id="6" name="Content Placeholder 5"/>
           <p:cNvSpPr>
             <a:spLocks noGrp="1"/>
           </p:cNvSpPr>
@@ -1602,34 +3615,56 @@
         </p:nvSpPr>
         <p:spPr>
           <a:xfrm>
-            <a:off x="6172200" y="2505075"/>
-            <a:ext cx="5183188" cy="3684588"/>
+            <a:off x="5806545" y="1262062"/>
+            <a:ext cx="4929188" cy="3030538"/>
           </a:xfrm>
         </p:spPr>
         <p:txBody>
-          <a:bodyPr/>
-          <a:lstStyle/>
-          <a:p>
-            <a:r>
-              <a:rPr lang="fr-FR"/>
-              <a:t>Modifier les styles du texte du masque
-Deuxième niveau
-Troisième niveau
-Quatrième niveau
-Cinquième niveau</a:t>
-            </a:r>
-          </a:p>
-        </p:txBody>
-      </p:sp>
-      <p:sp>
-        <p:nvSpPr>
-          <p:cNvPr id="7" name="Espace réservé de la date 6">
-            <a:extLst>
-              <a:ext uri="{FF2B5EF4-FFF2-40B4-BE49-F238E27FC236}">
-                <a16:creationId xmlns:a16="http://schemas.microsoft.com/office/drawing/2014/main" id="{7296058A-623E-AF49-858A-C197DE652722}"/>
-              </a:ext>
-            </a:extLst>
-          </p:cNvPr>
+          <a:bodyPr anchor="t">
+            <a:normAutofit/>
+          </a:bodyPr>
+          <a:lstStyle/>
+          <a:p>
+            <a:pPr lvl="0"/>
+            <a:r>
+              <a:rPr lang="fr-FR"/>
+              <a:t>Modifier les styles du texte du masque</a:t>
+            </a:r>
+          </a:p>
+          <a:p>
+            <a:pPr lvl="1"/>
+            <a:r>
+              <a:rPr lang="fr-FR"/>
+              <a:t>Deuxième niveau</a:t>
+            </a:r>
+          </a:p>
+          <a:p>
+            <a:pPr lvl="2"/>
+            <a:r>
+              <a:rPr lang="fr-FR"/>
+              <a:t>Troisième niveau</a:t>
+            </a:r>
+          </a:p>
+          <a:p>
+            <a:pPr lvl="3"/>
+            <a:r>
+              <a:rPr lang="fr-FR"/>
+              <a:t>Quatrième niveau</a:t>
+            </a:r>
+          </a:p>
+          <a:p>
+            <a:pPr lvl="4"/>
+            <a:r>
+              <a:rPr lang="fr-FR"/>
+              <a:t>Cinquième niveau</a:t>
+            </a:r>
+            <a:endParaRPr lang="en-US" dirty="0"/>
+          </a:p>
+        </p:txBody>
+      </p:sp>
+      <p:sp>
+        <p:nvSpPr>
+          <p:cNvPr id="7" name="Date Placeholder 6"/>
           <p:cNvSpPr>
             <a:spLocks noGrp="1"/>
           </p:cNvSpPr>
@@ -1644,7 +3679,7 @@
           <a:p>
             <a:fld id="{E84B97C0-532F-B146-AEF0-E71876CC8371}" type="datetimeFigureOut">
               <a:rPr lang="fr-FR" smtClean="0"/>
-              <a:t>11/01/2019</a:t>
+              <a:t>12/02/2019</a:t>
             </a:fld>
             <a:endParaRPr lang="fr-FR"/>
           </a:p>
@@ -1652,13 +3687,7 @@
       </p:sp>
       <p:sp>
         <p:nvSpPr>
-          <p:cNvPr id="8" name="Espace réservé du pied de page 7">
-            <a:extLst>
-              <a:ext uri="{FF2B5EF4-FFF2-40B4-BE49-F238E27FC236}">
-                <a16:creationId xmlns:a16="http://schemas.microsoft.com/office/drawing/2014/main" id="{6E87D1B8-03AD-344D-B39A-FBCEC254572C}"/>
-              </a:ext>
-            </a:extLst>
-          </p:cNvPr>
+          <p:cNvPr id="8" name="Footer Placeholder 7"/>
           <p:cNvSpPr>
             <a:spLocks noGrp="1"/>
           </p:cNvSpPr>
@@ -1677,13 +3706,7 @@
       </p:sp>
       <p:sp>
         <p:nvSpPr>
-          <p:cNvPr id="9" name="Espace réservé du numéro de diapositive 8">
-            <a:extLst>
-              <a:ext uri="{FF2B5EF4-FFF2-40B4-BE49-F238E27FC236}">
-                <a16:creationId xmlns:a16="http://schemas.microsoft.com/office/drawing/2014/main" id="{D7E3C226-FC7B-384C-A756-418046E705ED}"/>
-              </a:ext>
-            </a:extLst>
-          </p:cNvPr>
+          <p:cNvPr id="9" name="Slide Number Placeholder 8"/>
           <p:cNvSpPr>
             <a:spLocks noGrp="1"/>
           </p:cNvSpPr>
@@ -1707,7 +3730,7 @@
     </p:spTree>
     <p:extLst>
       <p:ext uri="{BB962C8B-B14F-4D97-AF65-F5344CB8AC3E}">
-        <p14:creationId xmlns:p14="http://schemas.microsoft.com/office/powerpoint/2010/main" val="1011005864"/>
+        <p14:creationId xmlns:p14="http://schemas.microsoft.com/office/powerpoint/2010/main" val="82672384"/>
       </p:ext>
     </p:extLst>
   </p:cSld>
@@ -1736,13 +3759,7 @@
       </p:grpSpPr>
       <p:sp>
         <p:nvSpPr>
-          <p:cNvPr id="2" name="Titre 1">
-            <a:extLst>
-              <a:ext uri="{FF2B5EF4-FFF2-40B4-BE49-F238E27FC236}">
-                <a16:creationId xmlns:a16="http://schemas.microsoft.com/office/drawing/2014/main" id="{A563993D-C90F-7045-9F45-C55399818CBA}"/>
-              </a:ext>
-            </a:extLst>
-          </p:cNvPr>
+          <p:cNvPr id="2" name="Title 1"/>
           <p:cNvSpPr>
             <a:spLocks noGrp="1"/>
           </p:cNvSpPr>
@@ -1759,18 +3776,13 @@
               <a:rPr lang="fr-FR"/>
               <a:t>Modifiez le style du titre</a:t>
             </a:r>
-          </a:p>
-        </p:txBody>
-      </p:sp>
-      <p:sp>
-        <p:nvSpPr>
-          <p:cNvPr id="3" name="Espace réservé de la date 2">
-            <a:extLst>
-              <a:ext uri="{FF2B5EF4-FFF2-40B4-BE49-F238E27FC236}">
-                <a16:creationId xmlns:a16="http://schemas.microsoft.com/office/drawing/2014/main" id="{E409AFE8-5133-754A-ABC0-74310311BF30}"/>
-              </a:ext>
-            </a:extLst>
-          </p:cNvPr>
+            <a:endParaRPr lang="en-US" dirty="0"/>
+          </a:p>
+        </p:txBody>
+      </p:sp>
+      <p:sp>
+        <p:nvSpPr>
+          <p:cNvPr id="3" name="Date Placeholder 2"/>
           <p:cNvSpPr>
             <a:spLocks noGrp="1"/>
           </p:cNvSpPr>
@@ -1785,7 +3797,7 @@
           <a:p>
             <a:fld id="{E84B97C0-532F-B146-AEF0-E71876CC8371}" type="datetimeFigureOut">
               <a:rPr lang="fr-FR" smtClean="0"/>
-              <a:t>11/01/2019</a:t>
+              <a:t>12/02/2019</a:t>
             </a:fld>
             <a:endParaRPr lang="fr-FR"/>
           </a:p>
@@ -1793,13 +3805,7 @@
       </p:sp>
       <p:sp>
         <p:nvSpPr>
-          <p:cNvPr id="4" name="Espace réservé du pied de page 3">
-            <a:extLst>
-              <a:ext uri="{FF2B5EF4-FFF2-40B4-BE49-F238E27FC236}">
-                <a16:creationId xmlns:a16="http://schemas.microsoft.com/office/drawing/2014/main" id="{EE904E59-D0D9-9C41-9512-88E4C47A5CEB}"/>
-              </a:ext>
-            </a:extLst>
-          </p:cNvPr>
+          <p:cNvPr id="4" name="Footer Placeholder 3"/>
           <p:cNvSpPr>
             <a:spLocks noGrp="1"/>
           </p:cNvSpPr>
@@ -1818,13 +3824,7 @@
       </p:sp>
       <p:sp>
         <p:nvSpPr>
-          <p:cNvPr id="5" name="Espace réservé du numéro de diapositive 4">
-            <a:extLst>
-              <a:ext uri="{FF2B5EF4-FFF2-40B4-BE49-F238E27FC236}">
-                <a16:creationId xmlns:a16="http://schemas.microsoft.com/office/drawing/2014/main" id="{F319C187-FA0B-5E4B-B525-E9B501C4029C}"/>
-              </a:ext>
-            </a:extLst>
-          </p:cNvPr>
+          <p:cNvPr id="5" name="Slide Number Placeholder 4"/>
           <p:cNvSpPr>
             <a:spLocks noGrp="1"/>
           </p:cNvSpPr>
@@ -1848,7 +3848,7 @@
     </p:spTree>
     <p:extLst>
       <p:ext uri="{BB962C8B-B14F-4D97-AF65-F5344CB8AC3E}">
-        <p14:creationId xmlns:p14="http://schemas.microsoft.com/office/powerpoint/2010/main" val="3351025309"/>
+        <p14:creationId xmlns:p14="http://schemas.microsoft.com/office/powerpoint/2010/main" val="1066250379"/>
       </p:ext>
     </p:extLst>
   </p:cSld>
@@ -1877,13 +3877,7 @@
       </p:grpSpPr>
       <p:sp>
         <p:nvSpPr>
-          <p:cNvPr id="2" name="Espace réservé de la date 1">
-            <a:extLst>
-              <a:ext uri="{FF2B5EF4-FFF2-40B4-BE49-F238E27FC236}">
-                <a16:creationId xmlns:a16="http://schemas.microsoft.com/office/drawing/2014/main" id="{73987140-9321-8B41-956B-EDAA5D835070}"/>
-              </a:ext>
-            </a:extLst>
-          </p:cNvPr>
+          <p:cNvPr id="2" name="Date Placeholder 1"/>
           <p:cNvSpPr>
             <a:spLocks noGrp="1"/>
           </p:cNvSpPr>
@@ -1898,7 +3892,7 @@
           <a:p>
             <a:fld id="{E84B97C0-532F-B146-AEF0-E71876CC8371}" type="datetimeFigureOut">
               <a:rPr lang="fr-FR" smtClean="0"/>
-              <a:t>11/01/2019</a:t>
+              <a:t>12/02/2019</a:t>
             </a:fld>
             <a:endParaRPr lang="fr-FR"/>
           </a:p>
@@ -1906,13 +3900,7 @@
       </p:sp>
       <p:sp>
         <p:nvSpPr>
-          <p:cNvPr id="3" name="Espace réservé du pied de page 2">
-            <a:extLst>
-              <a:ext uri="{FF2B5EF4-FFF2-40B4-BE49-F238E27FC236}">
-                <a16:creationId xmlns:a16="http://schemas.microsoft.com/office/drawing/2014/main" id="{43819568-D5FB-9C44-8B80-068424C284E0}"/>
-              </a:ext>
-            </a:extLst>
-          </p:cNvPr>
+          <p:cNvPr id="3" name="Footer Placeholder 2"/>
           <p:cNvSpPr>
             <a:spLocks noGrp="1"/>
           </p:cNvSpPr>
@@ -1931,13 +3919,7 @@
       </p:sp>
       <p:sp>
         <p:nvSpPr>
-          <p:cNvPr id="4" name="Espace réservé du numéro de diapositive 3">
-            <a:extLst>
-              <a:ext uri="{FF2B5EF4-FFF2-40B4-BE49-F238E27FC236}">
-                <a16:creationId xmlns:a16="http://schemas.microsoft.com/office/drawing/2014/main" id="{533D3175-AFB6-F940-9D06-A38DD49645DE}"/>
-              </a:ext>
-            </a:extLst>
-          </p:cNvPr>
+          <p:cNvPr id="4" name="Slide Number Placeholder 3"/>
           <p:cNvSpPr>
             <a:spLocks noGrp="1"/>
           </p:cNvSpPr>
@@ -1961,7 +3943,7 @@
     </p:spTree>
     <p:extLst>
       <p:ext uri="{BB962C8B-B14F-4D97-AF65-F5344CB8AC3E}">
-        <p14:creationId xmlns:p14="http://schemas.microsoft.com/office/powerpoint/2010/main" val="1049110358"/>
+        <p14:creationId xmlns:p14="http://schemas.microsoft.com/office/powerpoint/2010/main" val="1394442918"/>
       </p:ext>
     </p:extLst>
   </p:cSld>
@@ -1990,13 +3972,7 @@
       </p:grpSpPr>
       <p:sp>
         <p:nvSpPr>
-          <p:cNvPr id="2" name="Titre 1">
-            <a:extLst>
-              <a:ext uri="{FF2B5EF4-FFF2-40B4-BE49-F238E27FC236}">
-                <a16:creationId xmlns:a16="http://schemas.microsoft.com/office/drawing/2014/main" id="{DF3776F6-2FA6-264A-B77C-DE2A73AC1235}"/>
-              </a:ext>
-            </a:extLst>
-          </p:cNvPr>
+          <p:cNvPr id="2" name="Title 1"/>
           <p:cNvSpPr>
             <a:spLocks noGrp="1"/>
           </p:cNvSpPr>
@@ -2006,15 +3982,17 @@
         </p:nvSpPr>
         <p:spPr>
           <a:xfrm>
-            <a:off x="839788" y="457200"/>
-            <a:ext cx="3932237" cy="1600200"/>
+            <a:off x="7085012" y="685800"/>
+            <a:ext cx="3657600" cy="1371600"/>
           </a:xfrm>
         </p:spPr>
         <p:txBody>
-          <a:bodyPr anchor="b"/>
+          <a:bodyPr anchor="b">
+            <a:normAutofit/>
+          </a:bodyPr>
           <a:lstStyle>
-            <a:lvl1pPr>
-              <a:defRPr sz="3200"/>
+            <a:lvl1pPr algn="l">
+              <a:defRPr sz="2400" b="0"/>
             </a:lvl1pPr>
           </a:lstStyle>
           <a:p>
@@ -2022,18 +4000,13 @@
               <a:rPr lang="fr-FR"/>
               <a:t>Modifiez le style du titre</a:t>
             </a:r>
-          </a:p>
-        </p:txBody>
-      </p:sp>
-      <p:sp>
-        <p:nvSpPr>
-          <p:cNvPr id="3" name="Espace réservé du contenu 2">
-            <a:extLst>
-              <a:ext uri="{FF2B5EF4-FFF2-40B4-BE49-F238E27FC236}">
-                <a16:creationId xmlns:a16="http://schemas.microsoft.com/office/drawing/2014/main" id="{632EE731-8BC5-4C4B-8CE0-A61CBE4ADAA2}"/>
-              </a:ext>
-            </a:extLst>
-          </p:cNvPr>
+            <a:endParaRPr lang="en-US" dirty="0"/>
+          </a:p>
+        </p:txBody>
+      </p:sp>
+      <p:sp>
+        <p:nvSpPr>
+          <p:cNvPr id="3" name="Content Placeholder 2"/>
           <p:cNvSpPr>
             <a:spLocks noGrp="1"/>
           </p:cNvSpPr>
@@ -2043,62 +4016,56 @@
         </p:nvSpPr>
         <p:spPr>
           <a:xfrm>
-            <a:off x="5183188" y="987425"/>
-            <a:ext cx="6172200" cy="4873625"/>
+            <a:off x="684212" y="685800"/>
+            <a:ext cx="5943601" cy="5308600"/>
           </a:xfrm>
         </p:spPr>
         <p:txBody>
-          <a:bodyPr/>
-          <a:lstStyle>
-            <a:lvl1pPr>
-              <a:defRPr sz="3200"/>
-            </a:lvl1pPr>
-            <a:lvl2pPr>
-              <a:defRPr sz="2800"/>
-            </a:lvl2pPr>
-            <a:lvl3pPr>
-              <a:defRPr sz="2400"/>
-            </a:lvl3pPr>
-            <a:lvl4pPr>
-              <a:defRPr sz="2000"/>
-            </a:lvl4pPr>
-            <a:lvl5pPr>
-              <a:defRPr sz="2000"/>
-            </a:lvl5pPr>
-            <a:lvl6pPr>
-              <a:defRPr sz="2000"/>
-            </a:lvl6pPr>
-            <a:lvl7pPr>
-              <a:defRPr sz="2000"/>
-            </a:lvl7pPr>
-            <a:lvl8pPr>
-              <a:defRPr sz="2000"/>
-            </a:lvl8pPr>
-            <a:lvl9pPr>
-              <a:defRPr sz="2000"/>
-            </a:lvl9pPr>
-          </a:lstStyle>
-          <a:p>
-            <a:r>
-              <a:rPr lang="fr-FR"/>
-              <a:t>Modifier les styles du texte du masque
-Deuxième niveau
-Troisième niveau
-Quatrième niveau
-Cinquième niveau</a:t>
-            </a:r>
-          </a:p>
-        </p:txBody>
-      </p:sp>
-      <p:sp>
-        <p:nvSpPr>
-          <p:cNvPr id="4" name="Espace réservé du texte 3">
-            <a:extLst>
-              <a:ext uri="{FF2B5EF4-FFF2-40B4-BE49-F238E27FC236}">
-                <a16:creationId xmlns:a16="http://schemas.microsoft.com/office/drawing/2014/main" id="{1DAE1590-E7B4-2744-9791-42E6C86D698D}"/>
-              </a:ext>
-            </a:extLst>
-          </p:cNvPr>
+          <a:bodyPr anchor="ctr">
+            <a:normAutofit/>
+          </a:bodyPr>
+          <a:lstStyle/>
+          <a:p>
+            <a:pPr lvl="0"/>
+            <a:r>
+              <a:rPr lang="fr-FR"/>
+              <a:t>Modifier les styles du texte du masque</a:t>
+            </a:r>
+          </a:p>
+          <a:p>
+            <a:pPr lvl="1"/>
+            <a:r>
+              <a:rPr lang="fr-FR"/>
+              <a:t>Deuxième niveau</a:t>
+            </a:r>
+          </a:p>
+          <a:p>
+            <a:pPr lvl="2"/>
+            <a:r>
+              <a:rPr lang="fr-FR"/>
+              <a:t>Troisième niveau</a:t>
+            </a:r>
+          </a:p>
+          <a:p>
+            <a:pPr lvl="3"/>
+            <a:r>
+              <a:rPr lang="fr-FR"/>
+              <a:t>Quatrième niveau</a:t>
+            </a:r>
+          </a:p>
+          <a:p>
+            <a:pPr lvl="4"/>
+            <a:r>
+              <a:rPr lang="fr-FR"/>
+              <a:t>Cinquième niveau</a:t>
+            </a:r>
+            <a:endParaRPr lang="en-US" dirty="0"/>
+          </a:p>
+        </p:txBody>
+      </p:sp>
+      <p:sp>
+        <p:nvSpPr>
+          <p:cNvPr id="4" name="Text Placeholder 3"/>
           <p:cNvSpPr>
             <a:spLocks noGrp="1"/>
           </p:cNvSpPr>
@@ -2108,12 +4075,14 @@
         </p:nvSpPr>
         <p:spPr>
           <a:xfrm>
-            <a:off x="839788" y="2057400"/>
-            <a:ext cx="3932237" cy="3811588"/>
+            <a:off x="7085012" y="2209799"/>
+            <a:ext cx="3657600" cy="2091267"/>
           </a:xfrm>
         </p:spPr>
         <p:txBody>
-          <a:bodyPr/>
+          <a:bodyPr anchor="t">
+            <a:normAutofit/>
+          </a:bodyPr>
           <a:lstStyle>
             <a:lvl1pPr marL="0" indent="0">
               <a:buNone/>
@@ -2121,58 +4090,49 @@
             </a:lvl1pPr>
             <a:lvl2pPr marL="457200" indent="0">
               <a:buNone/>
-              <a:defRPr sz="1400"/>
+              <a:defRPr sz="1200"/>
             </a:lvl2pPr>
             <a:lvl3pPr marL="914400" indent="0">
               <a:buNone/>
-              <a:defRPr sz="1200"/>
+              <a:defRPr sz="1000"/>
             </a:lvl3pPr>
             <a:lvl4pPr marL="1371600" indent="0">
               <a:buNone/>
-              <a:defRPr sz="1000"/>
+              <a:defRPr sz="900"/>
             </a:lvl4pPr>
             <a:lvl5pPr marL="1828800" indent="0">
               <a:buNone/>
-              <a:defRPr sz="1000"/>
+              <a:defRPr sz="900"/>
             </a:lvl5pPr>
             <a:lvl6pPr marL="2286000" indent="0">
               <a:buNone/>
-              <a:defRPr sz="1000"/>
+              <a:defRPr sz="900"/>
             </a:lvl6pPr>
             <a:lvl7pPr marL="2743200" indent="0">
               <a:buNone/>
-              <a:defRPr sz="1000"/>
+              <a:defRPr sz="900"/>
             </a:lvl7pPr>
             <a:lvl8pPr marL="3200400" indent="0">
               <a:buNone/>
-              <a:defRPr sz="1000"/>
+              <a:defRPr sz="900"/>
             </a:lvl8pPr>
             <a:lvl9pPr marL="3657600" indent="0">
               <a:buNone/>
-              <a:defRPr sz="1000"/>
+              <a:defRPr sz="900"/>
             </a:lvl9pPr>
           </a:lstStyle>
           <a:p>
-            <a:r>
-              <a:rPr lang="fr-FR"/>
-              <a:t>Modifier les styles du texte du masque
-Deuxième niveau
-Troisième niveau
-Quatrième niveau
-Cinquième niveau</a:t>
-            </a:r>
-          </a:p>
-        </p:txBody>
-      </p:sp>
-      <p:sp>
-        <p:nvSpPr>
-          <p:cNvPr id="5" name="Espace réservé de la date 4">
-            <a:extLst>
-              <a:ext uri="{FF2B5EF4-FFF2-40B4-BE49-F238E27FC236}">
-                <a16:creationId xmlns:a16="http://schemas.microsoft.com/office/drawing/2014/main" id="{4D830839-6BEA-4740-A6D8-081956F4A3FE}"/>
-              </a:ext>
-            </a:extLst>
-          </p:cNvPr>
+            <a:pPr lvl="0"/>
+            <a:r>
+              <a:rPr lang="fr-FR"/>
+              <a:t>Modifier les styles du texte du masque</a:t>
+            </a:r>
+          </a:p>
+        </p:txBody>
+      </p:sp>
+      <p:sp>
+        <p:nvSpPr>
+          <p:cNvPr id="5" name="Date Placeholder 4"/>
           <p:cNvSpPr>
             <a:spLocks noGrp="1"/>
           </p:cNvSpPr>
@@ -2187,7 +4147,7 @@
           <a:p>
             <a:fld id="{E84B97C0-532F-B146-AEF0-E71876CC8371}" type="datetimeFigureOut">
               <a:rPr lang="fr-FR" smtClean="0"/>
-              <a:t>11/01/2019</a:t>
+              <a:t>12/02/2019</a:t>
             </a:fld>
             <a:endParaRPr lang="fr-FR"/>
           </a:p>
@@ -2195,13 +4155,7 @@
       </p:sp>
       <p:sp>
         <p:nvSpPr>
-          <p:cNvPr id="6" name="Espace réservé du pied de page 5">
-            <a:extLst>
-              <a:ext uri="{FF2B5EF4-FFF2-40B4-BE49-F238E27FC236}">
-                <a16:creationId xmlns:a16="http://schemas.microsoft.com/office/drawing/2014/main" id="{99745C24-2A86-1943-BD68-84AA23931AF5}"/>
-              </a:ext>
-            </a:extLst>
-          </p:cNvPr>
+          <p:cNvPr id="6" name="Footer Placeholder 5"/>
           <p:cNvSpPr>
             <a:spLocks noGrp="1"/>
           </p:cNvSpPr>
@@ -2220,13 +4174,7 @@
       </p:sp>
       <p:sp>
         <p:nvSpPr>
-          <p:cNvPr id="7" name="Espace réservé du numéro de diapositive 6">
-            <a:extLst>
-              <a:ext uri="{FF2B5EF4-FFF2-40B4-BE49-F238E27FC236}">
-                <a16:creationId xmlns:a16="http://schemas.microsoft.com/office/drawing/2014/main" id="{3A73FC46-34D3-DB4C-AE54-264D8B1F1351}"/>
-              </a:ext>
-            </a:extLst>
-          </p:cNvPr>
+          <p:cNvPr id="7" name="Slide Number Placeholder 6"/>
           <p:cNvSpPr>
             <a:spLocks noGrp="1"/>
           </p:cNvSpPr>
@@ -2250,7 +4198,7 @@
     </p:spTree>
     <p:extLst>
       <p:ext uri="{BB962C8B-B14F-4D97-AF65-F5344CB8AC3E}">
-        <p14:creationId xmlns:p14="http://schemas.microsoft.com/office/powerpoint/2010/main" val="1898546742"/>
+        <p14:creationId xmlns:p14="http://schemas.microsoft.com/office/powerpoint/2010/main" val="2232132318"/>
       </p:ext>
     </p:extLst>
   </p:cSld>
@@ -2279,13 +4227,7 @@
       </p:grpSpPr>
       <p:sp>
         <p:nvSpPr>
-          <p:cNvPr id="2" name="Titre 1">
-            <a:extLst>
-              <a:ext uri="{FF2B5EF4-FFF2-40B4-BE49-F238E27FC236}">
-                <a16:creationId xmlns:a16="http://schemas.microsoft.com/office/drawing/2014/main" id="{21DA3648-C05F-594B-8F73-ACFAF5087CD6}"/>
-              </a:ext>
-            </a:extLst>
-          </p:cNvPr>
+          <p:cNvPr id="2" name="Title 1"/>
           <p:cNvSpPr>
             <a:spLocks noGrp="1"/>
           </p:cNvSpPr>
@@ -2295,15 +4237,17 @@
         </p:nvSpPr>
         <p:spPr>
           <a:xfrm>
-            <a:off x="839788" y="457200"/>
-            <a:ext cx="3932237" cy="1600200"/>
+            <a:off x="4722812" y="1447800"/>
+            <a:ext cx="6019800" cy="1143000"/>
           </a:xfrm>
         </p:spPr>
         <p:txBody>
-          <a:bodyPr anchor="b"/>
+          <a:bodyPr anchor="b">
+            <a:normAutofit/>
+          </a:bodyPr>
           <a:lstStyle>
-            <a:lvl1pPr>
-              <a:defRPr sz="3200"/>
+            <a:lvl1pPr algn="l">
+              <a:defRPr sz="2800" b="0"/>
             </a:lvl1pPr>
           </a:lstStyle>
           <a:p>
@@ -2311,20 +4255,15 @@
               <a:rPr lang="fr-FR"/>
               <a:t>Modifiez le style du titre</a:t>
             </a:r>
-          </a:p>
-        </p:txBody>
-      </p:sp>
-      <p:sp>
-        <p:nvSpPr>
-          <p:cNvPr id="3" name="Espace réservé pour une image  2">
-            <a:extLst>
-              <a:ext uri="{FF2B5EF4-FFF2-40B4-BE49-F238E27FC236}">
-                <a16:creationId xmlns:a16="http://schemas.microsoft.com/office/drawing/2014/main" id="{4C48F98A-96B6-8843-8EF1-AB6F54EE6C89}"/>
-              </a:ext>
-            </a:extLst>
-          </p:cNvPr>
-          <p:cNvSpPr>
-            <a:spLocks noGrp="1"/>
+            <a:endParaRPr lang="en-US" dirty="0"/>
+          </a:p>
+        </p:txBody>
+      </p:sp>
+      <p:sp>
+        <p:nvSpPr>
+          <p:cNvPr id="14" name="Picture Placeholder 2"/>
+          <p:cNvSpPr>
+            <a:spLocks noGrp="1" noChangeAspect="1"/>
           </p:cNvSpPr>
           <p:nvPr>
             <p:ph type="pic" idx="1"/>
@@ -2332,138 +4271,151 @@
         </p:nvSpPr>
         <p:spPr>
           <a:xfrm>
-            <a:off x="5183188" y="987425"/>
-            <a:ext cx="6172200" cy="4873625"/>
+            <a:off x="989012" y="914400"/>
+            <a:ext cx="3280974" cy="4572000"/>
           </a:xfrm>
+          <a:prstGeom prst="snip2DiagRect">
+            <a:avLst>
+              <a:gd name="adj1" fmla="val 10815"/>
+              <a:gd name="adj2" fmla="val 0"/>
+            </a:avLst>
+          </a:prstGeom>
+          <a:ln w="15875">
+            <a:solidFill>
+              <a:schemeClr val="tx1">
+                <a:alpha val="40000"/>
+              </a:schemeClr>
+            </a:solidFill>
+          </a:ln>
+          <a:effectLst>
+            <a:innerShdw blurRad="57150" dist="38100" dir="14460000">
+              <a:srgbClr val="000000">
+                <a:alpha val="70000"/>
+              </a:srgbClr>
+            </a:innerShdw>
+          </a:effectLst>
         </p:spPr>
         <p:txBody>
-          <a:bodyPr/>
+          <a:bodyPr anchor="t">
+            <a:normAutofit/>
+          </a:bodyPr>
           <a:lstStyle>
-            <a:lvl1pPr marL="0" indent="0">
-              <a:buNone/>
-              <a:defRPr sz="3200"/>
-            </a:lvl1pPr>
-            <a:lvl2pPr marL="457200" indent="0">
-              <a:buNone/>
-              <a:defRPr sz="2800"/>
-            </a:lvl2pPr>
-            <a:lvl3pPr marL="914400" indent="0">
-              <a:buNone/>
-              <a:defRPr sz="2400"/>
-            </a:lvl3pPr>
-            <a:lvl4pPr marL="1371600" indent="0">
-              <a:buNone/>
-              <a:defRPr sz="2000"/>
-            </a:lvl4pPr>
-            <a:lvl5pPr marL="1828800" indent="0">
-              <a:buNone/>
-              <a:defRPr sz="2000"/>
-            </a:lvl5pPr>
-            <a:lvl6pPr marL="2286000" indent="0">
-              <a:buNone/>
-              <a:defRPr sz="2000"/>
-            </a:lvl6pPr>
-            <a:lvl7pPr marL="2743200" indent="0">
-              <a:buNone/>
-              <a:defRPr sz="2000"/>
-            </a:lvl7pPr>
-            <a:lvl8pPr marL="3200400" indent="0">
-              <a:buNone/>
-              <a:defRPr sz="2000"/>
-            </a:lvl8pPr>
-            <a:lvl9pPr marL="3657600" indent="0">
-              <a:buNone/>
-              <a:defRPr sz="2000"/>
-            </a:lvl9pPr>
-          </a:lstStyle>
-          <a:p>
-            <a:endParaRPr lang="fr-FR"/>
-          </a:p>
-        </p:txBody>
-      </p:sp>
-      <p:sp>
-        <p:nvSpPr>
-          <p:cNvPr id="4" name="Espace réservé du texte 3">
-            <a:extLst>
-              <a:ext uri="{FF2B5EF4-FFF2-40B4-BE49-F238E27FC236}">
-                <a16:creationId xmlns:a16="http://schemas.microsoft.com/office/drawing/2014/main" id="{1D2908F3-4106-3843-B713-85915604217D}"/>
-              </a:ext>
-            </a:extLst>
-          </p:cNvPr>
-          <p:cNvSpPr>
-            <a:spLocks noGrp="1"/>
-          </p:cNvSpPr>
-          <p:nvPr>
-            <p:ph type="body" sz="half" idx="2"/>
-          </p:nvPr>
-        </p:nvSpPr>
-        <p:spPr>
-          <a:xfrm>
-            <a:off x="839788" y="2057400"/>
-            <a:ext cx="3932237" cy="3811588"/>
-          </a:xfrm>
-        </p:spPr>
-        <p:txBody>
-          <a:bodyPr/>
-          <a:lstStyle>
-            <a:lvl1pPr marL="0" indent="0">
+            <a:lvl1pPr marL="0" indent="0" algn="ctr">
               <a:buNone/>
               <a:defRPr sz="1600"/>
             </a:lvl1pPr>
             <a:lvl2pPr marL="457200" indent="0">
               <a:buNone/>
-              <a:defRPr sz="1400"/>
+              <a:defRPr sz="1600"/>
             </a:lvl2pPr>
             <a:lvl3pPr marL="914400" indent="0">
               <a:buNone/>
-              <a:defRPr sz="1200"/>
+              <a:defRPr sz="1600"/>
             </a:lvl3pPr>
             <a:lvl4pPr marL="1371600" indent="0">
               <a:buNone/>
-              <a:defRPr sz="1000"/>
+              <a:defRPr sz="1600"/>
             </a:lvl4pPr>
             <a:lvl5pPr marL="1828800" indent="0">
               <a:buNone/>
-              <a:defRPr sz="1000"/>
+              <a:defRPr sz="1600"/>
             </a:lvl5pPr>
             <a:lvl6pPr marL="2286000" indent="0">
               <a:buNone/>
-              <a:defRPr sz="1000"/>
+              <a:defRPr sz="1600"/>
             </a:lvl6pPr>
             <a:lvl7pPr marL="2743200" indent="0">
               <a:buNone/>
-              <a:defRPr sz="1000"/>
+              <a:defRPr sz="1600"/>
             </a:lvl7pPr>
             <a:lvl8pPr marL="3200400" indent="0">
               <a:buNone/>
-              <a:defRPr sz="1000"/>
+              <a:defRPr sz="1600"/>
             </a:lvl8pPr>
             <a:lvl9pPr marL="3657600" indent="0">
               <a:buNone/>
-              <a:defRPr sz="1000"/>
+              <a:defRPr sz="1600"/>
             </a:lvl9pPr>
           </a:lstStyle>
           <a:p>
             <a:r>
               <a:rPr lang="fr-FR"/>
-              <a:t>Modifier les styles du texte du masque
-Deuxième niveau
-Troisième niveau
-Quatrième niveau
-Cinquième niveau</a:t>
-            </a:r>
-          </a:p>
-        </p:txBody>
-      </p:sp>
-      <p:sp>
-        <p:nvSpPr>
-          <p:cNvPr id="5" name="Espace réservé de la date 4">
-            <a:extLst>
-              <a:ext uri="{FF2B5EF4-FFF2-40B4-BE49-F238E27FC236}">
-                <a16:creationId xmlns:a16="http://schemas.microsoft.com/office/drawing/2014/main" id="{B5BE1CB5-AF84-4E4A-9F95-FEE7D957102C}"/>
-              </a:ext>
-            </a:extLst>
-          </p:cNvPr>
+              <a:t>Cliquez sur l'icône pour ajouter une image</a:t>
+            </a:r>
+            <a:endParaRPr lang="en-US" dirty="0"/>
+          </a:p>
+        </p:txBody>
+      </p:sp>
+      <p:sp>
+        <p:nvSpPr>
+          <p:cNvPr id="4" name="Text Placeholder 3"/>
+          <p:cNvSpPr>
+            <a:spLocks noGrp="1"/>
+          </p:cNvSpPr>
+          <p:nvPr>
+            <p:ph type="body" sz="half" idx="2"/>
+          </p:nvPr>
+        </p:nvSpPr>
+        <p:spPr>
+          <a:xfrm>
+            <a:off x="4722812" y="2777066"/>
+            <a:ext cx="6021388" cy="2048933"/>
+          </a:xfrm>
+        </p:spPr>
+        <p:txBody>
+          <a:bodyPr anchor="t">
+            <a:normAutofit/>
+          </a:bodyPr>
+          <a:lstStyle>
+            <a:lvl1pPr marL="0" indent="0">
+              <a:buNone/>
+              <a:defRPr sz="1800"/>
+            </a:lvl1pPr>
+            <a:lvl2pPr marL="457200" indent="0">
+              <a:buNone/>
+              <a:defRPr sz="1200"/>
+            </a:lvl2pPr>
+            <a:lvl3pPr marL="914400" indent="0">
+              <a:buNone/>
+              <a:defRPr sz="1000"/>
+            </a:lvl3pPr>
+            <a:lvl4pPr marL="1371600" indent="0">
+              <a:buNone/>
+              <a:defRPr sz="900"/>
+            </a:lvl4pPr>
+            <a:lvl5pPr marL="1828800" indent="0">
+              <a:buNone/>
+              <a:defRPr sz="900"/>
+            </a:lvl5pPr>
+            <a:lvl6pPr marL="2286000" indent="0">
+              <a:buNone/>
+              <a:defRPr sz="900"/>
+            </a:lvl6pPr>
+            <a:lvl7pPr marL="2743200" indent="0">
+              <a:buNone/>
+              <a:defRPr sz="900"/>
+            </a:lvl7pPr>
+            <a:lvl8pPr marL="3200400" indent="0">
+              <a:buNone/>
+              <a:defRPr sz="900"/>
+            </a:lvl8pPr>
+            <a:lvl9pPr marL="3657600" indent="0">
+              <a:buNone/>
+              <a:defRPr sz="900"/>
+            </a:lvl9pPr>
+          </a:lstStyle>
+          <a:p>
+            <a:pPr lvl="0"/>
+            <a:r>
+              <a:rPr lang="fr-FR"/>
+              <a:t>Modifier les styles du texte du masque</a:t>
+            </a:r>
+          </a:p>
+        </p:txBody>
+      </p:sp>
+      <p:sp>
+        <p:nvSpPr>
+          <p:cNvPr id="5" name="Date Placeholder 4"/>
           <p:cNvSpPr>
             <a:spLocks noGrp="1"/>
           </p:cNvSpPr>
@@ -2478,7 +4430,7 @@
           <a:p>
             <a:fld id="{E84B97C0-532F-B146-AEF0-E71876CC8371}" type="datetimeFigureOut">
               <a:rPr lang="fr-FR" smtClean="0"/>
-              <a:t>11/01/2019</a:t>
+              <a:t>12/02/2019</a:t>
             </a:fld>
             <a:endParaRPr lang="fr-FR"/>
           </a:p>
@@ -2486,13 +4438,7 @@
       </p:sp>
       <p:sp>
         <p:nvSpPr>
-          <p:cNvPr id="6" name="Espace réservé du pied de page 5">
-            <a:extLst>
-              <a:ext uri="{FF2B5EF4-FFF2-40B4-BE49-F238E27FC236}">
-                <a16:creationId xmlns:a16="http://schemas.microsoft.com/office/drawing/2014/main" id="{24710A07-FA79-FB4F-86E8-6D5517887A02}"/>
-              </a:ext>
-            </a:extLst>
-          </p:cNvPr>
+          <p:cNvPr id="6" name="Footer Placeholder 5"/>
           <p:cNvSpPr>
             <a:spLocks noGrp="1"/>
           </p:cNvSpPr>
@@ -2511,13 +4457,7 @@
       </p:sp>
       <p:sp>
         <p:nvSpPr>
-          <p:cNvPr id="7" name="Espace réservé du numéro de diapositive 6">
-            <a:extLst>
-              <a:ext uri="{FF2B5EF4-FFF2-40B4-BE49-F238E27FC236}">
-                <a16:creationId xmlns:a16="http://schemas.microsoft.com/office/drawing/2014/main" id="{FE339D16-6D31-CF48-A7F3-90E7FABC8EB8}"/>
-              </a:ext>
-            </a:extLst>
-          </p:cNvPr>
+          <p:cNvPr id="7" name="Slide Number Placeholder 6"/>
           <p:cNvSpPr>
             <a:spLocks noGrp="1"/>
           </p:cNvSpPr>
@@ -2541,7 +4481,7 @@
     </p:spTree>
     <p:extLst>
       <p:ext uri="{BB962C8B-B14F-4D97-AF65-F5344CB8AC3E}">
-        <p14:creationId xmlns:p14="http://schemas.microsoft.com/office/powerpoint/2010/main" val="2788074417"/>
+        <p14:creationId xmlns:p14="http://schemas.microsoft.com/office/powerpoint/2010/main" val="4159884479"/>
       </p:ext>
     </p:extLst>
   </p:cSld>
@@ -2555,8 +4495,8 @@
 <p:sldMaster xmlns:a="http://schemas.openxmlformats.org/drawingml/2006/main" xmlns:r="http://schemas.openxmlformats.org/officeDocument/2006/relationships" xmlns:p="http://schemas.openxmlformats.org/presentationml/2006/main">
   <p:cSld>
     <p:bg>
-      <p:bgRef idx="1001">
-        <a:schemeClr val="bg1"/>
+      <p:bgRef idx="1002">
+        <a:schemeClr val="bg2"/>
       </p:bgRef>
     </p:bg>
     <p:spTree>
@@ -2573,15 +4513,199 @@
           <a:chExt cx="0" cy="0"/>
         </a:xfrm>
       </p:grpSpPr>
-      <p:sp>
-        <p:nvSpPr>
-          <p:cNvPr id="2" name="Espace réservé du titre 1">
-            <a:extLst>
-              <a:ext uri="{FF2B5EF4-FFF2-40B4-BE49-F238E27FC236}">
-                <a16:creationId xmlns:a16="http://schemas.microsoft.com/office/drawing/2014/main" id="{8A445E2E-6579-C040-966B-7159CB2C7BB3}"/>
-              </a:ext>
-            </a:extLst>
-          </p:cNvPr>
+      <p:grpSp>
+        <p:nvGrpSpPr>
+          <p:cNvPr id="7" name="Group 6"/>
+          <p:cNvGrpSpPr/>
+          <p:nvPr/>
+        </p:nvGrpSpPr>
+        <p:grpSpPr>
+          <a:xfrm>
+            <a:off x="9206969" y="2963333"/>
+            <a:ext cx="2981858" cy="3208867"/>
+            <a:chOff x="9206969" y="2963333"/>
+            <a:chExt cx="2981858" cy="3208867"/>
+          </a:xfrm>
+        </p:grpSpPr>
+        <p:cxnSp>
+          <p:nvCxnSpPr>
+            <p:cNvPr id="8" name="Straight Connector 7"/>
+            <p:cNvCxnSpPr/>
+            <p:nvPr/>
+          </p:nvCxnSpPr>
+          <p:spPr>
+            <a:xfrm flipH="1">
+              <a:off x="11276012" y="2963333"/>
+              <a:ext cx="912814" cy="912812"/>
+            </a:xfrm>
+            <a:prstGeom prst="line">
+              <a:avLst/>
+            </a:prstGeom>
+            <a:ln w="9525">
+              <a:solidFill>
+                <a:schemeClr val="tx1"/>
+              </a:solidFill>
+            </a:ln>
+          </p:spPr>
+          <p:style>
+            <a:lnRef idx="2">
+              <a:schemeClr val="accent1"/>
+            </a:lnRef>
+            <a:fillRef idx="0">
+              <a:schemeClr val="accent1"/>
+            </a:fillRef>
+            <a:effectRef idx="1">
+              <a:schemeClr val="accent1"/>
+            </a:effectRef>
+            <a:fontRef idx="minor">
+              <a:schemeClr val="tx1"/>
+            </a:fontRef>
+          </p:style>
+        </p:cxnSp>
+        <p:cxnSp>
+          <p:nvCxnSpPr>
+            <p:cNvPr id="9" name="Straight Connector 8"/>
+            <p:cNvCxnSpPr/>
+            <p:nvPr/>
+          </p:nvCxnSpPr>
+          <p:spPr>
+            <a:xfrm flipH="1">
+              <a:off x="9206969" y="3190344"/>
+              <a:ext cx="2981857" cy="2981856"/>
+            </a:xfrm>
+            <a:prstGeom prst="line">
+              <a:avLst/>
+            </a:prstGeom>
+            <a:ln w="9525">
+              <a:solidFill>
+                <a:schemeClr val="tx1"/>
+              </a:solidFill>
+            </a:ln>
+          </p:spPr>
+          <p:style>
+            <a:lnRef idx="2">
+              <a:schemeClr val="accent1"/>
+            </a:lnRef>
+            <a:fillRef idx="0">
+              <a:schemeClr val="accent1"/>
+            </a:fillRef>
+            <a:effectRef idx="1">
+              <a:schemeClr val="accent1"/>
+            </a:effectRef>
+            <a:fontRef idx="minor">
+              <a:schemeClr val="tx1"/>
+            </a:fontRef>
+          </p:style>
+        </p:cxnSp>
+        <p:cxnSp>
+          <p:nvCxnSpPr>
+            <p:cNvPr id="10" name="Straight Connector 9"/>
+            <p:cNvCxnSpPr/>
+            <p:nvPr/>
+          </p:nvCxnSpPr>
+          <p:spPr>
+            <a:xfrm flipH="1">
+              <a:off x="10292292" y="3285067"/>
+              <a:ext cx="1896534" cy="1896533"/>
+            </a:xfrm>
+            <a:prstGeom prst="line">
+              <a:avLst/>
+            </a:prstGeom>
+            <a:ln w="9525">
+              <a:solidFill>
+                <a:schemeClr val="tx1"/>
+              </a:solidFill>
+            </a:ln>
+          </p:spPr>
+          <p:style>
+            <a:lnRef idx="2">
+              <a:schemeClr val="accent1"/>
+            </a:lnRef>
+            <a:fillRef idx="0">
+              <a:schemeClr val="accent1"/>
+            </a:fillRef>
+            <a:effectRef idx="1">
+              <a:schemeClr val="accent1"/>
+            </a:effectRef>
+            <a:fontRef idx="minor">
+              <a:schemeClr val="tx1"/>
+            </a:fontRef>
+          </p:style>
+        </p:cxnSp>
+        <p:cxnSp>
+          <p:nvCxnSpPr>
+            <p:cNvPr id="11" name="Straight Connector 10"/>
+            <p:cNvCxnSpPr/>
+            <p:nvPr/>
+          </p:nvCxnSpPr>
+          <p:spPr>
+            <a:xfrm flipH="1">
+              <a:off x="10443103" y="3131080"/>
+              <a:ext cx="1745722" cy="1745720"/>
+            </a:xfrm>
+            <a:prstGeom prst="line">
+              <a:avLst/>
+            </a:prstGeom>
+            <a:ln w="28575">
+              <a:solidFill>
+                <a:schemeClr val="tx1"/>
+              </a:solidFill>
+            </a:ln>
+          </p:spPr>
+          <p:style>
+            <a:lnRef idx="2">
+              <a:schemeClr val="accent1"/>
+            </a:lnRef>
+            <a:fillRef idx="0">
+              <a:schemeClr val="accent1"/>
+            </a:fillRef>
+            <a:effectRef idx="1">
+              <a:schemeClr val="accent1"/>
+            </a:effectRef>
+            <a:fontRef idx="minor">
+              <a:schemeClr val="tx1"/>
+            </a:fontRef>
+          </p:style>
+        </p:cxnSp>
+        <p:cxnSp>
+          <p:nvCxnSpPr>
+            <p:cNvPr id="12" name="Straight Connector 11"/>
+            <p:cNvCxnSpPr/>
+            <p:nvPr/>
+          </p:nvCxnSpPr>
+          <p:spPr>
+            <a:xfrm flipH="1">
+              <a:off x="10918826" y="3683001"/>
+              <a:ext cx="1270001" cy="1269999"/>
+            </a:xfrm>
+            <a:prstGeom prst="line">
+              <a:avLst/>
+            </a:prstGeom>
+            <a:ln w="28575">
+              <a:solidFill>
+                <a:schemeClr val="tx1"/>
+              </a:solidFill>
+            </a:ln>
+          </p:spPr>
+          <p:style>
+            <a:lnRef idx="2">
+              <a:schemeClr val="accent1"/>
+            </a:lnRef>
+            <a:fillRef idx="0">
+              <a:schemeClr val="accent1"/>
+            </a:fillRef>
+            <a:effectRef idx="1">
+              <a:schemeClr val="accent1"/>
+            </a:effectRef>
+            <a:fontRef idx="minor">
+              <a:schemeClr val="tx1"/>
+            </a:fontRef>
+          </p:style>
+        </p:cxnSp>
+      </p:grpSp>
+      <p:sp>
+        <p:nvSpPr>
+          <p:cNvPr id="2" name="Title Placeholder 1"/>
           <p:cNvSpPr>
             <a:spLocks noGrp="1"/>
           </p:cNvSpPr>
@@ -2591,8 +4715,42 @@
         </p:nvSpPr>
         <p:spPr>
           <a:xfrm>
-            <a:off x="838200" y="365125"/>
-            <a:ext cx="10515600" cy="1325563"/>
+            <a:off x="684212" y="4487332"/>
+            <a:ext cx="8534400" cy="1507067"/>
+          </a:xfrm>
+          <a:prstGeom prst="rect">
+            <a:avLst/>
+          </a:prstGeom>
+          <a:effectLst/>
+        </p:spPr>
+        <p:txBody>
+          <a:bodyPr vert="horz" lIns="91440" tIns="45720" rIns="91440" bIns="45720" rtlCol="0" anchor="ctr">
+            <a:normAutofit/>
+          </a:bodyPr>
+          <a:lstStyle/>
+          <a:p>
+            <a:r>
+              <a:rPr lang="fr-FR"/>
+              <a:t>Modifiez le style du titre</a:t>
+            </a:r>
+            <a:endParaRPr lang="en-US" dirty="0"/>
+          </a:p>
+        </p:txBody>
+      </p:sp>
+      <p:sp>
+        <p:nvSpPr>
+          <p:cNvPr id="3" name="Text Placeholder 2"/>
+          <p:cNvSpPr>
+            <a:spLocks noGrp="1"/>
+          </p:cNvSpPr>
+          <p:nvPr>
+            <p:ph type="body" idx="1"/>
+          </p:nvPr>
+        </p:nvSpPr>
+        <p:spPr>
+          <a:xfrm>
+            <a:off x="684212" y="685800"/>
+            <a:ext cx="8534400" cy="3615267"/>
           </a:xfrm>
           <a:prstGeom prst="rect">
             <a:avLst/>
@@ -2604,180 +4762,156 @@
           </a:bodyPr>
           <a:lstStyle/>
           <a:p>
-            <a:r>
-              <a:rPr lang="fr-FR"/>
-              <a:t>Modifiez le style du titre</a:t>
-            </a:r>
-          </a:p>
-        </p:txBody>
-      </p:sp>
-      <p:sp>
-        <p:nvSpPr>
-          <p:cNvPr id="3" name="Espace réservé du texte 2">
-            <a:extLst>
-              <a:ext uri="{FF2B5EF4-FFF2-40B4-BE49-F238E27FC236}">
-                <a16:creationId xmlns:a16="http://schemas.microsoft.com/office/drawing/2014/main" id="{F5BC3306-DBF5-434F-900C-7B5464F90630}"/>
-              </a:ext>
-            </a:extLst>
-          </p:cNvPr>
-          <p:cNvSpPr>
-            <a:spLocks noGrp="1"/>
-          </p:cNvSpPr>
-          <p:nvPr>
-            <p:ph type="body" idx="1"/>
+            <a:pPr lvl="0"/>
+            <a:r>
+              <a:rPr lang="fr-FR"/>
+              <a:t>Modifier les styles du texte du masque</a:t>
+            </a:r>
+          </a:p>
+          <a:p>
+            <a:pPr lvl="1"/>
+            <a:r>
+              <a:rPr lang="fr-FR"/>
+              <a:t>Deuxième niveau</a:t>
+            </a:r>
+          </a:p>
+          <a:p>
+            <a:pPr lvl="2"/>
+            <a:r>
+              <a:rPr lang="fr-FR"/>
+              <a:t>Troisième niveau</a:t>
+            </a:r>
+          </a:p>
+          <a:p>
+            <a:pPr lvl="3"/>
+            <a:r>
+              <a:rPr lang="fr-FR"/>
+              <a:t>Quatrième niveau</a:t>
+            </a:r>
+          </a:p>
+          <a:p>
+            <a:pPr lvl="4"/>
+            <a:r>
+              <a:rPr lang="fr-FR"/>
+              <a:t>Cinquième niveau</a:t>
+            </a:r>
+            <a:endParaRPr lang="en-US" dirty="0"/>
+          </a:p>
+        </p:txBody>
+      </p:sp>
+      <p:sp>
+        <p:nvSpPr>
+          <p:cNvPr id="4" name="Date Placeholder 3"/>
+          <p:cNvSpPr>
+            <a:spLocks noGrp="1"/>
+          </p:cNvSpPr>
+          <p:nvPr>
+            <p:ph type="dt" sz="half" idx="2"/>
           </p:nvPr>
         </p:nvSpPr>
         <p:spPr>
           <a:xfrm>
-            <a:off x="838200" y="1825625"/>
-            <a:ext cx="10515600" cy="4351338"/>
+            <a:off x="9904412" y="6172200"/>
+            <a:ext cx="1600200" cy="365125"/>
           </a:xfrm>
           <a:prstGeom prst="rect">
             <a:avLst/>
           </a:prstGeom>
         </p:spPr>
         <p:txBody>
-          <a:bodyPr vert="horz" lIns="91440" tIns="45720" rIns="91440" bIns="45720" rtlCol="0">
-            <a:normAutofit/>
-          </a:bodyPr>
-          <a:lstStyle/>
-          <a:p>
-            <a:r>
-              <a:rPr lang="fr-FR"/>
-              <a:t>Modifier les styles du texte du masque
-Deuxième niveau
-Troisième niveau
-Quatrième niveau
-Cinquième niveau</a:t>
-            </a:r>
-          </a:p>
-        </p:txBody>
-      </p:sp>
-      <p:sp>
-        <p:nvSpPr>
-          <p:cNvPr id="4" name="Espace réservé de la date 3">
-            <a:extLst>
-              <a:ext uri="{FF2B5EF4-FFF2-40B4-BE49-F238E27FC236}">
-                <a16:creationId xmlns:a16="http://schemas.microsoft.com/office/drawing/2014/main" id="{E4A87805-69B7-3349-840C-CEF786C39E37}"/>
-              </a:ext>
-            </a:extLst>
-          </p:cNvPr>
-          <p:cNvSpPr>
-            <a:spLocks noGrp="1"/>
-          </p:cNvSpPr>
-          <p:nvPr>
-            <p:ph type="dt" sz="half" idx="2"/>
+          <a:bodyPr vert="horz" lIns="91440" tIns="45720" rIns="91440" bIns="45720" rtlCol="0" anchor="t"/>
+          <a:lstStyle>
+            <a:lvl1pPr algn="r">
+              <a:defRPr sz="1000" b="0" i="0">
+                <a:solidFill>
+                  <a:schemeClr val="bg2">
+                    <a:lumMod val="50000"/>
+                  </a:schemeClr>
+                </a:solidFill>
+                <a:effectLst/>
+                <a:latin typeface="+mn-lt"/>
+              </a:defRPr>
+            </a:lvl1pPr>
+          </a:lstStyle>
+          <a:p>
+            <a:fld id="{E84B97C0-532F-B146-AEF0-E71876CC8371}" type="datetimeFigureOut">
+              <a:rPr lang="fr-FR" smtClean="0"/>
+              <a:t>12/02/2019</a:t>
+            </a:fld>
+            <a:endParaRPr lang="fr-FR"/>
+          </a:p>
+        </p:txBody>
+      </p:sp>
+      <p:sp>
+        <p:nvSpPr>
+          <p:cNvPr id="5" name="Footer Placeholder 4"/>
+          <p:cNvSpPr>
+            <a:spLocks noGrp="1"/>
+          </p:cNvSpPr>
+          <p:nvPr>
+            <p:ph type="ftr" sz="quarter" idx="3"/>
           </p:nvPr>
         </p:nvSpPr>
         <p:spPr>
           <a:xfrm>
-            <a:off x="838200" y="6356350"/>
-            <a:ext cx="2743200" cy="365125"/>
+            <a:off x="684212" y="6172200"/>
+            <a:ext cx="7543800" cy="365125"/>
           </a:xfrm>
           <a:prstGeom prst="rect">
             <a:avLst/>
           </a:prstGeom>
         </p:spPr>
         <p:txBody>
-          <a:bodyPr vert="horz" lIns="91440" tIns="45720" rIns="91440" bIns="45720" rtlCol="0" anchor="ctr"/>
+          <a:bodyPr vert="horz" lIns="91440" tIns="45720" rIns="91440" bIns="45720" rtlCol="0" anchor="t"/>
           <a:lstStyle>
             <a:lvl1pPr algn="l">
-              <a:defRPr sz="1200">
-                <a:solidFill>
-                  <a:schemeClr val="tx1">
-                    <a:tint val="75000"/>
-                  </a:schemeClr>
-                </a:solidFill>
+              <a:defRPr sz="1000" b="0" i="0">
+                <a:solidFill>
+                  <a:schemeClr val="bg2">
+                    <a:lumMod val="50000"/>
+                  </a:schemeClr>
+                </a:solidFill>
+                <a:effectLst/>
+                <a:latin typeface="+mn-lt"/>
               </a:defRPr>
             </a:lvl1pPr>
           </a:lstStyle>
           <a:p>
-            <a:fld id="{E84B97C0-532F-B146-AEF0-E71876CC8371}" type="datetimeFigureOut">
-              <a:rPr lang="fr-FR" smtClean="0"/>
-              <a:t>11/01/2019</a:t>
-            </a:fld>
             <a:endParaRPr lang="fr-FR"/>
           </a:p>
         </p:txBody>
       </p:sp>
       <p:sp>
         <p:nvSpPr>
-          <p:cNvPr id="5" name="Espace réservé du pied de page 4">
-            <a:extLst>
-              <a:ext uri="{FF2B5EF4-FFF2-40B4-BE49-F238E27FC236}">
-                <a16:creationId xmlns:a16="http://schemas.microsoft.com/office/drawing/2014/main" id="{D5EFDA32-CC25-F645-9553-BF87BBEB62C2}"/>
-              </a:ext>
-            </a:extLst>
-          </p:cNvPr>
-          <p:cNvSpPr>
-            <a:spLocks noGrp="1"/>
-          </p:cNvSpPr>
-          <p:nvPr>
-            <p:ph type="ftr" sz="quarter" idx="3"/>
+          <p:cNvPr id="6" name="Slide Number Placeholder 5"/>
+          <p:cNvSpPr>
+            <a:spLocks noGrp="1"/>
+          </p:cNvSpPr>
+          <p:nvPr>
+            <p:ph type="sldNum" sz="quarter" idx="4"/>
           </p:nvPr>
         </p:nvSpPr>
         <p:spPr>
           <a:xfrm>
-            <a:off x="4038600" y="6356350"/>
-            <a:ext cx="4114800" cy="365125"/>
+            <a:off x="10363200" y="5578475"/>
+            <a:ext cx="1142245" cy="669925"/>
           </a:xfrm>
           <a:prstGeom prst="rect">
             <a:avLst/>
           </a:prstGeom>
         </p:spPr>
         <p:txBody>
-          <a:bodyPr vert="horz" lIns="91440" tIns="45720" rIns="91440" bIns="45720" rtlCol="0" anchor="ctr"/>
-          <a:lstStyle>
-            <a:lvl1pPr algn="ctr">
-              <a:defRPr sz="1200">
-                <a:solidFill>
-                  <a:schemeClr val="tx1">
-                    <a:tint val="75000"/>
-                  </a:schemeClr>
-                </a:solidFill>
-              </a:defRPr>
-            </a:lvl1pPr>
-          </a:lstStyle>
-          <a:p>
-            <a:endParaRPr lang="fr-FR"/>
-          </a:p>
-        </p:txBody>
-      </p:sp>
-      <p:sp>
-        <p:nvSpPr>
-          <p:cNvPr id="6" name="Espace réservé du numéro de diapositive 5">
-            <a:extLst>
-              <a:ext uri="{FF2B5EF4-FFF2-40B4-BE49-F238E27FC236}">
-                <a16:creationId xmlns:a16="http://schemas.microsoft.com/office/drawing/2014/main" id="{8696748D-6545-0F44-97AA-7BC73F2B8C31}"/>
-              </a:ext>
-            </a:extLst>
-          </p:cNvPr>
-          <p:cNvSpPr>
-            <a:spLocks noGrp="1"/>
-          </p:cNvSpPr>
-          <p:nvPr>
-            <p:ph type="sldNum" sz="quarter" idx="4"/>
-          </p:nvPr>
-        </p:nvSpPr>
-        <p:spPr>
-          <a:xfrm>
-            <a:off x="8610600" y="6356350"/>
-            <a:ext cx="2743200" cy="365125"/>
-          </a:xfrm>
-          <a:prstGeom prst="rect">
-            <a:avLst/>
-          </a:prstGeom>
-        </p:spPr>
-        <p:txBody>
-          <a:bodyPr vert="horz" lIns="91440" tIns="45720" rIns="91440" bIns="45720" rtlCol="0" anchor="ctr"/>
+          <a:bodyPr vert="horz" lIns="91440" tIns="45720" rIns="91440" bIns="45720" rtlCol="0" anchor="b"/>
           <a:lstStyle>
             <a:lvl1pPr algn="r">
-              <a:defRPr sz="1200">
-                <a:solidFill>
-                  <a:schemeClr val="tx1">
-                    <a:tint val="75000"/>
-                  </a:schemeClr>
-                </a:solidFill>
+              <a:defRPr sz="3200" b="0" i="0">
+                <a:solidFill>
+                  <a:schemeClr val="bg2">
+                    <a:lumMod val="50000"/>
+                  </a:schemeClr>
+                </a:solidFill>
+                <a:effectLst/>
+                <a:latin typeface="+mn-lt"/>
               </a:defRPr>
             </a:lvl1pPr>
           </a:lstStyle>
@@ -2793,55 +4927,340 @@
     </p:spTree>
     <p:extLst>
       <p:ext uri="{BB962C8B-B14F-4D97-AF65-F5344CB8AC3E}">
-        <p14:creationId xmlns:p14="http://schemas.microsoft.com/office/powerpoint/2010/main" val="531145718"/>
+        <p14:creationId xmlns:p14="http://schemas.microsoft.com/office/powerpoint/2010/main" val="1724373877"/>
       </p:ext>
     </p:extLst>
   </p:cSld>
-  <p:clrMap bg1="lt1" tx1="dk1" bg2="lt2" tx2="dk2" accent1="accent1" accent2="accent2" accent3="accent3" accent4="accent4" accent5="accent5" accent6="accent6" hlink="hlink" folHlink="folHlink"/>
+  <p:clrMap bg1="dk1" tx1="lt1" bg2="dk2" tx2="lt2" accent1="accent1" accent2="accent2" accent3="accent3" accent4="accent4" accent5="accent5" accent6="accent6" hlink="hlink" folHlink="folHlink"/>
   <p:sldLayoutIdLst>
-    <p:sldLayoutId id="2147483649" r:id="rId1"/>
-    <p:sldLayoutId id="2147483650" r:id="rId2"/>
-    <p:sldLayoutId id="2147483651" r:id="rId3"/>
-    <p:sldLayoutId id="2147483652" r:id="rId4"/>
-    <p:sldLayoutId id="2147483653" r:id="rId5"/>
-    <p:sldLayoutId id="2147483654" r:id="rId6"/>
-    <p:sldLayoutId id="2147483655" r:id="rId7"/>
-    <p:sldLayoutId id="2147483656" r:id="rId8"/>
-    <p:sldLayoutId id="2147483657" r:id="rId9"/>
-    <p:sldLayoutId id="2147483658" r:id="rId10"/>
-    <p:sldLayoutId id="2147483659" r:id="rId11"/>
+    <p:sldLayoutId id="2147483688" r:id="rId1"/>
+    <p:sldLayoutId id="2147483689" r:id="rId2"/>
+    <p:sldLayoutId id="2147483690" r:id="rId3"/>
+    <p:sldLayoutId id="2147483691" r:id="rId4"/>
+    <p:sldLayoutId id="2147483692" r:id="rId5"/>
+    <p:sldLayoutId id="2147483693" r:id="rId6"/>
+    <p:sldLayoutId id="2147483694" r:id="rId7"/>
+    <p:sldLayoutId id="2147483695" r:id="rId8"/>
+    <p:sldLayoutId id="2147483696" r:id="rId9"/>
+    <p:sldLayoutId id="2147483697" r:id="rId10"/>
+    <p:sldLayoutId id="2147483698" r:id="rId11"/>
+    <p:sldLayoutId id="2147483699" r:id="rId12"/>
+    <p:sldLayoutId id="2147483700" r:id="rId13"/>
+    <p:sldLayoutId id="2147483701" r:id="rId14"/>
+    <p:sldLayoutId id="2147483702" r:id="rId15"/>
+    <p:sldLayoutId id="2147483703" r:id="rId16"/>
+    <p:sldLayoutId id="2147483704" r:id="rId17"/>
   </p:sldLayoutIdLst>
   <p:txStyles>
     <p:titleStyle>
-      <a:lvl1pPr algn="l" defTabSz="914400" rtl="0" eaLnBrk="1" latinLnBrk="0" hangingPunct="1">
-        <a:lnSpc>
-          <a:spcPct val="90000"/>
-        </a:lnSpc>
+      <a:lvl1pPr algn="l" defTabSz="457200" rtl="0" eaLnBrk="1" latinLnBrk="0" hangingPunct="1">
         <a:spcBef>
           <a:spcPct val="0"/>
         </a:spcBef>
         <a:buNone/>
-        <a:defRPr sz="4400" kern="1200">
+        <a:defRPr sz="3600" kern="1200" cap="all">
+          <a:ln w="3175" cmpd="sng">
+            <a:noFill/>
+          </a:ln>
           <a:solidFill>
             <a:schemeClr val="tx1"/>
           </a:solidFill>
+          <a:effectLst/>
           <a:latin typeface="+mj-lt"/>
           <a:ea typeface="+mj-ea"/>
           <a:cs typeface="+mj-cs"/>
         </a:defRPr>
       </a:lvl1pPr>
+      <a:lvl2pPr eaLnBrk="1" hangingPunct="1">
+        <a:defRPr>
+          <a:solidFill>
+            <a:schemeClr val="tx2"/>
+          </a:solidFill>
+        </a:defRPr>
+      </a:lvl2pPr>
+      <a:lvl3pPr eaLnBrk="1" hangingPunct="1">
+        <a:defRPr>
+          <a:solidFill>
+            <a:schemeClr val="tx2"/>
+          </a:solidFill>
+        </a:defRPr>
+      </a:lvl3pPr>
+      <a:lvl4pPr eaLnBrk="1" hangingPunct="1">
+        <a:defRPr>
+          <a:solidFill>
+            <a:schemeClr val="tx2"/>
+          </a:solidFill>
+        </a:defRPr>
+      </a:lvl4pPr>
+      <a:lvl5pPr eaLnBrk="1" hangingPunct="1">
+        <a:defRPr>
+          <a:solidFill>
+            <a:schemeClr val="tx2"/>
+          </a:solidFill>
+        </a:defRPr>
+      </a:lvl5pPr>
+      <a:lvl6pPr eaLnBrk="1" hangingPunct="1">
+        <a:defRPr>
+          <a:solidFill>
+            <a:schemeClr val="tx2"/>
+          </a:solidFill>
+        </a:defRPr>
+      </a:lvl6pPr>
+      <a:lvl7pPr eaLnBrk="1" hangingPunct="1">
+        <a:defRPr>
+          <a:solidFill>
+            <a:schemeClr val="tx2"/>
+          </a:solidFill>
+        </a:defRPr>
+      </a:lvl7pPr>
+      <a:lvl8pPr eaLnBrk="1" hangingPunct="1">
+        <a:defRPr>
+          <a:solidFill>
+            <a:schemeClr val="tx2"/>
+          </a:solidFill>
+        </a:defRPr>
+      </a:lvl8pPr>
+      <a:lvl9pPr eaLnBrk="1" hangingPunct="1">
+        <a:defRPr>
+          <a:solidFill>
+            <a:schemeClr val="tx2"/>
+          </a:solidFill>
+        </a:defRPr>
+      </a:lvl9pPr>
     </p:titleStyle>
     <p:bodyStyle>
-      <a:lvl1pPr marL="228600" indent="-228600" algn="l" defTabSz="914400" rtl="0" eaLnBrk="1" latinLnBrk="0" hangingPunct="1">
-        <a:lnSpc>
-          <a:spcPct val="90000"/>
-        </a:lnSpc>
+      <a:lvl1pPr marL="285750" indent="-285750" algn="l" defTabSz="457200" rtl="0" eaLnBrk="1" latinLnBrk="0" hangingPunct="1">
         <a:spcBef>
-          <a:spcPts val="1000"/>
+          <a:spcPct val="20000"/>
         </a:spcBef>
-        <a:buFont typeface="Arial" panose="020B0604020202020204" pitchFamily="34" charset="0"/>
-        <a:buChar char="•"/>
-        <a:defRPr sz="2800" kern="1200">
+        <a:spcAft>
+          <a:spcPts val="600"/>
+        </a:spcAft>
+        <a:buClr>
+          <a:schemeClr val="tx1"/>
+        </a:buClr>
+        <a:buSzPct val="80000"/>
+        <a:buFont typeface="Wingdings 3" panose="05040102010807070707" pitchFamily="18" charset="2"/>
+        <a:buChar char=""/>
+        <a:defRPr sz="2000" kern="1200" cap="none">
+          <a:solidFill>
+            <a:schemeClr val="bg2">
+              <a:lumMod val="75000"/>
+            </a:schemeClr>
+          </a:solidFill>
+          <a:effectLst/>
+          <a:latin typeface="+mn-lt"/>
+          <a:ea typeface="+mn-ea"/>
+          <a:cs typeface="+mn-cs"/>
+        </a:defRPr>
+      </a:lvl1pPr>
+      <a:lvl2pPr marL="742950" indent="-285750" algn="l" defTabSz="457200" rtl="0" eaLnBrk="1" latinLnBrk="0" hangingPunct="1">
+        <a:spcBef>
+          <a:spcPct val="20000"/>
+        </a:spcBef>
+        <a:spcAft>
+          <a:spcPts val="600"/>
+        </a:spcAft>
+        <a:buClr>
+          <a:schemeClr val="tx1"/>
+        </a:buClr>
+        <a:buSzPct val="80000"/>
+        <a:buFont typeface="Wingdings 3" panose="05040102010807070707" pitchFamily="18" charset="2"/>
+        <a:buChar char=""/>
+        <a:defRPr sz="1800" kern="1200" cap="none">
+          <a:solidFill>
+            <a:schemeClr val="bg2">
+              <a:lumMod val="75000"/>
+            </a:schemeClr>
+          </a:solidFill>
+          <a:effectLst/>
+          <a:latin typeface="+mn-lt"/>
+          <a:ea typeface="+mn-ea"/>
+          <a:cs typeface="+mn-cs"/>
+        </a:defRPr>
+      </a:lvl2pPr>
+      <a:lvl3pPr marL="1200150" indent="-285750" algn="l" defTabSz="457200" rtl="0" eaLnBrk="1" latinLnBrk="0" hangingPunct="1">
+        <a:spcBef>
+          <a:spcPct val="20000"/>
+        </a:spcBef>
+        <a:spcAft>
+          <a:spcPts val="600"/>
+        </a:spcAft>
+        <a:buClr>
+          <a:schemeClr val="tx1"/>
+        </a:buClr>
+        <a:buSzPct val="80000"/>
+        <a:buFont typeface="Wingdings 3" panose="05040102010807070707" pitchFamily="18" charset="2"/>
+        <a:buChar char=""/>
+        <a:defRPr sz="1600" kern="1200" cap="none">
+          <a:solidFill>
+            <a:schemeClr val="bg2">
+              <a:lumMod val="75000"/>
+            </a:schemeClr>
+          </a:solidFill>
+          <a:effectLst/>
+          <a:latin typeface="+mn-lt"/>
+          <a:ea typeface="+mn-ea"/>
+          <a:cs typeface="+mn-cs"/>
+        </a:defRPr>
+      </a:lvl3pPr>
+      <a:lvl4pPr marL="1543050" indent="-171450" algn="l" defTabSz="457200" rtl="0" eaLnBrk="1" latinLnBrk="0" hangingPunct="1">
+        <a:spcBef>
+          <a:spcPct val="20000"/>
+        </a:spcBef>
+        <a:spcAft>
+          <a:spcPts val="600"/>
+        </a:spcAft>
+        <a:buClr>
+          <a:schemeClr val="tx1"/>
+        </a:buClr>
+        <a:buSzPct val="80000"/>
+        <a:buFont typeface="Wingdings 3" panose="05040102010807070707" pitchFamily="18" charset="2"/>
+        <a:buChar char=""/>
+        <a:defRPr sz="1400" kern="1200" cap="none">
+          <a:solidFill>
+            <a:schemeClr val="bg2">
+              <a:lumMod val="75000"/>
+            </a:schemeClr>
+          </a:solidFill>
+          <a:effectLst/>
+          <a:latin typeface="+mn-lt"/>
+          <a:ea typeface="+mn-ea"/>
+          <a:cs typeface="+mn-cs"/>
+        </a:defRPr>
+      </a:lvl4pPr>
+      <a:lvl5pPr marL="2000250" indent="-171450" algn="l" defTabSz="457200" rtl="0" eaLnBrk="1" latinLnBrk="0" hangingPunct="1">
+        <a:spcBef>
+          <a:spcPct val="20000"/>
+        </a:spcBef>
+        <a:spcAft>
+          <a:spcPts val="600"/>
+        </a:spcAft>
+        <a:buClr>
+          <a:schemeClr val="tx1"/>
+        </a:buClr>
+        <a:buSzPct val="80000"/>
+        <a:buFont typeface="Wingdings 3" panose="05040102010807070707" pitchFamily="18" charset="2"/>
+        <a:buChar char=""/>
+        <a:defRPr sz="1400" kern="1200" cap="none">
+          <a:solidFill>
+            <a:schemeClr val="bg2">
+              <a:lumMod val="75000"/>
+            </a:schemeClr>
+          </a:solidFill>
+          <a:effectLst/>
+          <a:latin typeface="+mn-lt"/>
+          <a:ea typeface="+mn-ea"/>
+          <a:cs typeface="+mn-cs"/>
+        </a:defRPr>
+      </a:lvl5pPr>
+      <a:lvl6pPr marL="2514600" indent="-228600" algn="l" defTabSz="457200" rtl="0" eaLnBrk="1" latinLnBrk="0" hangingPunct="1">
+        <a:spcBef>
+          <a:spcPct val="20000"/>
+        </a:spcBef>
+        <a:spcAft>
+          <a:spcPts val="600"/>
+        </a:spcAft>
+        <a:buClr>
+          <a:schemeClr val="tx1"/>
+        </a:buClr>
+        <a:buSzPct val="80000"/>
+        <a:buFont typeface="Wingdings 3" panose="05040102010807070707" pitchFamily="18" charset="2"/>
+        <a:buChar char=""/>
+        <a:defRPr sz="1400" kern="1200" cap="none">
+          <a:solidFill>
+            <a:schemeClr val="bg2">
+              <a:lumMod val="75000"/>
+            </a:schemeClr>
+          </a:solidFill>
+          <a:effectLst/>
+          <a:latin typeface="+mn-lt"/>
+          <a:ea typeface="+mn-ea"/>
+          <a:cs typeface="+mn-cs"/>
+        </a:defRPr>
+      </a:lvl6pPr>
+      <a:lvl7pPr marL="2971800" indent="-228600" algn="l" defTabSz="457200" rtl="0" eaLnBrk="1" latinLnBrk="0" hangingPunct="1">
+        <a:spcBef>
+          <a:spcPct val="20000"/>
+        </a:spcBef>
+        <a:spcAft>
+          <a:spcPts val="600"/>
+        </a:spcAft>
+        <a:buClr>
+          <a:schemeClr val="tx1"/>
+        </a:buClr>
+        <a:buSzPct val="80000"/>
+        <a:buFont typeface="Wingdings 3" panose="05040102010807070707" pitchFamily="18" charset="2"/>
+        <a:buChar char=""/>
+        <a:defRPr sz="1400" kern="1200" cap="none">
+          <a:solidFill>
+            <a:schemeClr val="bg2">
+              <a:lumMod val="75000"/>
+            </a:schemeClr>
+          </a:solidFill>
+          <a:effectLst/>
+          <a:latin typeface="+mn-lt"/>
+          <a:ea typeface="+mn-ea"/>
+          <a:cs typeface="+mn-cs"/>
+        </a:defRPr>
+      </a:lvl7pPr>
+      <a:lvl8pPr marL="3429000" indent="-228600" algn="l" defTabSz="457200" rtl="0" eaLnBrk="1" latinLnBrk="0" hangingPunct="1">
+        <a:spcBef>
+          <a:spcPct val="20000"/>
+        </a:spcBef>
+        <a:spcAft>
+          <a:spcPts val="600"/>
+        </a:spcAft>
+        <a:buClr>
+          <a:schemeClr val="tx1"/>
+        </a:buClr>
+        <a:buSzPct val="80000"/>
+        <a:buFont typeface="Wingdings 3" panose="05040102010807070707" pitchFamily="18" charset="2"/>
+        <a:buChar char=""/>
+        <a:defRPr sz="1400" kern="1200" cap="none">
+          <a:solidFill>
+            <a:schemeClr val="bg2">
+              <a:lumMod val="75000"/>
+            </a:schemeClr>
+          </a:solidFill>
+          <a:effectLst/>
+          <a:latin typeface="+mn-lt"/>
+          <a:ea typeface="+mn-ea"/>
+          <a:cs typeface="+mn-cs"/>
+        </a:defRPr>
+      </a:lvl8pPr>
+      <a:lvl9pPr marL="3886200" indent="-228600" algn="l" defTabSz="457200" rtl="0" eaLnBrk="1" latinLnBrk="0" hangingPunct="1">
+        <a:spcBef>
+          <a:spcPct val="20000"/>
+        </a:spcBef>
+        <a:spcAft>
+          <a:spcPts val="600"/>
+        </a:spcAft>
+        <a:buClr>
+          <a:schemeClr val="tx1"/>
+        </a:buClr>
+        <a:buSzPct val="80000"/>
+        <a:buFont typeface="Wingdings 3" panose="05040102010807070707" pitchFamily="18" charset="2"/>
+        <a:buChar char=""/>
+        <a:defRPr sz="1400" kern="1200" cap="none">
+          <a:solidFill>
+            <a:schemeClr val="bg2">
+              <a:lumMod val="75000"/>
+            </a:schemeClr>
+          </a:solidFill>
+          <a:effectLst/>
+          <a:latin typeface="+mn-lt"/>
+          <a:ea typeface="+mn-ea"/>
+          <a:cs typeface="+mn-cs"/>
+        </a:defRPr>
+      </a:lvl9pPr>
+    </p:bodyStyle>
+    <p:otherStyle>
+      <a:defPPr>
+        <a:defRPr lang="en-US"/>
+      </a:defPPr>
+      <a:lvl1pPr marL="0" algn="l" defTabSz="457200" rtl="0" eaLnBrk="1" latinLnBrk="0" hangingPunct="1">
+        <a:defRPr sz="1800" kern="1200">
           <a:solidFill>
             <a:schemeClr val="tx1"/>
           </a:solidFill>
@@ -2850,16 +5269,8 @@
           <a:cs typeface="+mn-cs"/>
         </a:defRPr>
       </a:lvl1pPr>
-      <a:lvl2pPr marL="685800" indent="-228600" algn="l" defTabSz="914400" rtl="0" eaLnBrk="1" latinLnBrk="0" hangingPunct="1">
-        <a:lnSpc>
-          <a:spcPct val="90000"/>
-        </a:lnSpc>
-        <a:spcBef>
-          <a:spcPts val="500"/>
-        </a:spcBef>
-        <a:buFont typeface="Arial" panose="020B0604020202020204" pitchFamily="34" charset="0"/>
-        <a:buChar char="•"/>
-        <a:defRPr sz="2400" kern="1200">
+      <a:lvl2pPr marL="457200" algn="l" defTabSz="457200" rtl="0" eaLnBrk="1" latinLnBrk="0" hangingPunct="1">
+        <a:defRPr sz="1800" kern="1200">
           <a:solidFill>
             <a:schemeClr val="tx1"/>
           </a:solidFill>
@@ -2868,16 +5279,8 @@
           <a:cs typeface="+mn-cs"/>
         </a:defRPr>
       </a:lvl2pPr>
-      <a:lvl3pPr marL="1143000" indent="-228600" algn="l" defTabSz="914400" rtl="0" eaLnBrk="1" latinLnBrk="0" hangingPunct="1">
-        <a:lnSpc>
-          <a:spcPct val="90000"/>
-        </a:lnSpc>
-        <a:spcBef>
-          <a:spcPts val="500"/>
-        </a:spcBef>
-        <a:buFont typeface="Arial" panose="020B0604020202020204" pitchFamily="34" charset="0"/>
-        <a:buChar char="•"/>
-        <a:defRPr sz="2000" kern="1200">
+      <a:lvl3pPr marL="914400" algn="l" defTabSz="457200" rtl="0" eaLnBrk="1" latinLnBrk="0" hangingPunct="1">
+        <a:defRPr sz="1800" kern="1200">
           <a:solidFill>
             <a:schemeClr val="tx1"/>
           </a:solidFill>
@@ -2886,15 +5289,7 @@
           <a:cs typeface="+mn-cs"/>
         </a:defRPr>
       </a:lvl3pPr>
-      <a:lvl4pPr marL="1600200" indent="-228600" algn="l" defTabSz="914400" rtl="0" eaLnBrk="1" latinLnBrk="0" hangingPunct="1">
-        <a:lnSpc>
-          <a:spcPct val="90000"/>
-        </a:lnSpc>
-        <a:spcBef>
-          <a:spcPts val="500"/>
-        </a:spcBef>
-        <a:buFont typeface="Arial" panose="020B0604020202020204" pitchFamily="34" charset="0"/>
-        <a:buChar char="•"/>
+      <a:lvl4pPr marL="1371600" algn="l" defTabSz="457200" rtl="0" eaLnBrk="1" latinLnBrk="0" hangingPunct="1">
         <a:defRPr sz="1800" kern="1200">
           <a:solidFill>
             <a:schemeClr val="tx1"/>
@@ -2904,15 +5299,7 @@
           <a:cs typeface="+mn-cs"/>
         </a:defRPr>
       </a:lvl4pPr>
-      <a:lvl5pPr marL="2057400" indent="-228600" algn="l" defTabSz="914400" rtl="0" eaLnBrk="1" latinLnBrk="0" hangingPunct="1">
-        <a:lnSpc>
-          <a:spcPct val="90000"/>
-        </a:lnSpc>
-        <a:spcBef>
-          <a:spcPts val="500"/>
-        </a:spcBef>
-        <a:buFont typeface="Arial" panose="020B0604020202020204" pitchFamily="34" charset="0"/>
-        <a:buChar char="•"/>
+      <a:lvl5pPr marL="1828800" algn="l" defTabSz="457200" rtl="0" eaLnBrk="1" latinLnBrk="0" hangingPunct="1">
         <a:defRPr sz="1800" kern="1200">
           <a:solidFill>
             <a:schemeClr val="tx1"/>
@@ -2922,15 +5309,7 @@
           <a:cs typeface="+mn-cs"/>
         </a:defRPr>
       </a:lvl5pPr>
-      <a:lvl6pPr marL="2514600" indent="-228600" algn="l" defTabSz="914400" rtl="0" eaLnBrk="1" latinLnBrk="0" hangingPunct="1">
-        <a:lnSpc>
-          <a:spcPct val="90000"/>
-        </a:lnSpc>
-        <a:spcBef>
-          <a:spcPts val="500"/>
-        </a:spcBef>
-        <a:buFont typeface="Arial" panose="020B0604020202020204" pitchFamily="34" charset="0"/>
-        <a:buChar char="•"/>
+      <a:lvl6pPr marL="2286000" algn="l" defTabSz="457200" rtl="0" eaLnBrk="1" latinLnBrk="0" hangingPunct="1">
         <a:defRPr sz="1800" kern="1200">
           <a:solidFill>
             <a:schemeClr val="tx1"/>
@@ -2940,15 +5319,7 @@
           <a:cs typeface="+mn-cs"/>
         </a:defRPr>
       </a:lvl6pPr>
-      <a:lvl7pPr marL="2971800" indent="-228600" algn="l" defTabSz="914400" rtl="0" eaLnBrk="1" latinLnBrk="0" hangingPunct="1">
-        <a:lnSpc>
-          <a:spcPct val="90000"/>
-        </a:lnSpc>
-        <a:spcBef>
-          <a:spcPts val="500"/>
-        </a:spcBef>
-        <a:buFont typeface="Arial" panose="020B0604020202020204" pitchFamily="34" charset="0"/>
-        <a:buChar char="•"/>
+      <a:lvl7pPr marL="2743200" algn="l" defTabSz="457200" rtl="0" eaLnBrk="1" latinLnBrk="0" hangingPunct="1">
         <a:defRPr sz="1800" kern="1200">
           <a:solidFill>
             <a:schemeClr val="tx1"/>
@@ -2958,15 +5329,7 @@
           <a:cs typeface="+mn-cs"/>
         </a:defRPr>
       </a:lvl7pPr>
-      <a:lvl8pPr marL="3429000" indent="-228600" algn="l" defTabSz="914400" rtl="0" eaLnBrk="1" latinLnBrk="0" hangingPunct="1">
-        <a:lnSpc>
-          <a:spcPct val="90000"/>
-        </a:lnSpc>
-        <a:spcBef>
-          <a:spcPts val="500"/>
-        </a:spcBef>
-        <a:buFont typeface="Arial" panose="020B0604020202020204" pitchFamily="34" charset="0"/>
-        <a:buChar char="•"/>
+      <a:lvl8pPr marL="3200400" algn="l" defTabSz="457200" rtl="0" eaLnBrk="1" latinLnBrk="0" hangingPunct="1">
         <a:defRPr sz="1800" kern="1200">
           <a:solidFill>
             <a:schemeClr val="tx1"/>
@@ -2976,110 +5339,7 @@
           <a:cs typeface="+mn-cs"/>
         </a:defRPr>
       </a:lvl8pPr>
-      <a:lvl9pPr marL="3886200" indent="-228600" algn="l" defTabSz="914400" rtl="0" eaLnBrk="1" latinLnBrk="0" hangingPunct="1">
-        <a:lnSpc>
-          <a:spcPct val="90000"/>
-        </a:lnSpc>
-        <a:spcBef>
-          <a:spcPts val="500"/>
-        </a:spcBef>
-        <a:buFont typeface="Arial" panose="020B0604020202020204" pitchFamily="34" charset="0"/>
-        <a:buChar char="•"/>
-        <a:defRPr sz="1800" kern="1200">
-          <a:solidFill>
-            <a:schemeClr val="tx1"/>
-          </a:solidFill>
-          <a:latin typeface="+mn-lt"/>
-          <a:ea typeface="+mn-ea"/>
-          <a:cs typeface="+mn-cs"/>
-        </a:defRPr>
-      </a:lvl9pPr>
-    </p:bodyStyle>
-    <p:otherStyle>
-      <a:defPPr>
-        <a:defRPr lang="fr-FR"/>
-      </a:defPPr>
-      <a:lvl1pPr marL="0" algn="l" defTabSz="914400" rtl="0" eaLnBrk="1" latinLnBrk="0" hangingPunct="1">
-        <a:defRPr sz="1800" kern="1200">
-          <a:solidFill>
-            <a:schemeClr val="tx1"/>
-          </a:solidFill>
-          <a:latin typeface="+mn-lt"/>
-          <a:ea typeface="+mn-ea"/>
-          <a:cs typeface="+mn-cs"/>
-        </a:defRPr>
-      </a:lvl1pPr>
-      <a:lvl2pPr marL="457200" algn="l" defTabSz="914400" rtl="0" eaLnBrk="1" latinLnBrk="0" hangingPunct="1">
-        <a:defRPr sz="1800" kern="1200">
-          <a:solidFill>
-            <a:schemeClr val="tx1"/>
-          </a:solidFill>
-          <a:latin typeface="+mn-lt"/>
-          <a:ea typeface="+mn-ea"/>
-          <a:cs typeface="+mn-cs"/>
-        </a:defRPr>
-      </a:lvl2pPr>
-      <a:lvl3pPr marL="914400" algn="l" defTabSz="914400" rtl="0" eaLnBrk="1" latinLnBrk="0" hangingPunct="1">
-        <a:defRPr sz="1800" kern="1200">
-          <a:solidFill>
-            <a:schemeClr val="tx1"/>
-          </a:solidFill>
-          <a:latin typeface="+mn-lt"/>
-          <a:ea typeface="+mn-ea"/>
-          <a:cs typeface="+mn-cs"/>
-        </a:defRPr>
-      </a:lvl3pPr>
-      <a:lvl4pPr marL="1371600" algn="l" defTabSz="914400" rtl="0" eaLnBrk="1" latinLnBrk="0" hangingPunct="1">
-        <a:defRPr sz="1800" kern="1200">
-          <a:solidFill>
-            <a:schemeClr val="tx1"/>
-          </a:solidFill>
-          <a:latin typeface="+mn-lt"/>
-          <a:ea typeface="+mn-ea"/>
-          <a:cs typeface="+mn-cs"/>
-        </a:defRPr>
-      </a:lvl4pPr>
-      <a:lvl5pPr marL="1828800" algn="l" defTabSz="914400" rtl="0" eaLnBrk="1" latinLnBrk="0" hangingPunct="1">
-        <a:defRPr sz="1800" kern="1200">
-          <a:solidFill>
-            <a:schemeClr val="tx1"/>
-          </a:solidFill>
-          <a:latin typeface="+mn-lt"/>
-          <a:ea typeface="+mn-ea"/>
-          <a:cs typeface="+mn-cs"/>
-        </a:defRPr>
-      </a:lvl5pPr>
-      <a:lvl6pPr marL="2286000" algn="l" defTabSz="914400" rtl="0" eaLnBrk="1" latinLnBrk="0" hangingPunct="1">
-        <a:defRPr sz="1800" kern="1200">
-          <a:solidFill>
-            <a:schemeClr val="tx1"/>
-          </a:solidFill>
-          <a:latin typeface="+mn-lt"/>
-          <a:ea typeface="+mn-ea"/>
-          <a:cs typeface="+mn-cs"/>
-        </a:defRPr>
-      </a:lvl6pPr>
-      <a:lvl7pPr marL="2743200" algn="l" defTabSz="914400" rtl="0" eaLnBrk="1" latinLnBrk="0" hangingPunct="1">
-        <a:defRPr sz="1800" kern="1200">
-          <a:solidFill>
-            <a:schemeClr val="tx1"/>
-          </a:solidFill>
-          <a:latin typeface="+mn-lt"/>
-          <a:ea typeface="+mn-ea"/>
-          <a:cs typeface="+mn-cs"/>
-        </a:defRPr>
-      </a:lvl7pPr>
-      <a:lvl8pPr marL="3200400" algn="l" defTabSz="914400" rtl="0" eaLnBrk="1" latinLnBrk="0" hangingPunct="1">
-        <a:defRPr sz="1800" kern="1200">
-          <a:solidFill>
-            <a:schemeClr val="tx1"/>
-          </a:solidFill>
-          <a:latin typeface="+mn-lt"/>
-          <a:ea typeface="+mn-ea"/>
-          <a:cs typeface="+mn-cs"/>
-        </a:defRPr>
-      </a:lvl8pPr>
-      <a:lvl9pPr marL="3657600" algn="l" defTabSz="914400" rtl="0" eaLnBrk="1" latinLnBrk="0" hangingPunct="1">
+      <a:lvl9pPr marL="3657600" algn="l" defTabSz="457200" rtl="0" eaLnBrk="1" latinLnBrk="0" hangingPunct="1">
         <a:defRPr sz="1800" kern="1200">
           <a:solidFill>
             <a:schemeClr val="tx1"/>
@@ -3111,10 +5371,832 @@
           <a:chExt cx="0" cy="0"/>
         </a:xfrm>
       </p:grpSpPr>
+      <p:sp>
+        <p:nvSpPr>
+          <p:cNvPr id="2" name="Titre 1">
+            <a:extLst>
+              <a:ext uri="{FF2B5EF4-FFF2-40B4-BE49-F238E27FC236}">
+                <a16:creationId xmlns:a16="http://schemas.microsoft.com/office/drawing/2014/main" id="{41981103-A46F-4C2C-B40C-7068F5478867}"/>
+              </a:ext>
+            </a:extLst>
+          </p:cNvPr>
+          <p:cNvSpPr>
+            <a:spLocks noGrp="1"/>
+          </p:cNvSpPr>
+          <p:nvPr>
+            <p:ph type="title"/>
+          </p:nvPr>
+        </p:nvSpPr>
+        <p:spPr>
+          <a:xfrm>
+            <a:off x="1828800" y="1614744"/>
+            <a:ext cx="8534400" cy="1507067"/>
+          </a:xfrm>
+        </p:spPr>
+        <p:txBody>
+          <a:bodyPr/>
+          <a:lstStyle/>
+          <a:p>
+            <a:r>
+              <a:rPr lang="fr-FR" dirty="0"/>
+              <a:t>Projet Python for data </a:t>
+            </a:r>
+            <a:r>
+              <a:rPr lang="fr-FR" dirty="0" err="1"/>
+              <a:t>analysis</a:t>
+            </a:r>
+            <a:endParaRPr lang="fr-FR" dirty="0"/>
+          </a:p>
+        </p:txBody>
+      </p:sp>
+      <p:sp>
+        <p:nvSpPr>
+          <p:cNvPr id="4" name="ZoneTexte 3">
+            <a:extLst>
+              <a:ext uri="{FF2B5EF4-FFF2-40B4-BE49-F238E27FC236}">
+                <a16:creationId xmlns:a16="http://schemas.microsoft.com/office/drawing/2014/main" id="{97F71E66-9C64-4C54-8052-2E32CC73AD53}"/>
+              </a:ext>
+            </a:extLst>
+          </p:cNvPr>
+          <p:cNvSpPr txBox="1"/>
+          <p:nvPr/>
+        </p:nvSpPr>
+        <p:spPr>
+          <a:xfrm>
+            <a:off x="3513056" y="3324256"/>
+            <a:ext cx="5165888" cy="369332"/>
+          </a:xfrm>
+          <a:prstGeom prst="rect">
+            <a:avLst/>
+          </a:prstGeom>
+          <a:noFill/>
+        </p:spPr>
+        <p:txBody>
+          <a:bodyPr wrap="square" rtlCol="0">
+            <a:spAutoFit/>
+          </a:bodyPr>
+          <a:lstStyle/>
+          <a:p>
+            <a:pPr algn="ctr"/>
+            <a:r>
+              <a:rPr lang="fr-FR" dirty="0" err="1"/>
+              <a:t>Shengda</a:t>
+            </a:r>
+            <a:r>
+              <a:rPr lang="fr-FR" dirty="0"/>
+              <a:t> Liu – Matthias Exbrayat</a:t>
+            </a:r>
+          </a:p>
+        </p:txBody>
+      </p:sp>
+      <p:sp>
+        <p:nvSpPr>
+          <p:cNvPr id="5" name="ZoneTexte 4">
+            <a:extLst>
+              <a:ext uri="{FF2B5EF4-FFF2-40B4-BE49-F238E27FC236}">
+                <a16:creationId xmlns:a16="http://schemas.microsoft.com/office/drawing/2014/main" id="{8BCF515C-3063-443D-A971-5FDF86E63F21}"/>
+              </a:ext>
+            </a:extLst>
+          </p:cNvPr>
+          <p:cNvSpPr txBox="1"/>
+          <p:nvPr/>
+        </p:nvSpPr>
+        <p:spPr>
+          <a:xfrm>
+            <a:off x="1187777" y="4272905"/>
+            <a:ext cx="8333295" cy="1754326"/>
+          </a:xfrm>
+          <a:prstGeom prst="rect">
+            <a:avLst/>
+          </a:prstGeom>
+          <a:noFill/>
+        </p:spPr>
+        <p:txBody>
+          <a:bodyPr wrap="square" rtlCol="0">
+            <a:spAutoFit/>
+          </a:bodyPr>
+          <a:lstStyle/>
+          <a:p>
+            <a:r>
+              <a:rPr lang="fr-FR" dirty="0"/>
+              <a:t>Base de données : </a:t>
+            </a:r>
+            <a:r>
+              <a:rPr lang="en-US" b="1" dirty="0"/>
+              <a:t>Electrical Grid Stability Simulated Data</a:t>
+            </a:r>
+          </a:p>
+          <a:p>
+            <a:endParaRPr lang="fr-FR" dirty="0"/>
+          </a:p>
+          <a:p>
+            <a:r>
+              <a:rPr lang="fr-FR" dirty="0"/>
+              <a:t>Elle permet l'analyse de la stabilité locale d’un système en étoile à 4 nœuds (le producteur d'électricité est au centre) mettant en œuvre le concept de contrôle de réseau intelligent décentralisé (</a:t>
+            </a:r>
+            <a:r>
+              <a:rPr lang="fr-FR" dirty="0" err="1"/>
+              <a:t>Decentral</a:t>
+            </a:r>
+            <a:r>
+              <a:rPr lang="fr-FR" dirty="0"/>
+              <a:t> Smart </a:t>
+            </a:r>
+            <a:r>
+              <a:rPr lang="fr-FR" dirty="0" err="1"/>
+              <a:t>Grid</a:t>
+            </a:r>
+            <a:r>
+              <a:rPr lang="fr-FR" dirty="0"/>
+              <a:t> Control).</a:t>
+            </a:r>
+          </a:p>
+        </p:txBody>
+      </p:sp>
     </p:spTree>
     <p:extLst>
       <p:ext uri="{BB962C8B-B14F-4D97-AF65-F5344CB8AC3E}">
-        <p14:creationId xmlns:p14="http://schemas.microsoft.com/office/powerpoint/2010/main" val="611324764"/>
+        <p14:creationId xmlns:p14="http://schemas.microsoft.com/office/powerpoint/2010/main" val="4211097326"/>
+      </p:ext>
+    </p:extLst>
+  </p:cSld>
+  <p:clrMapOvr>
+    <a:masterClrMapping/>
+  </p:clrMapOvr>
+</p:sld>
+</file>
+
+<file path=ppt/slides/slide2.xml><?xml version="1.0" encoding="utf-8"?>
+<p:sld xmlns:a="http://schemas.openxmlformats.org/drawingml/2006/main" xmlns:r="http://schemas.openxmlformats.org/officeDocument/2006/relationships" xmlns:p="http://schemas.openxmlformats.org/presentationml/2006/main">
+  <p:cSld>
+    <p:spTree>
+      <p:nvGrpSpPr>
+        <p:cNvPr id="1" name=""/>
+        <p:cNvGrpSpPr/>
+        <p:nvPr/>
+      </p:nvGrpSpPr>
+      <p:grpSpPr>
+        <a:xfrm>
+          <a:off x="0" y="0"/>
+          <a:ext cx="0" cy="0"/>
+          <a:chOff x="0" y="0"/>
+          <a:chExt cx="0" cy="0"/>
+        </a:xfrm>
+      </p:grpSpPr>
+      <p:sp>
+        <p:nvSpPr>
+          <p:cNvPr id="2" name="Titre 1">
+            <a:extLst>
+              <a:ext uri="{FF2B5EF4-FFF2-40B4-BE49-F238E27FC236}">
+                <a16:creationId xmlns:a16="http://schemas.microsoft.com/office/drawing/2014/main" id="{3173417E-C25D-4121-B451-DC84930C6AB7}"/>
+              </a:ext>
+            </a:extLst>
+          </p:cNvPr>
+          <p:cNvSpPr>
+            <a:spLocks noGrp="1"/>
+          </p:cNvSpPr>
+          <p:nvPr>
+            <p:ph type="title"/>
+          </p:nvPr>
+        </p:nvSpPr>
+        <p:spPr>
+          <a:xfrm>
+            <a:off x="904974" y="412422"/>
+            <a:ext cx="8534400" cy="1507067"/>
+          </a:xfrm>
+        </p:spPr>
+        <p:txBody>
+          <a:bodyPr/>
+          <a:lstStyle/>
+          <a:p>
+            <a:r>
+              <a:rPr lang="fr-FR" dirty="0"/>
+              <a:t>Base de données</a:t>
+            </a:r>
+          </a:p>
+        </p:txBody>
+      </p:sp>
+      <p:sp>
+        <p:nvSpPr>
+          <p:cNvPr id="3" name="Espace réservé du contenu 2">
+            <a:extLst>
+              <a:ext uri="{FF2B5EF4-FFF2-40B4-BE49-F238E27FC236}">
+                <a16:creationId xmlns:a16="http://schemas.microsoft.com/office/drawing/2014/main" id="{3B5E3456-663F-4040-874E-8F71503D5221}"/>
+              </a:ext>
+            </a:extLst>
+          </p:cNvPr>
+          <p:cNvSpPr>
+            <a:spLocks noGrp="1"/>
+          </p:cNvSpPr>
+          <p:nvPr>
+            <p:ph idx="1"/>
+          </p:nvPr>
+        </p:nvSpPr>
+        <p:spPr>
+          <a:xfrm>
+            <a:off x="646504" y="1957108"/>
+            <a:ext cx="9223360" cy="4396557"/>
+          </a:xfrm>
+        </p:spPr>
+        <p:txBody>
+          <a:bodyPr>
+            <a:normAutofit lnSpcReduction="10000"/>
+          </a:bodyPr>
+          <a:lstStyle/>
+          <a:p>
+            <a:pPr>
+              <a:buFont typeface="Wingdings" panose="05000000000000000000" pitchFamily="2" charset="2"/>
+              <a:buChar char="q"/>
+            </a:pPr>
+            <a:r>
+              <a:rPr lang="fr-FR" sz="1600" dirty="0">
+                <a:solidFill>
+                  <a:schemeClr val="tx1"/>
+                </a:solidFill>
+              </a:rPr>
+              <a:t>11 attributs prédictifs, 1 non prédictif (p1), 2 champs d’objectif :</a:t>
+            </a:r>
+          </a:p>
+          <a:p>
+            <a:pPr lvl="1">
+              <a:buFont typeface="Wingdings" panose="05000000000000000000" pitchFamily="2" charset="2"/>
+              <a:buChar char="q"/>
+            </a:pPr>
+            <a:r>
+              <a:rPr lang="fr-FR" sz="1400" b="1" dirty="0">
+                <a:solidFill>
+                  <a:schemeClr val="tx1"/>
+                </a:solidFill>
+              </a:rPr>
+              <a:t>tau[x]</a:t>
+            </a:r>
+            <a:r>
+              <a:rPr lang="fr-FR" sz="1400" dirty="0">
+                <a:solidFill>
+                  <a:schemeClr val="tx1"/>
+                </a:solidFill>
+              </a:rPr>
+              <a:t> : temps de réaction du participant (réel dans l'intervalle [0.5 ;10] s).</a:t>
+            </a:r>
+          </a:p>
+          <a:p>
+            <a:pPr marL="457200" lvl="1" indent="0">
+              <a:buNone/>
+            </a:pPr>
+            <a:r>
+              <a:rPr lang="fr-FR" sz="1400" dirty="0">
+                <a:solidFill>
+                  <a:schemeClr val="tx1"/>
+                </a:solidFill>
+              </a:rPr>
+              <a:t> 	Tau1 - la valeur pour le producteur d'électricité.</a:t>
+            </a:r>
+          </a:p>
+          <a:p>
+            <a:pPr lvl="1">
+              <a:buFont typeface="Wingdings" panose="05000000000000000000" pitchFamily="2" charset="2"/>
+              <a:buChar char="q"/>
+            </a:pPr>
+            <a:r>
+              <a:rPr lang="fr-FR" sz="1400" b="1" dirty="0">
+                <a:solidFill>
+                  <a:schemeClr val="tx1"/>
+                </a:solidFill>
+              </a:rPr>
+              <a:t>p[x]</a:t>
+            </a:r>
+            <a:r>
+              <a:rPr lang="fr-FR" sz="1400" dirty="0">
+                <a:solidFill>
+                  <a:schemeClr val="tx1"/>
+                </a:solidFill>
+              </a:rPr>
+              <a:t> : puissance nominale consommée (négative) / produite (positive) (réelle).</a:t>
+            </a:r>
+          </a:p>
+          <a:p>
+            <a:pPr marL="457200" lvl="1" indent="0">
+              <a:buNone/>
+            </a:pPr>
+            <a:r>
+              <a:rPr lang="fr-FR" sz="1400" dirty="0">
+                <a:solidFill>
+                  <a:schemeClr val="tx1"/>
+                </a:solidFill>
+              </a:rPr>
+              <a:t>	Pour les consommateurs de la plage [-0,5 ; -2] s ^ -2; </a:t>
+            </a:r>
+          </a:p>
+          <a:p>
+            <a:pPr marL="457200" lvl="1" indent="0">
+              <a:buNone/>
+            </a:pPr>
+            <a:r>
+              <a:rPr lang="fr-FR" sz="1400" dirty="0">
+                <a:solidFill>
+                  <a:schemeClr val="tx1"/>
+                </a:solidFill>
+              </a:rPr>
+              <a:t>	p1 = abs (p2 + p3 + p4)</a:t>
+            </a:r>
+          </a:p>
+          <a:p>
+            <a:pPr lvl="1">
+              <a:buFont typeface="Wingdings" panose="05000000000000000000" pitchFamily="2" charset="2"/>
+              <a:buChar char="q"/>
+            </a:pPr>
+            <a:r>
+              <a:rPr lang="fr-FR" sz="1400" b="1" dirty="0">
+                <a:solidFill>
+                  <a:schemeClr val="tx1"/>
+                </a:solidFill>
+              </a:rPr>
+              <a:t>g[x]</a:t>
+            </a:r>
+            <a:r>
+              <a:rPr lang="fr-FR" sz="1400" dirty="0">
+                <a:solidFill>
+                  <a:schemeClr val="tx1"/>
+                </a:solidFill>
+              </a:rPr>
+              <a:t> : coefficient (gamma) proportionnel à l'élasticité des prix (réel de l'intervalle [0.05 ; 1] s ^ -1). </a:t>
+            </a:r>
+          </a:p>
+          <a:p>
+            <a:pPr marL="457200" lvl="1" indent="0">
+              <a:buNone/>
+            </a:pPr>
+            <a:r>
+              <a:rPr lang="fr-FR" sz="1400" dirty="0">
+                <a:solidFill>
+                  <a:schemeClr val="tx1"/>
+                </a:solidFill>
+              </a:rPr>
+              <a:t>	g1 = la valeur pour le producteur d'électricité.</a:t>
+            </a:r>
+            <a:br>
+              <a:rPr lang="fr-FR" sz="1400" dirty="0">
+                <a:solidFill>
+                  <a:schemeClr val="tx1"/>
+                </a:solidFill>
+              </a:rPr>
+            </a:br>
+            <a:endParaRPr lang="fr-FR" sz="1400" dirty="0">
+              <a:solidFill>
+                <a:schemeClr val="tx1"/>
+              </a:solidFill>
+            </a:endParaRPr>
+          </a:p>
+          <a:p>
+            <a:pPr lvl="1">
+              <a:buFont typeface="Wingdings" panose="05000000000000000000" pitchFamily="2" charset="2"/>
+              <a:buChar char="q"/>
+            </a:pPr>
+            <a:r>
+              <a:rPr lang="fr-FR" sz="1400" b="1" dirty="0" err="1">
+                <a:solidFill>
+                  <a:schemeClr val="tx1"/>
+                </a:solidFill>
+              </a:rPr>
+              <a:t>Stab</a:t>
+            </a:r>
+            <a:r>
+              <a:rPr lang="fr-FR" sz="1400" dirty="0">
+                <a:solidFill>
+                  <a:schemeClr val="tx1"/>
+                </a:solidFill>
+              </a:rPr>
+              <a:t> : la partie réelle maximale de la racine de l’équation caractéristique (si positive - le système est linéairement instable) (réel)</a:t>
+            </a:r>
+          </a:p>
+          <a:p>
+            <a:pPr lvl="1">
+              <a:buFont typeface="Wingdings" panose="05000000000000000000" pitchFamily="2" charset="2"/>
+              <a:buChar char="q"/>
+            </a:pPr>
+            <a:r>
+              <a:rPr lang="fr-FR" sz="1400" b="1" dirty="0" err="1">
+                <a:solidFill>
+                  <a:schemeClr val="tx1"/>
+                </a:solidFill>
+              </a:rPr>
+              <a:t>Stabf</a:t>
+            </a:r>
+            <a:r>
+              <a:rPr lang="fr-FR" sz="1400" dirty="0">
+                <a:solidFill>
+                  <a:schemeClr val="tx1"/>
+                </a:solidFill>
+              </a:rPr>
+              <a:t> : l’étiquette de stabilité du système (catégorique: stable / instable)</a:t>
+            </a:r>
+          </a:p>
+          <a:p>
+            <a:pPr marL="457200" lvl="1" indent="0">
+              <a:buNone/>
+            </a:pPr>
+            <a:r>
+              <a:rPr lang="fr-FR" dirty="0">
+                <a:solidFill>
+                  <a:schemeClr val="tx1"/>
+                </a:solidFill>
+              </a:rPr>
+              <a:t>Nous avons choisi de faire une classification du champ « </a:t>
+            </a:r>
+            <a:r>
+              <a:rPr lang="fr-FR" b="1" dirty="0" err="1">
+                <a:solidFill>
+                  <a:schemeClr val="tx1"/>
+                </a:solidFill>
+              </a:rPr>
+              <a:t>Stabf</a:t>
+            </a:r>
+            <a:r>
+              <a:rPr lang="fr-FR" dirty="0">
+                <a:solidFill>
+                  <a:schemeClr val="tx1"/>
+                </a:solidFill>
+              </a:rPr>
+              <a:t> » pour savoir si c’est </a:t>
+            </a:r>
+            <a:r>
+              <a:rPr lang="fr-FR" b="1" dirty="0">
+                <a:solidFill>
+                  <a:schemeClr val="tx1"/>
+                </a:solidFill>
+              </a:rPr>
+              <a:t>stable</a:t>
+            </a:r>
+            <a:r>
+              <a:rPr lang="fr-FR" dirty="0">
+                <a:solidFill>
+                  <a:schemeClr val="tx1"/>
+                </a:solidFill>
+              </a:rPr>
+              <a:t> ou </a:t>
+            </a:r>
+            <a:r>
+              <a:rPr lang="fr-FR" b="1" dirty="0">
+                <a:solidFill>
+                  <a:schemeClr val="tx1"/>
+                </a:solidFill>
+              </a:rPr>
+              <a:t>instable.</a:t>
+            </a:r>
+          </a:p>
+        </p:txBody>
+      </p:sp>
+    </p:spTree>
+    <p:extLst>
+      <p:ext uri="{BB962C8B-B14F-4D97-AF65-F5344CB8AC3E}">
+        <p14:creationId xmlns:p14="http://schemas.microsoft.com/office/powerpoint/2010/main" val="2949809706"/>
+      </p:ext>
+    </p:extLst>
+  </p:cSld>
+  <p:clrMapOvr>
+    <a:masterClrMapping/>
+  </p:clrMapOvr>
+</p:sld>
+</file>
+
+<file path=ppt/slides/slide3.xml><?xml version="1.0" encoding="utf-8"?>
+<p:sld xmlns:a="http://schemas.openxmlformats.org/drawingml/2006/main" xmlns:r="http://schemas.openxmlformats.org/officeDocument/2006/relationships" xmlns:p="http://schemas.openxmlformats.org/presentationml/2006/main">
+  <p:cSld>
+    <p:spTree>
+      <p:nvGrpSpPr>
+        <p:cNvPr id="1" name=""/>
+        <p:cNvGrpSpPr/>
+        <p:nvPr/>
+      </p:nvGrpSpPr>
+      <p:grpSpPr>
+        <a:xfrm>
+          <a:off x="0" y="0"/>
+          <a:ext cx="0" cy="0"/>
+          <a:chOff x="0" y="0"/>
+          <a:chExt cx="0" cy="0"/>
+        </a:xfrm>
+      </p:grpSpPr>
+      <p:sp>
+        <p:nvSpPr>
+          <p:cNvPr id="2" name="Titre 1">
+            <a:extLst>
+              <a:ext uri="{FF2B5EF4-FFF2-40B4-BE49-F238E27FC236}">
+                <a16:creationId xmlns:a16="http://schemas.microsoft.com/office/drawing/2014/main" id="{3173417E-C25D-4121-B451-DC84930C6AB7}"/>
+              </a:ext>
+            </a:extLst>
+          </p:cNvPr>
+          <p:cNvSpPr>
+            <a:spLocks noGrp="1"/>
+          </p:cNvSpPr>
+          <p:nvPr>
+            <p:ph type="title"/>
+          </p:nvPr>
+        </p:nvSpPr>
+        <p:spPr>
+          <a:xfrm>
+            <a:off x="904974" y="412422"/>
+            <a:ext cx="8534400" cy="1507067"/>
+          </a:xfrm>
+        </p:spPr>
+        <p:txBody>
+          <a:bodyPr/>
+          <a:lstStyle/>
+          <a:p>
+            <a:r>
+              <a:rPr lang="fr-FR" dirty="0"/>
+              <a:t>Base de données</a:t>
+            </a:r>
+          </a:p>
+        </p:txBody>
+      </p:sp>
+      <p:sp>
+        <p:nvSpPr>
+          <p:cNvPr id="3" name="Espace réservé du contenu 2">
+            <a:extLst>
+              <a:ext uri="{FF2B5EF4-FFF2-40B4-BE49-F238E27FC236}">
+                <a16:creationId xmlns:a16="http://schemas.microsoft.com/office/drawing/2014/main" id="{3B5E3456-663F-4040-874E-8F71503D5221}"/>
+              </a:ext>
+            </a:extLst>
+          </p:cNvPr>
+          <p:cNvSpPr>
+            <a:spLocks noGrp="1"/>
+          </p:cNvSpPr>
+          <p:nvPr>
+            <p:ph idx="1"/>
+          </p:nvPr>
+        </p:nvSpPr>
+        <p:spPr>
+          <a:xfrm>
+            <a:off x="646504" y="3429000"/>
+            <a:ext cx="9223360" cy="2924665"/>
+          </a:xfrm>
+        </p:spPr>
+        <p:txBody>
+          <a:bodyPr>
+            <a:normAutofit/>
+          </a:bodyPr>
+          <a:lstStyle/>
+          <a:p>
+            <a:pPr marL="0" indent="0">
+              <a:buNone/>
+            </a:pPr>
+            <a:r>
+              <a:rPr lang="fr-FR" dirty="0">
+                <a:solidFill>
+                  <a:schemeClr val="tx1"/>
+                </a:solidFill>
+              </a:rPr>
+              <a:t>On peut voir qu’il y un champ « </a:t>
+            </a:r>
+            <a:r>
+              <a:rPr lang="fr-FR" dirty="0" err="1">
+                <a:solidFill>
+                  <a:schemeClr val="tx1"/>
+                </a:solidFill>
+              </a:rPr>
+              <a:t>stabf_stable</a:t>
+            </a:r>
+            <a:r>
+              <a:rPr lang="fr-FR" dirty="0">
+                <a:solidFill>
+                  <a:schemeClr val="tx1"/>
+                </a:solidFill>
+              </a:rPr>
+              <a:t> » et « </a:t>
+            </a:r>
+            <a:r>
+              <a:rPr lang="fr-FR" dirty="0" err="1">
+                <a:solidFill>
+                  <a:schemeClr val="tx1"/>
+                </a:solidFill>
+              </a:rPr>
+              <a:t>stabf_unstable</a:t>
+            </a:r>
+            <a:r>
+              <a:rPr lang="fr-FR" dirty="0">
+                <a:solidFill>
+                  <a:schemeClr val="tx1"/>
+                </a:solidFill>
+              </a:rPr>
+              <a:t> », un seul est à 1 en fonction de la stabilité.</a:t>
+            </a:r>
+          </a:p>
+          <a:p>
+            <a:pPr marL="0" indent="0">
+              <a:buNone/>
+            </a:pPr>
+            <a:r>
+              <a:rPr lang="fr-FR" dirty="0">
+                <a:solidFill>
+                  <a:schemeClr val="tx1"/>
+                </a:solidFill>
+              </a:rPr>
+              <a:t>Pour prédire cette valeur nous avons 12 champs (tau1, …, </a:t>
+            </a:r>
+            <a:r>
+              <a:rPr lang="fr-FR" dirty="0" err="1">
+                <a:solidFill>
+                  <a:schemeClr val="tx1"/>
+                </a:solidFill>
+              </a:rPr>
+              <a:t>stab</a:t>
+            </a:r>
+            <a:r>
+              <a:rPr lang="fr-FR" dirty="0">
+                <a:solidFill>
+                  <a:schemeClr val="tx1"/>
+                </a:solidFill>
+              </a:rPr>
+              <a:t>).</a:t>
+            </a:r>
+          </a:p>
+        </p:txBody>
+      </p:sp>
+      <p:pic>
+        <p:nvPicPr>
+          <p:cNvPr id="5" name="Image 4">
+            <a:extLst>
+              <a:ext uri="{FF2B5EF4-FFF2-40B4-BE49-F238E27FC236}">
+                <a16:creationId xmlns:a16="http://schemas.microsoft.com/office/drawing/2014/main" id="{3C55AB0E-B117-44F1-8061-E40E27419CA2}"/>
+              </a:ext>
+            </a:extLst>
+          </p:cNvPr>
+          <p:cNvPicPr>
+            <a:picLocks noChangeAspect="1"/>
+          </p:cNvPicPr>
+          <p:nvPr/>
+        </p:nvPicPr>
+        <p:blipFill>
+          <a:blip r:embed="rId2"/>
+          <a:stretch>
+            <a:fillRect/>
+          </a:stretch>
+        </p:blipFill>
+        <p:spPr>
+          <a:xfrm>
+            <a:off x="904974" y="2078610"/>
+            <a:ext cx="9502964" cy="1028789"/>
+          </a:xfrm>
+          <a:prstGeom prst="rect">
+            <a:avLst/>
+          </a:prstGeom>
+        </p:spPr>
+      </p:pic>
+    </p:spTree>
+    <p:extLst>
+      <p:ext uri="{BB962C8B-B14F-4D97-AF65-F5344CB8AC3E}">
+        <p14:creationId xmlns:p14="http://schemas.microsoft.com/office/powerpoint/2010/main" val="1361577992"/>
+      </p:ext>
+    </p:extLst>
+  </p:cSld>
+  <p:clrMapOvr>
+    <a:masterClrMapping/>
+  </p:clrMapOvr>
+</p:sld>
+</file>
+
+<file path=ppt/slides/slide4.xml><?xml version="1.0" encoding="utf-8"?>
+<p:sld xmlns:a="http://schemas.openxmlformats.org/drawingml/2006/main" xmlns:r="http://schemas.openxmlformats.org/officeDocument/2006/relationships" xmlns:p="http://schemas.openxmlformats.org/presentationml/2006/main">
+  <p:cSld>
+    <p:spTree>
+      <p:nvGrpSpPr>
+        <p:cNvPr id="1" name=""/>
+        <p:cNvGrpSpPr/>
+        <p:nvPr/>
+      </p:nvGrpSpPr>
+      <p:grpSpPr>
+        <a:xfrm>
+          <a:off x="0" y="0"/>
+          <a:ext cx="0" cy="0"/>
+          <a:chOff x="0" y="0"/>
+          <a:chExt cx="0" cy="0"/>
+        </a:xfrm>
+      </p:grpSpPr>
+      <p:sp>
+        <p:nvSpPr>
+          <p:cNvPr id="2" name="Titre 1">
+            <a:extLst>
+              <a:ext uri="{FF2B5EF4-FFF2-40B4-BE49-F238E27FC236}">
+                <a16:creationId xmlns:a16="http://schemas.microsoft.com/office/drawing/2014/main" id="{3173417E-C25D-4121-B451-DC84930C6AB7}"/>
+              </a:ext>
+            </a:extLst>
+          </p:cNvPr>
+          <p:cNvSpPr>
+            <a:spLocks noGrp="1"/>
+          </p:cNvSpPr>
+          <p:nvPr>
+            <p:ph type="title"/>
+          </p:nvPr>
+        </p:nvSpPr>
+        <p:spPr>
+          <a:xfrm>
+            <a:off x="904974" y="412422"/>
+            <a:ext cx="8534400" cy="1507067"/>
+          </a:xfrm>
+        </p:spPr>
+        <p:txBody>
+          <a:bodyPr/>
+          <a:lstStyle/>
+          <a:p>
+            <a:r>
+              <a:rPr lang="fr-FR" dirty="0"/>
+              <a:t>Récupération des données</a:t>
+            </a:r>
+          </a:p>
+        </p:txBody>
+      </p:sp>
+      <p:sp>
+        <p:nvSpPr>
+          <p:cNvPr id="3" name="Espace réservé du contenu 2">
+            <a:extLst>
+              <a:ext uri="{FF2B5EF4-FFF2-40B4-BE49-F238E27FC236}">
+                <a16:creationId xmlns:a16="http://schemas.microsoft.com/office/drawing/2014/main" id="{3B5E3456-663F-4040-874E-8F71503D5221}"/>
+              </a:ext>
+            </a:extLst>
+          </p:cNvPr>
+          <p:cNvSpPr>
+            <a:spLocks noGrp="1"/>
+          </p:cNvSpPr>
+          <p:nvPr>
+            <p:ph idx="1"/>
+          </p:nvPr>
+        </p:nvSpPr>
+        <p:spPr>
+          <a:xfrm>
+            <a:off x="904974" y="1908926"/>
+            <a:ext cx="9223360" cy="868401"/>
+          </a:xfrm>
+        </p:spPr>
+        <p:txBody>
+          <a:bodyPr>
+            <a:normAutofit/>
+          </a:bodyPr>
+          <a:lstStyle/>
+          <a:p>
+            <a:pPr marL="0" indent="0">
+              <a:buNone/>
+            </a:pPr>
+            <a:r>
+              <a:rPr lang="fr-FR" dirty="0">
+                <a:solidFill>
+                  <a:schemeClr val="tx1"/>
+                </a:solidFill>
+              </a:rPr>
+              <a:t>Pour récupérer les données en WebScrapping nous avons utilisé « </a:t>
+            </a:r>
+            <a:r>
+              <a:rPr lang="fr-FR" dirty="0" err="1">
+                <a:solidFill>
+                  <a:schemeClr val="tx1"/>
+                </a:solidFill>
+              </a:rPr>
+              <a:t>selenium</a:t>
+            </a:r>
+            <a:r>
+              <a:rPr lang="fr-FR" dirty="0">
+                <a:solidFill>
+                  <a:schemeClr val="tx1"/>
+                </a:solidFill>
+              </a:rPr>
+              <a:t> » de la façon suivante :</a:t>
+            </a:r>
+          </a:p>
+        </p:txBody>
+      </p:sp>
+      <p:pic>
+        <p:nvPicPr>
+          <p:cNvPr id="6" name="Image 5">
+            <a:extLst>
+              <a:ext uri="{FF2B5EF4-FFF2-40B4-BE49-F238E27FC236}">
+                <a16:creationId xmlns:a16="http://schemas.microsoft.com/office/drawing/2014/main" id="{181E78C7-84B3-46DB-BCE4-46D4ED7FC839}"/>
+              </a:ext>
+            </a:extLst>
+          </p:cNvPr>
+          <p:cNvPicPr>
+            <a:picLocks noChangeAspect="1"/>
+          </p:cNvPicPr>
+          <p:nvPr/>
+        </p:nvPicPr>
+        <p:blipFill>
+          <a:blip r:embed="rId2"/>
+          <a:stretch>
+            <a:fillRect/>
+          </a:stretch>
+        </p:blipFill>
+        <p:spPr>
+          <a:xfrm>
+            <a:off x="888094" y="3148714"/>
+            <a:ext cx="9255350" cy="1789798"/>
+          </a:xfrm>
+          <a:prstGeom prst="rect">
+            <a:avLst/>
+          </a:prstGeom>
+        </p:spPr>
+      </p:pic>
+    </p:spTree>
+    <p:extLst>
+      <p:ext uri="{BB962C8B-B14F-4D97-AF65-F5344CB8AC3E}">
+        <p14:creationId xmlns:p14="http://schemas.microsoft.com/office/powerpoint/2010/main" val="661497187"/>
       </p:ext>
     </p:extLst>
   </p:cSld>
@@ -3125,9 +6207,9 @@
 </file>
 
 <file path=ppt/theme/theme1.xml><?xml version="1.0" encoding="utf-8"?>
-<a:theme xmlns:a="http://schemas.openxmlformats.org/drawingml/2006/main" name="Thème Office">
+<a:theme xmlns:a="http://schemas.openxmlformats.org/drawingml/2006/main" name="Secteur">
   <a:themeElements>
-    <a:clrScheme name="Office">
+    <a:clrScheme name="Secteur">
       <a:dk1>
         <a:sysClr val="windowText" lastClr="000000"/>
       </a:dk1>
@@ -3135,100 +6217,48 @@
         <a:sysClr val="window" lastClr="FFFFFF"/>
       </a:lt1>
       <a:dk2>
-        <a:srgbClr val="44546A"/>
+        <a:srgbClr val="146194"/>
       </a:dk2>
       <a:lt2>
-        <a:srgbClr val="E7E6E6"/>
+        <a:srgbClr val="76DBF4"/>
       </a:lt2>
       <a:accent1>
-        <a:srgbClr val="4472C4"/>
+        <a:srgbClr val="052F61"/>
       </a:accent1>
       <a:accent2>
-        <a:srgbClr val="ED7D31"/>
+        <a:srgbClr val="A50E82"/>
       </a:accent2>
       <a:accent3>
-        <a:srgbClr val="A5A5A5"/>
+        <a:srgbClr val="14967C"/>
       </a:accent3>
       <a:accent4>
-        <a:srgbClr val="FFC000"/>
+        <a:srgbClr val="6A9E1F"/>
       </a:accent4>
       <a:accent5>
-        <a:srgbClr val="5B9BD5"/>
+        <a:srgbClr val="E87D37"/>
       </a:accent5>
       <a:accent6>
-        <a:srgbClr val="70AD47"/>
+        <a:srgbClr val="C62324"/>
       </a:accent6>
       <a:hlink>
-        <a:srgbClr val="0563C1"/>
+        <a:srgbClr val="0D2E46"/>
       </a:hlink>
       <a:folHlink>
-        <a:srgbClr val="954F72"/>
+        <a:srgbClr val="356A95"/>
       </a:folHlink>
     </a:clrScheme>
-    <a:fontScheme name="Office">
+    <a:fontScheme name="Secteur">
       <a:majorFont>
-        <a:latin typeface="Calibri Light" panose="020F0302020204030204"/>
+        <a:latin typeface="Century Gothic" panose="020B0502020202020204"/>
         <a:ea typeface=""/>
         <a:cs typeface=""/>
-        <a:font script="Jpan" typeface="游ゴシック Light"/>
-        <a:font script="Hang" typeface="맑은 고딕"/>
-        <a:font script="Hans" typeface="等线 Light"/>
-        <a:font script="Hant" typeface="新細明體"/>
-        <a:font script="Arab" typeface="Times New Roman"/>
-        <a:font script="Hebr" typeface="Times New Roman"/>
-        <a:font script="Thai" typeface="Angsana New"/>
-        <a:font script="Ethi" typeface="Nyala"/>
-        <a:font script="Beng" typeface="Vrinda"/>
-        <a:font script="Gujr" typeface="Shruti"/>
-        <a:font script="Khmr" typeface="MoolBoran"/>
-        <a:font script="Knda" typeface="Tunga"/>
-        <a:font script="Guru" typeface="Raavi"/>
-        <a:font script="Cans" typeface="Euphemia"/>
-        <a:font script="Cher" typeface="Plantagenet Cherokee"/>
-        <a:font script="Yiii" typeface="Microsoft Yi Baiti"/>
-        <a:font script="Tibt" typeface="Microsoft Himalaya"/>
-        <a:font script="Thaa" typeface="MV Boli"/>
-        <a:font script="Deva" typeface="Mangal"/>
-        <a:font script="Telu" typeface="Gautami"/>
-        <a:font script="Taml" typeface="Latha"/>
-        <a:font script="Syrc" typeface="Estrangelo Edessa"/>
-        <a:font script="Orya" typeface="Kalinga"/>
-        <a:font script="Mlym" typeface="Kartika"/>
-        <a:font script="Laoo" typeface="DokChampa"/>
-        <a:font script="Sinh" typeface="Iskoola Pota"/>
-        <a:font script="Mong" typeface="Mongolian Baiti"/>
-        <a:font script="Viet" typeface="Times New Roman"/>
-        <a:font script="Uigh" typeface="Microsoft Uighur"/>
-        <a:font script="Geor" typeface="Sylfaen"/>
-        <a:font script="Armn" typeface="Arial"/>
-        <a:font script="Bugi" typeface="Leelawadee UI"/>
-        <a:font script="Bopo" typeface="Microsoft JhengHei"/>
-        <a:font script="Java" typeface="Javanese Text"/>
-        <a:font script="Lisu" typeface="Segoe UI"/>
-        <a:font script="Mymr" typeface="Myanmar Text"/>
-        <a:font script="Nkoo" typeface="Ebrima"/>
-        <a:font script="Olck" typeface="Nirmala UI"/>
-        <a:font script="Osma" typeface="Ebrima"/>
-        <a:font script="Phag" typeface="Phagspa"/>
-        <a:font script="Syrn" typeface="Estrangelo Edessa"/>
-        <a:font script="Syrj" typeface="Estrangelo Edessa"/>
-        <a:font script="Syre" typeface="Estrangelo Edessa"/>
-        <a:font script="Sora" typeface="Nirmala UI"/>
-        <a:font script="Tale" typeface="Microsoft Tai Le"/>
-        <a:font script="Talu" typeface="Microsoft New Tai Lue"/>
-        <a:font script="Tfng" typeface="Ebrima"/>
-      </a:majorFont>
-      <a:minorFont>
-        <a:latin typeface="Calibri" panose="020F0502020204030204"/>
-        <a:ea typeface=""/>
-        <a:cs typeface=""/>
-        <a:font script="Jpan" typeface="游ゴシック"/>
-        <a:font script="Hang" typeface="맑은 고딕"/>
-        <a:font script="Hans" typeface="等线"/>
-        <a:font script="Hant" typeface="新細明體"/>
-        <a:font script="Arab" typeface="Arial"/>
-        <a:font script="Hebr" typeface="Arial"/>
-        <a:font script="Thai" typeface="Cordia New"/>
+        <a:font script="Jpan" typeface="メイリオ"/>
+        <a:font script="Hang" typeface="HY중고딕"/>
+        <a:font script="Hans" typeface="幼圆"/>
+        <a:font script="Hant" typeface="微軟正黑體"/>
+        <a:font script="Arab" typeface="Tahoma"/>
+        <a:font script="Hebr" typeface="Gisha"/>
+        <a:font script="Thai" typeface="DilleniaUPC"/>
         <a:font script="Ethi" typeface="Nyala"/>
         <a:font script="Beng" typeface="Vrinda"/>
         <a:font script="Gujr" typeface="Shruti"/>
@@ -3249,29 +6279,47 @@
         <a:font script="Laoo" typeface="DokChampa"/>
         <a:font script="Sinh" typeface="Iskoola Pota"/>
         <a:font script="Mong" typeface="Mongolian Baiti"/>
-        <a:font script="Viet" typeface="Arial"/>
+        <a:font script="Viet" typeface="Tahoma"/>
         <a:font script="Uigh" typeface="Microsoft Uighur"/>
         <a:font script="Geor" typeface="Sylfaen"/>
-        <a:font script="Armn" typeface="Arial"/>
-        <a:font script="Bugi" typeface="Leelawadee UI"/>
-        <a:font script="Bopo" typeface="Microsoft JhengHei"/>
-        <a:font script="Java" typeface="Javanese Text"/>
-        <a:font script="Lisu" typeface="Segoe UI"/>
-        <a:font script="Mymr" typeface="Myanmar Text"/>
-        <a:font script="Nkoo" typeface="Ebrima"/>
-        <a:font script="Olck" typeface="Nirmala UI"/>
-        <a:font script="Osma" typeface="Ebrima"/>
-        <a:font script="Phag" typeface="Phagspa"/>
-        <a:font script="Syrn" typeface="Estrangelo Edessa"/>
-        <a:font script="Syrj" typeface="Estrangelo Edessa"/>
-        <a:font script="Syre" typeface="Estrangelo Edessa"/>
-        <a:font script="Sora" typeface="Nirmala UI"/>
-        <a:font script="Tale" typeface="Microsoft Tai Le"/>
-        <a:font script="Talu" typeface="Microsoft New Tai Lue"/>
-        <a:font script="Tfng" typeface="Ebrima"/>
+      </a:majorFont>
+      <a:minorFont>
+        <a:latin typeface="Century Gothic" panose="020B0502020202020204"/>
+        <a:ea typeface=""/>
+        <a:cs typeface=""/>
+        <a:font script="Jpan" typeface="メイリオ"/>
+        <a:font script="Hang" typeface="HY중고딕"/>
+        <a:font script="Hans" typeface="幼圆"/>
+        <a:font script="Hant" typeface="微軟正黑體"/>
+        <a:font script="Arab" typeface="Tahoma"/>
+        <a:font script="Hebr" typeface="Gisha"/>
+        <a:font script="Thai" typeface="DilleniaUPC"/>
+        <a:font script="Ethi" typeface="Nyala"/>
+        <a:font script="Beng" typeface="Vrinda"/>
+        <a:font script="Gujr" typeface="Shruti"/>
+        <a:font script="Khmr" typeface="DaunPenh"/>
+        <a:font script="Knda" typeface="Tunga"/>
+        <a:font script="Guru" typeface="Raavi"/>
+        <a:font script="Cans" typeface="Euphemia"/>
+        <a:font script="Cher" typeface="Plantagenet Cherokee"/>
+        <a:font script="Yiii" typeface="Microsoft Yi Baiti"/>
+        <a:font script="Tibt" typeface="Microsoft Himalaya"/>
+        <a:font script="Thaa" typeface="MV Boli"/>
+        <a:font script="Deva" typeface="Mangal"/>
+        <a:font script="Telu" typeface="Gautami"/>
+        <a:font script="Taml" typeface="Latha"/>
+        <a:font script="Syrc" typeface="Estrangelo Edessa"/>
+        <a:font script="Orya" typeface="Kalinga"/>
+        <a:font script="Mlym" typeface="Kartika"/>
+        <a:font script="Laoo" typeface="DokChampa"/>
+        <a:font script="Sinh" typeface="Iskoola Pota"/>
+        <a:font script="Mong" typeface="Mongolian Baiti"/>
+        <a:font script="Viet" typeface="Tahoma"/>
+        <a:font script="Uigh" typeface="Microsoft Uighur"/>
+        <a:font script="Geor" typeface="Sylfaen"/>
       </a:minorFont>
     </a:fontScheme>
-    <a:fmtScheme name="Office">
+    <a:fmtScheme name="Secteur">
       <a:fillStyleLst>
         <a:solidFill>
           <a:schemeClr val="phClr"/>
@@ -3280,23 +6328,16 @@
           <a:gsLst>
             <a:gs pos="0">
               <a:schemeClr val="phClr">
+                <a:tint val="62000"/>
+                <a:hueMod val="94000"/>
+                <a:satMod val="140000"/>
                 <a:lumMod val="110000"/>
-                <a:satMod val="105000"/>
-                <a:tint val="67000"/>
-              </a:schemeClr>
-            </a:gs>
-            <a:gs pos="50000">
-              <a:schemeClr val="phClr">
-                <a:lumMod val="105000"/>
-                <a:satMod val="103000"/>
-                <a:tint val="73000"/>
               </a:schemeClr>
             </a:gs>
             <a:gs pos="100000">
               <a:schemeClr val="phClr">
-                <a:lumMod val="105000"/>
-                <a:satMod val="109000"/>
-                <a:tint val="81000"/>
+                <a:tint val="84000"/>
+                <a:satMod val="160000"/>
               </a:schemeClr>
             </a:gs>
           </a:gsLst>
@@ -3306,23 +6347,16 @@
           <a:gsLst>
             <a:gs pos="0">
               <a:schemeClr val="phClr">
-                <a:satMod val="103000"/>
-                <a:lumMod val="102000"/>
-                <a:tint val="94000"/>
-              </a:schemeClr>
-            </a:gs>
-            <a:gs pos="50000">
-              <a:schemeClr val="phClr">
-                <a:satMod val="110000"/>
-                <a:lumMod val="100000"/>
-                <a:shade val="100000"/>
+                <a:tint val="98000"/>
+                <a:hueMod val="94000"/>
+                <a:satMod val="130000"/>
+                <a:lumMod val="128000"/>
               </a:schemeClr>
             </a:gs>
             <a:gs pos="100000">
               <a:schemeClr val="phClr">
-                <a:lumMod val="99000"/>
-                <a:satMod val="120000"/>
-                <a:shade val="78000"/>
+                <a:shade val="94000"/>
+                <a:lumMod val="88000"/>
               </a:schemeClr>
             </a:gs>
           </a:gsLst>
@@ -3330,26 +6364,29 @@
         </a:gradFill>
       </a:fillStyleLst>
       <a:lnStyleLst>
-        <a:ln w="6350" cap="flat" cmpd="sng" algn="ctr">
+        <a:ln w="9525" cap="rnd" cmpd="sng" algn="ctr">
+          <a:solidFill>
+            <a:schemeClr val="phClr">
+              <a:tint val="76000"/>
+              <a:alpha val="60000"/>
+              <a:hueMod val="94000"/>
+            </a:schemeClr>
+          </a:solidFill>
+          <a:prstDash val="solid"/>
+        </a:ln>
+        <a:ln w="15875" cap="rnd" cmpd="sng" algn="ctr">
+          <a:solidFill>
+            <a:schemeClr val="phClr">
+              <a:hueMod val="94000"/>
+            </a:schemeClr>
+          </a:solidFill>
+          <a:prstDash val="solid"/>
+        </a:ln>
+        <a:ln w="28575" cap="rnd" cmpd="sng" algn="ctr">
           <a:solidFill>
             <a:schemeClr val="phClr"/>
           </a:solidFill>
           <a:prstDash val="solid"/>
-          <a:miter lim="800000"/>
-        </a:ln>
-        <a:ln w="12700" cap="flat" cmpd="sng" algn="ctr">
-          <a:solidFill>
-            <a:schemeClr val="phClr"/>
-          </a:solidFill>
-          <a:prstDash val="solid"/>
-          <a:miter lim="800000"/>
-        </a:ln>
-        <a:ln w="19050" cap="flat" cmpd="sng" algn="ctr">
-          <a:solidFill>
-            <a:schemeClr val="phClr"/>
-          </a:solidFill>
-          <a:prstDash val="solid"/>
-          <a:miter lim="800000"/>
         </a:ln>
       </a:lnStyleLst>
       <a:effectStyleLst>
@@ -3357,54 +6394,78 @@
           <a:effectLst/>
         </a:effectStyle>
         <a:effectStyle>
-          <a:effectLst/>
+          <a:effectLst>
+            <a:innerShdw blurRad="25400" dist="12700" dir="13500000">
+              <a:srgbClr val="000000">
+                <a:alpha val="45000"/>
+              </a:srgbClr>
+            </a:innerShdw>
+          </a:effectLst>
         </a:effectStyle>
         <a:effectStyle>
           <a:effectLst>
-            <a:outerShdw blurRad="57150" dist="19050" dir="5400000" algn="ctr" rotWithShape="0">
+            <a:outerShdw blurRad="50800" dist="38100" dir="5400000" rotWithShape="0">
               <a:srgbClr val="000000">
-                <a:alpha val="63000"/>
+                <a:alpha val="46000"/>
               </a:srgbClr>
             </a:outerShdw>
           </a:effectLst>
+          <a:scene3d>
+            <a:camera prst="orthographicFront">
+              <a:rot lat="0" lon="0" rev="0"/>
+            </a:camera>
+            <a:lightRig rig="threePt" dir="t"/>
+          </a:scene3d>
+          <a:sp3d prstMaterial="plastic">
+            <a:bevelT w="25400" h="25400"/>
+          </a:sp3d>
         </a:effectStyle>
       </a:effectStyleLst>
       <a:bgFillStyleLst>
         <a:solidFill>
           <a:schemeClr val="phClr"/>
         </a:solidFill>
-        <a:solidFill>
-          <a:schemeClr val="phClr">
-            <a:tint val="95000"/>
-            <a:satMod val="170000"/>
-          </a:schemeClr>
-        </a:solidFill>
+        <a:gradFill rotWithShape="1">
+          <a:gsLst>
+            <a:gs pos="10000">
+              <a:schemeClr val="phClr">
+                <a:tint val="97000"/>
+                <a:hueMod val="92000"/>
+                <a:satMod val="169000"/>
+                <a:lumMod val="164000"/>
+              </a:schemeClr>
+            </a:gs>
+            <a:gs pos="100000">
+              <a:schemeClr val="phClr">
+                <a:shade val="96000"/>
+                <a:satMod val="120000"/>
+                <a:lumMod val="90000"/>
+              </a:schemeClr>
+            </a:gs>
+          </a:gsLst>
+          <a:lin ang="6120000" scaled="1"/>
+        </a:gradFill>
         <a:gradFill rotWithShape="1">
           <a:gsLst>
             <a:gs pos="0">
               <a:schemeClr val="phClr">
-                <a:tint val="93000"/>
-                <a:satMod val="150000"/>
-                <a:shade val="98000"/>
-                <a:lumMod val="102000"/>
-              </a:schemeClr>
-            </a:gs>
-            <a:gs pos="50000">
-              <a:schemeClr val="phClr">
-                <a:tint val="98000"/>
-                <a:satMod val="130000"/>
-                <a:shade val="90000"/>
-                <a:lumMod val="103000"/>
+                <a:tint val="97000"/>
+                <a:hueMod val="92000"/>
+                <a:satMod val="169000"/>
+                <a:lumMod val="164000"/>
               </a:schemeClr>
             </a:gs>
             <a:gs pos="100000">
               <a:schemeClr val="phClr">
-                <a:shade val="63000"/>
+                <a:shade val="96000"/>
                 <a:satMod val="120000"/>
+                <a:lumMod val="90000"/>
               </a:schemeClr>
             </a:gs>
           </a:gsLst>
-          <a:lin ang="5400000" scaled="0"/>
+          <a:path path="circle">
+            <a:fillToRect b="100000"/>
+          </a:path>
         </a:gradFill>
       </a:bgFillStyleLst>
     </a:fmtScheme>
@@ -3413,7 +6474,7 @@
   <a:extraClrSchemeLst/>
   <a:extLst>
     <a:ext uri="{05A4C25C-085E-4340-85A3-A5531E510DB2}">
-      <thm15:themeFamily xmlns:thm15="http://schemas.microsoft.com/office/thememl/2012/main" name="Office Theme" id="{62F939B6-93AF-4DB8-9C6B-D6C7DFDC589F}" vid="{4A3C46E8-61CC-4603-A589-7422A47A8E4A}"/>
+      <thm15:themeFamily xmlns:thm15="http://schemas.microsoft.com/office/thememl/2012/main" name="Slice" id="{0507925B-6AC9-4358-8E18-C330545D08F8}" vid="{13FEC7C6-62A9-40C4-99D2-581AACACAA2F}"/>
     </a:ext>
   </a:extLst>
 </a:theme>
